--- a/jami3a.pptx
+++ b/jami3a.pptx
@@ -5,7 +5,7 @@
     <p:sldMasterId id="2147483688" r:id="rId1"/>
   </p:sldMasterIdLst>
   <p:notesMasterIdLst>
-    <p:notesMasterId r:id="rId15"/>
+    <p:notesMasterId r:id="rId13"/>
   </p:notesMasterIdLst>
   <p:sldIdLst>
     <p:sldId id="256" r:id="rId2"/>
@@ -17,27 +17,25 @@
     <p:sldId id="313" r:id="rId8"/>
     <p:sldId id="276" r:id="rId9"/>
     <p:sldId id="272" r:id="rId10"/>
-    <p:sldId id="269" r:id="rId11"/>
-    <p:sldId id="283" r:id="rId12"/>
-    <p:sldId id="284" r:id="rId13"/>
-    <p:sldId id="290" r:id="rId14"/>
+    <p:sldId id="284" r:id="rId11"/>
+    <p:sldId id="290" r:id="rId12"/>
   </p:sldIdLst>
   <p:sldSz cx="9144000" cy="5143500" type="screen16x9"/>
   <p:notesSz cx="6858000" cy="9144000"/>
   <p:embeddedFontLst>
     <p:embeddedFont>
-      <p:font typeface="Assistant" panose="020B0604020202020204" charset="-79"/>
-      <p:regular r:id="rId16"/>
-      <p:bold r:id="rId17"/>
+      <p:font typeface="Shrikhand" panose="020B0604020202020204" charset="0"/>
+      <p:regular r:id="rId14"/>
     </p:embeddedFont>
     <p:embeddedFont>
-      <p:font typeface="Shrikhand" panose="020B0604020202020204" charset="0"/>
-      <p:regular r:id="rId18"/>
+      <p:font typeface="Assistant" panose="020B0604020202020204" charset="-79"/>
+      <p:regular r:id="rId15"/>
+      <p:bold r:id="rId16"/>
     </p:embeddedFont>
     <p:embeddedFont>
       <p:font typeface="Roboto Condensed Light" panose="02000000000000000000" pitchFamily="2" charset="0"/>
-      <p:regular r:id="rId19"/>
-      <p:italic r:id="rId20"/>
+      <p:regular r:id="rId17"/>
+      <p:italic r:id="rId18"/>
     </p:embeddedFont>
   </p:embeddedFontLst>
   <p:defaultTextStyle>
@@ -838,214 +836,6 @@
   <p:cSld>
     <p:spTree>
       <p:nvGrpSpPr>
-        <p:cNvPr id="1" name="Shape 424"/>
-        <p:cNvGrpSpPr/>
-        <p:nvPr/>
-      </p:nvGrpSpPr>
-      <p:grpSpPr>
-        <a:xfrm>
-          <a:off x="0" y="0"/>
-          <a:ext cx="0" cy="0"/>
-          <a:chOff x="0" y="0"/>
-          <a:chExt cx="0" cy="0"/>
-        </a:xfrm>
-      </p:grpSpPr>
-      <p:sp>
-        <p:nvSpPr>
-          <p:cNvPr id="425" name="Google Shape;425;g111a0a9de56_0_18647:notes"/>
-          <p:cNvSpPr>
-            <a:spLocks noGrp="1" noRot="1" noChangeAspect="1"/>
-          </p:cNvSpPr>
-          <p:nvPr>
-            <p:ph type="sldImg" idx="2"/>
-          </p:nvPr>
-        </p:nvSpPr>
-        <p:spPr>
-          <a:xfrm>
-            <a:off x="381300" y="685800"/>
-            <a:ext cx="6096000" cy="3429000"/>
-          </a:xfrm>
-          <a:custGeom>
-            <a:avLst/>
-            <a:gdLst/>
-            <a:ahLst/>
-            <a:cxnLst/>
-            <a:rect l="l" t="t" r="r" b="b"/>
-            <a:pathLst>
-              <a:path w="120000" h="120000" extrusionOk="0">
-                <a:moveTo>
-                  <a:pt x="0" y="0"/>
-                </a:moveTo>
-                <a:lnTo>
-                  <a:pt x="120000" y="0"/>
-                </a:lnTo>
-                <a:lnTo>
-                  <a:pt x="120000" y="120000"/>
-                </a:lnTo>
-                <a:lnTo>
-                  <a:pt x="0" y="120000"/>
-                </a:lnTo>
-                <a:close/>
-              </a:path>
-            </a:pathLst>
-          </a:custGeom>
-        </p:spPr>
-      </p:sp>
-      <p:sp>
-        <p:nvSpPr>
-          <p:cNvPr id="426" name="Google Shape;426;g111a0a9de56_0_18647:notes"/>
-          <p:cNvSpPr txBox="1">
-            <a:spLocks noGrp="1"/>
-          </p:cNvSpPr>
-          <p:nvPr>
-            <p:ph type="body" idx="1"/>
-          </p:nvPr>
-        </p:nvSpPr>
-        <p:spPr>
-          <a:xfrm>
-            <a:off x="685800" y="4343400"/>
-            <a:ext cx="5486400" cy="4114800"/>
-          </a:xfrm>
-          <a:prstGeom prst="rect">
-            <a:avLst/>
-          </a:prstGeom>
-        </p:spPr>
-        <p:txBody>
-          <a:bodyPr spcFirstLastPara="1" wrap="square" lIns="91425" tIns="91425" rIns="91425" bIns="91425" anchor="t" anchorCtr="0">
-            <a:noAutofit/>
-          </a:bodyPr>
-          <a:lstStyle/>
-          <a:p>
-            <a:pPr marL="0" lvl="0" indent="0" algn="l" rtl="0">
-              <a:spcBef>
-                <a:spcPts val="0"/>
-              </a:spcBef>
-              <a:spcAft>
-                <a:spcPts val="0"/>
-              </a:spcAft>
-              <a:buNone/>
-            </a:pPr>
-            <a:endParaRPr/>
-          </a:p>
-        </p:txBody>
-      </p:sp>
-    </p:spTree>
-  </p:cSld>
-  <p:clrMapOvr>
-    <a:masterClrMapping/>
-  </p:clrMapOvr>
-</p:notes>
-</file>
-
-<file path=ppt/notesSlides/notesSlide11.xml><?xml version="1.0" encoding="utf-8"?>
-<p:notes xmlns:a="http://schemas.openxmlformats.org/drawingml/2006/main" xmlns:r="http://schemas.openxmlformats.org/officeDocument/2006/relationships" xmlns:p="http://schemas.openxmlformats.org/presentationml/2006/main" showMasterSp="0" showMasterPhAnim="0">
-  <p:cSld>
-    <p:spTree>
-      <p:nvGrpSpPr>
-        <p:cNvPr id="1" name="Shape 657"/>
-        <p:cNvGrpSpPr/>
-        <p:nvPr/>
-      </p:nvGrpSpPr>
-      <p:grpSpPr>
-        <a:xfrm>
-          <a:off x="0" y="0"/>
-          <a:ext cx="0" cy="0"/>
-          <a:chOff x="0" y="0"/>
-          <a:chExt cx="0" cy="0"/>
-        </a:xfrm>
-      </p:grpSpPr>
-      <p:sp>
-        <p:nvSpPr>
-          <p:cNvPr id="658" name="Google Shape;658;g111a2769dd3_2_40:notes"/>
-          <p:cNvSpPr>
-            <a:spLocks noGrp="1" noRot="1" noChangeAspect="1"/>
-          </p:cNvSpPr>
-          <p:nvPr>
-            <p:ph type="sldImg" idx="2"/>
-          </p:nvPr>
-        </p:nvSpPr>
-        <p:spPr>
-          <a:xfrm>
-            <a:off x="381300" y="685800"/>
-            <a:ext cx="6096000" cy="3429000"/>
-          </a:xfrm>
-          <a:custGeom>
-            <a:avLst/>
-            <a:gdLst/>
-            <a:ahLst/>
-            <a:cxnLst/>
-            <a:rect l="l" t="t" r="r" b="b"/>
-            <a:pathLst>
-              <a:path w="120000" h="120000" extrusionOk="0">
-                <a:moveTo>
-                  <a:pt x="0" y="0"/>
-                </a:moveTo>
-                <a:lnTo>
-                  <a:pt x="120000" y="0"/>
-                </a:lnTo>
-                <a:lnTo>
-                  <a:pt x="120000" y="120000"/>
-                </a:lnTo>
-                <a:lnTo>
-                  <a:pt x="0" y="120000"/>
-                </a:lnTo>
-                <a:close/>
-              </a:path>
-            </a:pathLst>
-          </a:custGeom>
-        </p:spPr>
-      </p:sp>
-      <p:sp>
-        <p:nvSpPr>
-          <p:cNvPr id="659" name="Google Shape;659;g111a2769dd3_2_40:notes"/>
-          <p:cNvSpPr txBox="1">
-            <a:spLocks noGrp="1"/>
-          </p:cNvSpPr>
-          <p:nvPr>
-            <p:ph type="body" idx="1"/>
-          </p:nvPr>
-        </p:nvSpPr>
-        <p:spPr>
-          <a:xfrm>
-            <a:off x="685800" y="4343400"/>
-            <a:ext cx="5486400" cy="4114800"/>
-          </a:xfrm>
-          <a:prstGeom prst="rect">
-            <a:avLst/>
-          </a:prstGeom>
-        </p:spPr>
-        <p:txBody>
-          <a:bodyPr spcFirstLastPara="1" wrap="square" lIns="91425" tIns="91425" rIns="91425" bIns="91425" anchor="t" anchorCtr="0">
-            <a:noAutofit/>
-          </a:bodyPr>
-          <a:lstStyle/>
-          <a:p>
-            <a:pPr marL="0" lvl="0" indent="0" algn="l" rtl="0">
-              <a:spcBef>
-                <a:spcPts val="0"/>
-              </a:spcBef>
-              <a:spcAft>
-                <a:spcPts val="0"/>
-              </a:spcAft>
-              <a:buNone/>
-            </a:pPr>
-            <a:endParaRPr/>
-          </a:p>
-        </p:txBody>
-      </p:sp>
-    </p:spTree>
-  </p:cSld>
-  <p:clrMapOvr>
-    <a:masterClrMapping/>
-  </p:clrMapOvr>
-</p:notes>
-</file>
-
-<file path=ppt/notesSlides/notesSlide12.xml><?xml version="1.0" encoding="utf-8"?>
-<p:notes xmlns:a="http://schemas.openxmlformats.org/drawingml/2006/main" xmlns:r="http://schemas.openxmlformats.org/officeDocument/2006/relationships" xmlns:p="http://schemas.openxmlformats.org/presentationml/2006/main" showMasterSp="0" showMasterPhAnim="0">
-  <p:cSld>
-    <p:spTree>
-      <p:nvGrpSpPr>
         <p:cNvPr id="1" name="Shape 681"/>
         <p:cNvGrpSpPr/>
         <p:nvPr/>
@@ -1070,7 +860,7 @@
         </p:nvSpPr>
         <p:spPr>
           <a:xfrm>
-            <a:off x="381300" y="685800"/>
+            <a:off x="381000" y="685800"/>
             <a:ext cx="6096000" cy="3429000"/>
           </a:xfrm>
           <a:custGeom>
@@ -1150,7 +940,7 @@
 </p:notes>
 </file>
 
-<file path=ppt/notesSlides/notesSlide13.xml><?xml version="1.0" encoding="utf-8"?>
+<file path=ppt/notesSlides/notesSlide11.xml><?xml version="1.0" encoding="utf-8"?>
 <p:notes xmlns:a="http://schemas.openxmlformats.org/drawingml/2006/main" xmlns:r="http://schemas.openxmlformats.org/officeDocument/2006/relationships" xmlns:p="http://schemas.openxmlformats.org/presentationml/2006/main" showMasterSp="0" showMasterPhAnim="0">
   <p:cSld>
     <p:spTree>
@@ -1179,7 +969,7 @@
         </p:nvSpPr>
         <p:spPr>
           <a:xfrm>
-            <a:off x="381300" y="685800"/>
+            <a:off x="381000" y="685800"/>
             <a:ext cx="6096000" cy="3429000"/>
           </a:xfrm>
           <a:custGeom>
@@ -2451,1316 +2241,6 @@
 </file>
 
 <file path=ppt/slideLayouts/slideLayout10.xml><?xml version="1.0" encoding="utf-8"?>
-<p:sldLayout xmlns:a="http://schemas.openxmlformats.org/drawingml/2006/main" xmlns:r="http://schemas.openxmlformats.org/officeDocument/2006/relationships" xmlns:p="http://schemas.openxmlformats.org/presentationml/2006/main" matchingName="Section header 1">
-  <p:cSld name="SECTION_HEADER_1">
-    <p:bg>
-      <p:bgPr>
-        <a:solidFill>
-          <a:schemeClr val="dk1"/>
-        </a:solidFill>
-        <a:effectLst/>
-      </p:bgPr>
-    </p:bg>
-    <p:spTree>
-      <p:nvGrpSpPr>
-        <p:cNvPr id="1" name="Shape 184"/>
-        <p:cNvGrpSpPr/>
-        <p:nvPr/>
-      </p:nvGrpSpPr>
-      <p:grpSpPr>
-        <a:xfrm>
-          <a:off x="0" y="0"/>
-          <a:ext cx="0" cy="0"/>
-          <a:chOff x="0" y="0"/>
-          <a:chExt cx="0" cy="0"/>
-        </a:xfrm>
-      </p:grpSpPr>
-      <p:sp>
-        <p:nvSpPr>
-          <p:cNvPr id="185" name="Google Shape;185;p28"/>
-          <p:cNvSpPr txBox="1">
-            <a:spLocks noGrp="1"/>
-          </p:cNvSpPr>
-          <p:nvPr>
-            <p:ph type="title"/>
-          </p:nvPr>
-        </p:nvSpPr>
-        <p:spPr>
-          <a:xfrm>
-            <a:off x="1770600" y="2573925"/>
-            <a:ext cx="5602800" cy="941100"/>
-          </a:xfrm>
-          <a:prstGeom prst="rect">
-            <a:avLst/>
-          </a:prstGeom>
-        </p:spPr>
-        <p:txBody>
-          <a:bodyPr spcFirstLastPara="1" wrap="square" lIns="91425" tIns="91425" rIns="91425" bIns="91425" anchor="ctr" anchorCtr="0">
-            <a:noAutofit/>
-          </a:bodyPr>
-          <a:lstStyle>
-            <a:lvl1pPr lvl="0" algn="ctr" rtl="0">
-              <a:spcBef>
-                <a:spcPts val="0"/>
-              </a:spcBef>
-              <a:spcAft>
-                <a:spcPts val="0"/>
-              </a:spcAft>
-              <a:buClr>
-                <a:schemeClr val="dk2"/>
-              </a:buClr>
-              <a:buSzPts val="3600"/>
-              <a:buNone/>
-              <a:defRPr sz="5300">
-                <a:solidFill>
-                  <a:schemeClr val="dk2"/>
-                </a:solidFill>
-              </a:defRPr>
-            </a:lvl1pPr>
-            <a:lvl2pPr lvl="1" algn="ctr" rtl="0">
-              <a:spcBef>
-                <a:spcPts val="0"/>
-              </a:spcBef>
-              <a:spcAft>
-                <a:spcPts val="0"/>
-              </a:spcAft>
-              <a:buClr>
-                <a:schemeClr val="dk2"/>
-              </a:buClr>
-              <a:buSzPts val="3600"/>
-              <a:buNone/>
-              <a:defRPr sz="3600">
-                <a:solidFill>
-                  <a:schemeClr val="dk2"/>
-                </a:solidFill>
-              </a:defRPr>
-            </a:lvl2pPr>
-            <a:lvl3pPr lvl="2" algn="ctr" rtl="0">
-              <a:spcBef>
-                <a:spcPts val="0"/>
-              </a:spcBef>
-              <a:spcAft>
-                <a:spcPts val="0"/>
-              </a:spcAft>
-              <a:buClr>
-                <a:schemeClr val="dk2"/>
-              </a:buClr>
-              <a:buSzPts val="3600"/>
-              <a:buNone/>
-              <a:defRPr sz="3600">
-                <a:solidFill>
-                  <a:schemeClr val="dk2"/>
-                </a:solidFill>
-              </a:defRPr>
-            </a:lvl3pPr>
-            <a:lvl4pPr lvl="3" algn="ctr" rtl="0">
-              <a:spcBef>
-                <a:spcPts val="0"/>
-              </a:spcBef>
-              <a:spcAft>
-                <a:spcPts val="0"/>
-              </a:spcAft>
-              <a:buClr>
-                <a:schemeClr val="dk2"/>
-              </a:buClr>
-              <a:buSzPts val="3600"/>
-              <a:buNone/>
-              <a:defRPr sz="3600">
-                <a:solidFill>
-                  <a:schemeClr val="dk2"/>
-                </a:solidFill>
-              </a:defRPr>
-            </a:lvl4pPr>
-            <a:lvl5pPr lvl="4" algn="ctr" rtl="0">
-              <a:spcBef>
-                <a:spcPts val="0"/>
-              </a:spcBef>
-              <a:spcAft>
-                <a:spcPts val="0"/>
-              </a:spcAft>
-              <a:buClr>
-                <a:schemeClr val="dk2"/>
-              </a:buClr>
-              <a:buSzPts val="3600"/>
-              <a:buNone/>
-              <a:defRPr sz="3600">
-                <a:solidFill>
-                  <a:schemeClr val="dk2"/>
-                </a:solidFill>
-              </a:defRPr>
-            </a:lvl5pPr>
-            <a:lvl6pPr lvl="5" algn="ctr" rtl="0">
-              <a:spcBef>
-                <a:spcPts val="0"/>
-              </a:spcBef>
-              <a:spcAft>
-                <a:spcPts val="0"/>
-              </a:spcAft>
-              <a:buClr>
-                <a:schemeClr val="dk2"/>
-              </a:buClr>
-              <a:buSzPts val="3600"/>
-              <a:buNone/>
-              <a:defRPr sz="3600">
-                <a:solidFill>
-                  <a:schemeClr val="dk2"/>
-                </a:solidFill>
-              </a:defRPr>
-            </a:lvl6pPr>
-            <a:lvl7pPr lvl="6" algn="ctr" rtl="0">
-              <a:spcBef>
-                <a:spcPts val="0"/>
-              </a:spcBef>
-              <a:spcAft>
-                <a:spcPts val="0"/>
-              </a:spcAft>
-              <a:buClr>
-                <a:schemeClr val="dk2"/>
-              </a:buClr>
-              <a:buSzPts val="3600"/>
-              <a:buNone/>
-              <a:defRPr sz="3600">
-                <a:solidFill>
-                  <a:schemeClr val="dk2"/>
-                </a:solidFill>
-              </a:defRPr>
-            </a:lvl7pPr>
-            <a:lvl8pPr lvl="7" algn="ctr" rtl="0">
-              <a:spcBef>
-                <a:spcPts val="0"/>
-              </a:spcBef>
-              <a:spcAft>
-                <a:spcPts val="0"/>
-              </a:spcAft>
-              <a:buClr>
-                <a:schemeClr val="dk2"/>
-              </a:buClr>
-              <a:buSzPts val="3600"/>
-              <a:buNone/>
-              <a:defRPr sz="3600">
-                <a:solidFill>
-                  <a:schemeClr val="dk2"/>
-                </a:solidFill>
-              </a:defRPr>
-            </a:lvl8pPr>
-            <a:lvl9pPr lvl="8" algn="ctr" rtl="0">
-              <a:spcBef>
-                <a:spcPts val="0"/>
-              </a:spcBef>
-              <a:spcAft>
-                <a:spcPts val="0"/>
-              </a:spcAft>
-              <a:buClr>
-                <a:schemeClr val="dk2"/>
-              </a:buClr>
-              <a:buSzPts val="3600"/>
-              <a:buNone/>
-              <a:defRPr sz="3600">
-                <a:solidFill>
-                  <a:schemeClr val="dk2"/>
-                </a:solidFill>
-              </a:defRPr>
-            </a:lvl9pPr>
-          </a:lstStyle>
-          <a:p>
-            <a:endParaRPr/>
-          </a:p>
-        </p:txBody>
-      </p:sp>
-      <p:sp>
-        <p:nvSpPr>
-          <p:cNvPr id="186" name="Google Shape;186;p28"/>
-          <p:cNvSpPr txBox="1">
-            <a:spLocks noGrp="1"/>
-          </p:cNvSpPr>
-          <p:nvPr>
-            <p:ph type="title" idx="2" hasCustomPrompt="1"/>
-          </p:nvPr>
-        </p:nvSpPr>
-        <p:spPr>
-          <a:xfrm>
-            <a:off x="3973500" y="1673182"/>
-            <a:ext cx="1197000" cy="1061100"/>
-          </a:xfrm>
-          <a:prstGeom prst="rect">
-            <a:avLst/>
-          </a:prstGeom>
-          <a:noFill/>
-          <a:ln>
-            <a:noFill/>
-          </a:ln>
-        </p:spPr>
-        <p:txBody>
-          <a:bodyPr spcFirstLastPara="1" wrap="square" lIns="91425" tIns="91425" rIns="91425" bIns="91425" anchor="ctr" anchorCtr="0">
-            <a:noAutofit/>
-          </a:bodyPr>
-          <a:lstStyle>
-            <a:lvl1pPr lvl="0" algn="ctr" rtl="0">
-              <a:spcBef>
-                <a:spcPts val="0"/>
-              </a:spcBef>
-              <a:spcAft>
-                <a:spcPts val="0"/>
-              </a:spcAft>
-              <a:buClr>
-                <a:schemeClr val="dk2"/>
-              </a:buClr>
-              <a:buSzPts val="6000"/>
-              <a:buNone/>
-              <a:defRPr sz="5300">
-                <a:solidFill>
-                  <a:schemeClr val="dk2"/>
-                </a:solidFill>
-              </a:defRPr>
-            </a:lvl1pPr>
-            <a:lvl2pPr lvl="1" algn="ctr" rtl="0">
-              <a:spcBef>
-                <a:spcPts val="0"/>
-              </a:spcBef>
-              <a:spcAft>
-                <a:spcPts val="0"/>
-              </a:spcAft>
-              <a:buClr>
-                <a:schemeClr val="dk2"/>
-              </a:buClr>
-              <a:buSzPts val="6000"/>
-              <a:buNone/>
-              <a:defRPr sz="6000">
-                <a:solidFill>
-                  <a:schemeClr val="dk2"/>
-                </a:solidFill>
-              </a:defRPr>
-            </a:lvl2pPr>
-            <a:lvl3pPr lvl="2" algn="ctr" rtl="0">
-              <a:spcBef>
-                <a:spcPts val="0"/>
-              </a:spcBef>
-              <a:spcAft>
-                <a:spcPts val="0"/>
-              </a:spcAft>
-              <a:buClr>
-                <a:schemeClr val="dk2"/>
-              </a:buClr>
-              <a:buSzPts val="6000"/>
-              <a:buNone/>
-              <a:defRPr sz="6000">
-                <a:solidFill>
-                  <a:schemeClr val="dk2"/>
-                </a:solidFill>
-              </a:defRPr>
-            </a:lvl3pPr>
-            <a:lvl4pPr lvl="3" algn="ctr" rtl="0">
-              <a:spcBef>
-                <a:spcPts val="0"/>
-              </a:spcBef>
-              <a:spcAft>
-                <a:spcPts val="0"/>
-              </a:spcAft>
-              <a:buClr>
-                <a:schemeClr val="dk2"/>
-              </a:buClr>
-              <a:buSzPts val="6000"/>
-              <a:buNone/>
-              <a:defRPr sz="6000">
-                <a:solidFill>
-                  <a:schemeClr val="dk2"/>
-                </a:solidFill>
-              </a:defRPr>
-            </a:lvl4pPr>
-            <a:lvl5pPr lvl="4" algn="ctr" rtl="0">
-              <a:spcBef>
-                <a:spcPts val="0"/>
-              </a:spcBef>
-              <a:spcAft>
-                <a:spcPts val="0"/>
-              </a:spcAft>
-              <a:buClr>
-                <a:schemeClr val="dk2"/>
-              </a:buClr>
-              <a:buSzPts val="6000"/>
-              <a:buNone/>
-              <a:defRPr sz="6000">
-                <a:solidFill>
-                  <a:schemeClr val="dk2"/>
-                </a:solidFill>
-              </a:defRPr>
-            </a:lvl5pPr>
-            <a:lvl6pPr lvl="5" algn="ctr" rtl="0">
-              <a:spcBef>
-                <a:spcPts val="0"/>
-              </a:spcBef>
-              <a:spcAft>
-                <a:spcPts val="0"/>
-              </a:spcAft>
-              <a:buClr>
-                <a:schemeClr val="dk2"/>
-              </a:buClr>
-              <a:buSzPts val="6000"/>
-              <a:buNone/>
-              <a:defRPr sz="6000">
-                <a:solidFill>
-                  <a:schemeClr val="dk2"/>
-                </a:solidFill>
-              </a:defRPr>
-            </a:lvl6pPr>
-            <a:lvl7pPr lvl="6" algn="ctr" rtl="0">
-              <a:spcBef>
-                <a:spcPts val="0"/>
-              </a:spcBef>
-              <a:spcAft>
-                <a:spcPts val="0"/>
-              </a:spcAft>
-              <a:buClr>
-                <a:schemeClr val="dk2"/>
-              </a:buClr>
-              <a:buSzPts val="6000"/>
-              <a:buNone/>
-              <a:defRPr sz="6000">
-                <a:solidFill>
-                  <a:schemeClr val="dk2"/>
-                </a:solidFill>
-              </a:defRPr>
-            </a:lvl7pPr>
-            <a:lvl8pPr lvl="7" algn="ctr" rtl="0">
-              <a:spcBef>
-                <a:spcPts val="0"/>
-              </a:spcBef>
-              <a:spcAft>
-                <a:spcPts val="0"/>
-              </a:spcAft>
-              <a:buClr>
-                <a:schemeClr val="dk2"/>
-              </a:buClr>
-              <a:buSzPts val="6000"/>
-              <a:buNone/>
-              <a:defRPr sz="6000">
-                <a:solidFill>
-                  <a:schemeClr val="dk2"/>
-                </a:solidFill>
-              </a:defRPr>
-            </a:lvl8pPr>
-            <a:lvl9pPr lvl="8" algn="ctr" rtl="0">
-              <a:spcBef>
-                <a:spcPts val="0"/>
-              </a:spcBef>
-              <a:spcAft>
-                <a:spcPts val="0"/>
-              </a:spcAft>
-              <a:buClr>
-                <a:schemeClr val="dk2"/>
-              </a:buClr>
-              <a:buSzPts val="6000"/>
-              <a:buNone/>
-              <a:defRPr sz="6000">
-                <a:solidFill>
-                  <a:schemeClr val="dk2"/>
-                </a:solidFill>
-              </a:defRPr>
-            </a:lvl9pPr>
-          </a:lstStyle>
-          <a:p>
-            <a:r>
-              <a:t>xx%</a:t>
-            </a:r>
-          </a:p>
-        </p:txBody>
-      </p:sp>
-      <p:sp>
-        <p:nvSpPr>
-          <p:cNvPr id="187" name="Google Shape;187;p28"/>
-          <p:cNvSpPr txBox="1">
-            <a:spLocks noGrp="1"/>
-          </p:cNvSpPr>
-          <p:nvPr>
-            <p:ph type="subTitle" idx="1"/>
-          </p:nvPr>
-        </p:nvSpPr>
-        <p:spPr>
-          <a:xfrm>
-            <a:off x="3253200" y="3748050"/>
-            <a:ext cx="2637600" cy="713400"/>
-          </a:xfrm>
-          <a:prstGeom prst="rect">
-            <a:avLst/>
-          </a:prstGeom>
-        </p:spPr>
-        <p:txBody>
-          <a:bodyPr spcFirstLastPara="1" wrap="square" lIns="91425" tIns="91425" rIns="91425" bIns="91425" anchor="t" anchorCtr="0">
-            <a:noAutofit/>
-          </a:bodyPr>
-          <a:lstStyle>
-            <a:lvl1pPr lvl="0" algn="ctr" rtl="0">
-              <a:lnSpc>
-                <a:spcPct val="100000"/>
-              </a:lnSpc>
-              <a:spcBef>
-                <a:spcPts val="0"/>
-              </a:spcBef>
-              <a:spcAft>
-                <a:spcPts val="0"/>
-              </a:spcAft>
-              <a:buClr>
-                <a:schemeClr val="dk2"/>
-              </a:buClr>
-              <a:buSzPts val="1400"/>
-              <a:buNone/>
-              <a:defRPr sz="1600">
-                <a:solidFill>
-                  <a:schemeClr val="dk2"/>
-                </a:solidFill>
-              </a:defRPr>
-            </a:lvl1pPr>
-            <a:lvl2pPr lvl="1" algn="ctr" rtl="0">
-              <a:lnSpc>
-                <a:spcPct val="100000"/>
-              </a:lnSpc>
-              <a:spcBef>
-                <a:spcPts val="1600"/>
-              </a:spcBef>
-              <a:spcAft>
-                <a:spcPts val="0"/>
-              </a:spcAft>
-              <a:buClr>
-                <a:schemeClr val="dk2"/>
-              </a:buClr>
-              <a:buSzPts val="1400"/>
-              <a:buNone/>
-              <a:defRPr>
-                <a:solidFill>
-                  <a:schemeClr val="dk2"/>
-                </a:solidFill>
-              </a:defRPr>
-            </a:lvl2pPr>
-            <a:lvl3pPr lvl="2" algn="ctr" rtl="0">
-              <a:lnSpc>
-                <a:spcPct val="100000"/>
-              </a:lnSpc>
-              <a:spcBef>
-                <a:spcPts val="1600"/>
-              </a:spcBef>
-              <a:spcAft>
-                <a:spcPts val="0"/>
-              </a:spcAft>
-              <a:buClr>
-                <a:schemeClr val="dk2"/>
-              </a:buClr>
-              <a:buSzPts val="1400"/>
-              <a:buNone/>
-              <a:defRPr>
-                <a:solidFill>
-                  <a:schemeClr val="dk2"/>
-                </a:solidFill>
-              </a:defRPr>
-            </a:lvl3pPr>
-            <a:lvl4pPr lvl="3" algn="ctr" rtl="0">
-              <a:lnSpc>
-                <a:spcPct val="100000"/>
-              </a:lnSpc>
-              <a:spcBef>
-                <a:spcPts val="1600"/>
-              </a:spcBef>
-              <a:spcAft>
-                <a:spcPts val="0"/>
-              </a:spcAft>
-              <a:buClr>
-                <a:schemeClr val="dk2"/>
-              </a:buClr>
-              <a:buSzPts val="1400"/>
-              <a:buNone/>
-              <a:defRPr>
-                <a:solidFill>
-                  <a:schemeClr val="dk2"/>
-                </a:solidFill>
-              </a:defRPr>
-            </a:lvl4pPr>
-            <a:lvl5pPr lvl="4" algn="ctr" rtl="0">
-              <a:lnSpc>
-                <a:spcPct val="100000"/>
-              </a:lnSpc>
-              <a:spcBef>
-                <a:spcPts val="1600"/>
-              </a:spcBef>
-              <a:spcAft>
-                <a:spcPts val="0"/>
-              </a:spcAft>
-              <a:buClr>
-                <a:schemeClr val="dk2"/>
-              </a:buClr>
-              <a:buSzPts val="1400"/>
-              <a:buNone/>
-              <a:defRPr>
-                <a:solidFill>
-                  <a:schemeClr val="dk2"/>
-                </a:solidFill>
-              </a:defRPr>
-            </a:lvl5pPr>
-            <a:lvl6pPr lvl="5" algn="ctr" rtl="0">
-              <a:lnSpc>
-                <a:spcPct val="100000"/>
-              </a:lnSpc>
-              <a:spcBef>
-                <a:spcPts val="1600"/>
-              </a:spcBef>
-              <a:spcAft>
-                <a:spcPts val="0"/>
-              </a:spcAft>
-              <a:buClr>
-                <a:schemeClr val="dk2"/>
-              </a:buClr>
-              <a:buSzPts val="1400"/>
-              <a:buNone/>
-              <a:defRPr>
-                <a:solidFill>
-                  <a:schemeClr val="dk2"/>
-                </a:solidFill>
-              </a:defRPr>
-            </a:lvl6pPr>
-            <a:lvl7pPr lvl="6" algn="ctr" rtl="0">
-              <a:lnSpc>
-                <a:spcPct val="100000"/>
-              </a:lnSpc>
-              <a:spcBef>
-                <a:spcPts val="1600"/>
-              </a:spcBef>
-              <a:spcAft>
-                <a:spcPts val="0"/>
-              </a:spcAft>
-              <a:buClr>
-                <a:schemeClr val="dk2"/>
-              </a:buClr>
-              <a:buSzPts val="1400"/>
-              <a:buNone/>
-              <a:defRPr>
-                <a:solidFill>
-                  <a:schemeClr val="dk2"/>
-                </a:solidFill>
-              </a:defRPr>
-            </a:lvl7pPr>
-            <a:lvl8pPr lvl="7" algn="ctr" rtl="0">
-              <a:lnSpc>
-                <a:spcPct val="100000"/>
-              </a:lnSpc>
-              <a:spcBef>
-                <a:spcPts val="1600"/>
-              </a:spcBef>
-              <a:spcAft>
-                <a:spcPts val="0"/>
-              </a:spcAft>
-              <a:buClr>
-                <a:schemeClr val="dk2"/>
-              </a:buClr>
-              <a:buSzPts val="1400"/>
-              <a:buNone/>
-              <a:defRPr>
-                <a:solidFill>
-                  <a:schemeClr val="dk2"/>
-                </a:solidFill>
-              </a:defRPr>
-            </a:lvl8pPr>
-            <a:lvl9pPr lvl="8" algn="ctr" rtl="0">
-              <a:lnSpc>
-                <a:spcPct val="100000"/>
-              </a:lnSpc>
-              <a:spcBef>
-                <a:spcPts val="1600"/>
-              </a:spcBef>
-              <a:spcAft>
-                <a:spcPts val="1600"/>
-              </a:spcAft>
-              <a:buClr>
-                <a:schemeClr val="dk2"/>
-              </a:buClr>
-              <a:buSzPts val="1400"/>
-              <a:buNone/>
-              <a:defRPr>
-                <a:solidFill>
-                  <a:schemeClr val="dk2"/>
-                </a:solidFill>
-              </a:defRPr>
-            </a:lvl9pPr>
-          </a:lstStyle>
-          <a:p>
-            <a:endParaRPr/>
-          </a:p>
-        </p:txBody>
-      </p:sp>
-      <p:cxnSp>
-        <p:nvCxnSpPr>
-          <p:cNvPr id="188" name="Google Shape;188;p28"/>
-          <p:cNvCxnSpPr/>
-          <p:nvPr/>
-        </p:nvCxnSpPr>
-        <p:spPr>
-          <a:xfrm>
-            <a:off x="720000" y="4513500"/>
-            <a:ext cx="7704000" cy="0"/>
-          </a:xfrm>
-          <a:prstGeom prst="straightConnector1">
-            <a:avLst/>
-          </a:prstGeom>
-          <a:noFill/>
-          <a:ln w="9525" cap="flat" cmpd="sng">
-            <a:solidFill>
-              <a:schemeClr val="dk2"/>
-            </a:solidFill>
-            <a:prstDash val="solid"/>
-            <a:round/>
-            <a:headEnd type="none" w="med" len="med"/>
-            <a:tailEnd type="none" w="med" len="med"/>
-          </a:ln>
-        </p:spPr>
-      </p:cxnSp>
-    </p:spTree>
-  </p:cSld>
-  <p:clrMapOvr>
-    <a:masterClrMapping/>
-  </p:clrMapOvr>
-</p:sldLayout>
-</file>
-
-<file path=ppt/slideLayouts/slideLayout11.xml><?xml version="1.0" encoding="utf-8"?>
-<p:sldLayout xmlns:a="http://schemas.openxmlformats.org/drawingml/2006/main" xmlns:r="http://schemas.openxmlformats.org/officeDocument/2006/relationships" xmlns:p="http://schemas.openxmlformats.org/presentationml/2006/main" matchingName="Section header 2">
-  <p:cSld name="SECTION_HEADER_2">
-    <p:bg>
-      <p:bgPr>
-        <a:solidFill>
-          <a:schemeClr val="dk1"/>
-        </a:solidFill>
-        <a:effectLst/>
-      </p:bgPr>
-    </p:bg>
-    <p:spTree>
-      <p:nvGrpSpPr>
-        <p:cNvPr id="1" name="Shape 189"/>
-        <p:cNvGrpSpPr/>
-        <p:nvPr/>
-      </p:nvGrpSpPr>
-      <p:grpSpPr>
-        <a:xfrm>
-          <a:off x="0" y="0"/>
-          <a:ext cx="0" cy="0"/>
-          <a:chOff x="0" y="0"/>
-          <a:chExt cx="0" cy="0"/>
-        </a:xfrm>
-      </p:grpSpPr>
-      <p:sp>
-        <p:nvSpPr>
-          <p:cNvPr id="190" name="Google Shape;190;p29"/>
-          <p:cNvSpPr txBox="1">
-            <a:spLocks noGrp="1"/>
-          </p:cNvSpPr>
-          <p:nvPr>
-            <p:ph type="title"/>
-          </p:nvPr>
-        </p:nvSpPr>
-        <p:spPr>
-          <a:xfrm>
-            <a:off x="720000" y="1632656"/>
-            <a:ext cx="3739200" cy="1677900"/>
-          </a:xfrm>
-          <a:prstGeom prst="rect">
-            <a:avLst/>
-          </a:prstGeom>
-        </p:spPr>
-        <p:txBody>
-          <a:bodyPr spcFirstLastPara="1" wrap="square" lIns="91425" tIns="91425" rIns="91425" bIns="91425" anchor="ctr" anchorCtr="0">
-            <a:noAutofit/>
-          </a:bodyPr>
-          <a:lstStyle>
-            <a:lvl1pPr lvl="0" rtl="0">
-              <a:spcBef>
-                <a:spcPts val="0"/>
-              </a:spcBef>
-              <a:spcAft>
-                <a:spcPts val="0"/>
-              </a:spcAft>
-              <a:buClr>
-                <a:schemeClr val="dk2"/>
-              </a:buClr>
-              <a:buSzPts val="3600"/>
-              <a:buNone/>
-              <a:defRPr sz="5300">
-                <a:solidFill>
-                  <a:schemeClr val="dk2"/>
-                </a:solidFill>
-              </a:defRPr>
-            </a:lvl1pPr>
-            <a:lvl2pPr lvl="1" algn="ctr" rtl="0">
-              <a:spcBef>
-                <a:spcPts val="0"/>
-              </a:spcBef>
-              <a:spcAft>
-                <a:spcPts val="0"/>
-              </a:spcAft>
-              <a:buClr>
-                <a:schemeClr val="dk2"/>
-              </a:buClr>
-              <a:buSzPts val="3600"/>
-              <a:buNone/>
-              <a:defRPr sz="3600">
-                <a:solidFill>
-                  <a:schemeClr val="dk2"/>
-                </a:solidFill>
-              </a:defRPr>
-            </a:lvl2pPr>
-            <a:lvl3pPr lvl="2" algn="ctr" rtl="0">
-              <a:spcBef>
-                <a:spcPts val="0"/>
-              </a:spcBef>
-              <a:spcAft>
-                <a:spcPts val="0"/>
-              </a:spcAft>
-              <a:buClr>
-                <a:schemeClr val="dk2"/>
-              </a:buClr>
-              <a:buSzPts val="3600"/>
-              <a:buNone/>
-              <a:defRPr sz="3600">
-                <a:solidFill>
-                  <a:schemeClr val="dk2"/>
-                </a:solidFill>
-              </a:defRPr>
-            </a:lvl3pPr>
-            <a:lvl4pPr lvl="3" algn="ctr" rtl="0">
-              <a:spcBef>
-                <a:spcPts val="0"/>
-              </a:spcBef>
-              <a:spcAft>
-                <a:spcPts val="0"/>
-              </a:spcAft>
-              <a:buClr>
-                <a:schemeClr val="dk2"/>
-              </a:buClr>
-              <a:buSzPts val="3600"/>
-              <a:buNone/>
-              <a:defRPr sz="3600">
-                <a:solidFill>
-                  <a:schemeClr val="dk2"/>
-                </a:solidFill>
-              </a:defRPr>
-            </a:lvl4pPr>
-            <a:lvl5pPr lvl="4" algn="ctr" rtl="0">
-              <a:spcBef>
-                <a:spcPts val="0"/>
-              </a:spcBef>
-              <a:spcAft>
-                <a:spcPts val="0"/>
-              </a:spcAft>
-              <a:buClr>
-                <a:schemeClr val="dk2"/>
-              </a:buClr>
-              <a:buSzPts val="3600"/>
-              <a:buNone/>
-              <a:defRPr sz="3600">
-                <a:solidFill>
-                  <a:schemeClr val="dk2"/>
-                </a:solidFill>
-              </a:defRPr>
-            </a:lvl5pPr>
-            <a:lvl6pPr lvl="5" algn="ctr" rtl="0">
-              <a:spcBef>
-                <a:spcPts val="0"/>
-              </a:spcBef>
-              <a:spcAft>
-                <a:spcPts val="0"/>
-              </a:spcAft>
-              <a:buClr>
-                <a:schemeClr val="dk2"/>
-              </a:buClr>
-              <a:buSzPts val="3600"/>
-              <a:buNone/>
-              <a:defRPr sz="3600">
-                <a:solidFill>
-                  <a:schemeClr val="dk2"/>
-                </a:solidFill>
-              </a:defRPr>
-            </a:lvl6pPr>
-            <a:lvl7pPr lvl="6" algn="ctr" rtl="0">
-              <a:spcBef>
-                <a:spcPts val="0"/>
-              </a:spcBef>
-              <a:spcAft>
-                <a:spcPts val="0"/>
-              </a:spcAft>
-              <a:buClr>
-                <a:schemeClr val="dk2"/>
-              </a:buClr>
-              <a:buSzPts val="3600"/>
-              <a:buNone/>
-              <a:defRPr sz="3600">
-                <a:solidFill>
-                  <a:schemeClr val="dk2"/>
-                </a:solidFill>
-              </a:defRPr>
-            </a:lvl7pPr>
-            <a:lvl8pPr lvl="7" algn="ctr" rtl="0">
-              <a:spcBef>
-                <a:spcPts val="0"/>
-              </a:spcBef>
-              <a:spcAft>
-                <a:spcPts val="0"/>
-              </a:spcAft>
-              <a:buClr>
-                <a:schemeClr val="dk2"/>
-              </a:buClr>
-              <a:buSzPts val="3600"/>
-              <a:buNone/>
-              <a:defRPr sz="3600">
-                <a:solidFill>
-                  <a:schemeClr val="dk2"/>
-                </a:solidFill>
-              </a:defRPr>
-            </a:lvl8pPr>
-            <a:lvl9pPr lvl="8" algn="ctr" rtl="0">
-              <a:spcBef>
-                <a:spcPts val="0"/>
-              </a:spcBef>
-              <a:spcAft>
-                <a:spcPts val="0"/>
-              </a:spcAft>
-              <a:buClr>
-                <a:schemeClr val="dk2"/>
-              </a:buClr>
-              <a:buSzPts val="3600"/>
-              <a:buNone/>
-              <a:defRPr sz="3600">
-                <a:solidFill>
-                  <a:schemeClr val="dk2"/>
-                </a:solidFill>
-              </a:defRPr>
-            </a:lvl9pPr>
-          </a:lstStyle>
-          <a:p>
-            <a:endParaRPr/>
-          </a:p>
-        </p:txBody>
-      </p:sp>
-      <p:sp>
-        <p:nvSpPr>
-          <p:cNvPr id="191" name="Google Shape;191;p29"/>
-          <p:cNvSpPr txBox="1">
-            <a:spLocks noGrp="1"/>
-          </p:cNvSpPr>
-          <p:nvPr>
-            <p:ph type="title" idx="2" hasCustomPrompt="1"/>
-          </p:nvPr>
-        </p:nvSpPr>
-        <p:spPr>
-          <a:xfrm>
-            <a:off x="720000" y="579500"/>
-            <a:ext cx="1056900" cy="1061100"/>
-          </a:xfrm>
-          <a:prstGeom prst="rect">
-            <a:avLst/>
-          </a:prstGeom>
-          <a:noFill/>
-          <a:ln>
-            <a:noFill/>
-          </a:ln>
-        </p:spPr>
-        <p:txBody>
-          <a:bodyPr spcFirstLastPara="1" wrap="square" lIns="91425" tIns="91425" rIns="91425" bIns="91425" anchor="ctr" anchorCtr="0">
-            <a:noAutofit/>
-          </a:bodyPr>
-          <a:lstStyle>
-            <a:lvl1pPr lvl="0" algn="ctr" rtl="0">
-              <a:spcBef>
-                <a:spcPts val="0"/>
-              </a:spcBef>
-              <a:spcAft>
-                <a:spcPts val="0"/>
-              </a:spcAft>
-              <a:buClr>
-                <a:schemeClr val="dk2"/>
-              </a:buClr>
-              <a:buSzPts val="6000"/>
-              <a:buNone/>
-              <a:defRPr sz="5300">
-                <a:solidFill>
-                  <a:schemeClr val="dk2"/>
-                </a:solidFill>
-              </a:defRPr>
-            </a:lvl1pPr>
-            <a:lvl2pPr lvl="1" algn="ctr" rtl="0">
-              <a:spcBef>
-                <a:spcPts val="0"/>
-              </a:spcBef>
-              <a:spcAft>
-                <a:spcPts val="0"/>
-              </a:spcAft>
-              <a:buClr>
-                <a:schemeClr val="dk2"/>
-              </a:buClr>
-              <a:buSzPts val="6000"/>
-              <a:buNone/>
-              <a:defRPr sz="6000">
-                <a:solidFill>
-                  <a:schemeClr val="dk2"/>
-                </a:solidFill>
-              </a:defRPr>
-            </a:lvl2pPr>
-            <a:lvl3pPr lvl="2" algn="ctr" rtl="0">
-              <a:spcBef>
-                <a:spcPts val="0"/>
-              </a:spcBef>
-              <a:spcAft>
-                <a:spcPts val="0"/>
-              </a:spcAft>
-              <a:buClr>
-                <a:schemeClr val="dk2"/>
-              </a:buClr>
-              <a:buSzPts val="6000"/>
-              <a:buNone/>
-              <a:defRPr sz="6000">
-                <a:solidFill>
-                  <a:schemeClr val="dk2"/>
-                </a:solidFill>
-              </a:defRPr>
-            </a:lvl3pPr>
-            <a:lvl4pPr lvl="3" algn="ctr" rtl="0">
-              <a:spcBef>
-                <a:spcPts val="0"/>
-              </a:spcBef>
-              <a:spcAft>
-                <a:spcPts val="0"/>
-              </a:spcAft>
-              <a:buClr>
-                <a:schemeClr val="dk2"/>
-              </a:buClr>
-              <a:buSzPts val="6000"/>
-              <a:buNone/>
-              <a:defRPr sz="6000">
-                <a:solidFill>
-                  <a:schemeClr val="dk2"/>
-                </a:solidFill>
-              </a:defRPr>
-            </a:lvl4pPr>
-            <a:lvl5pPr lvl="4" algn="ctr" rtl="0">
-              <a:spcBef>
-                <a:spcPts val="0"/>
-              </a:spcBef>
-              <a:spcAft>
-                <a:spcPts val="0"/>
-              </a:spcAft>
-              <a:buClr>
-                <a:schemeClr val="dk2"/>
-              </a:buClr>
-              <a:buSzPts val="6000"/>
-              <a:buNone/>
-              <a:defRPr sz="6000">
-                <a:solidFill>
-                  <a:schemeClr val="dk2"/>
-                </a:solidFill>
-              </a:defRPr>
-            </a:lvl5pPr>
-            <a:lvl6pPr lvl="5" algn="ctr" rtl="0">
-              <a:spcBef>
-                <a:spcPts val="0"/>
-              </a:spcBef>
-              <a:spcAft>
-                <a:spcPts val="0"/>
-              </a:spcAft>
-              <a:buClr>
-                <a:schemeClr val="dk2"/>
-              </a:buClr>
-              <a:buSzPts val="6000"/>
-              <a:buNone/>
-              <a:defRPr sz="6000">
-                <a:solidFill>
-                  <a:schemeClr val="dk2"/>
-                </a:solidFill>
-              </a:defRPr>
-            </a:lvl6pPr>
-            <a:lvl7pPr lvl="6" algn="ctr" rtl="0">
-              <a:spcBef>
-                <a:spcPts val="0"/>
-              </a:spcBef>
-              <a:spcAft>
-                <a:spcPts val="0"/>
-              </a:spcAft>
-              <a:buClr>
-                <a:schemeClr val="dk2"/>
-              </a:buClr>
-              <a:buSzPts val="6000"/>
-              <a:buNone/>
-              <a:defRPr sz="6000">
-                <a:solidFill>
-                  <a:schemeClr val="dk2"/>
-                </a:solidFill>
-              </a:defRPr>
-            </a:lvl7pPr>
-            <a:lvl8pPr lvl="7" algn="ctr" rtl="0">
-              <a:spcBef>
-                <a:spcPts val="0"/>
-              </a:spcBef>
-              <a:spcAft>
-                <a:spcPts val="0"/>
-              </a:spcAft>
-              <a:buClr>
-                <a:schemeClr val="dk2"/>
-              </a:buClr>
-              <a:buSzPts val="6000"/>
-              <a:buNone/>
-              <a:defRPr sz="6000">
-                <a:solidFill>
-                  <a:schemeClr val="dk2"/>
-                </a:solidFill>
-              </a:defRPr>
-            </a:lvl8pPr>
-            <a:lvl9pPr lvl="8" algn="ctr" rtl="0">
-              <a:spcBef>
-                <a:spcPts val="0"/>
-              </a:spcBef>
-              <a:spcAft>
-                <a:spcPts val="0"/>
-              </a:spcAft>
-              <a:buClr>
-                <a:schemeClr val="dk2"/>
-              </a:buClr>
-              <a:buSzPts val="6000"/>
-              <a:buNone/>
-              <a:defRPr sz="6000">
-                <a:solidFill>
-                  <a:schemeClr val="dk2"/>
-                </a:solidFill>
-              </a:defRPr>
-            </a:lvl9pPr>
-          </a:lstStyle>
-          <a:p>
-            <a:r>
-              <a:t>xx%</a:t>
-            </a:r>
-          </a:p>
-        </p:txBody>
-      </p:sp>
-      <p:sp>
-        <p:nvSpPr>
-          <p:cNvPr id="192" name="Google Shape;192;p29"/>
-          <p:cNvSpPr txBox="1">
-            <a:spLocks noGrp="1"/>
-          </p:cNvSpPr>
-          <p:nvPr>
-            <p:ph type="subTitle" idx="1"/>
-          </p:nvPr>
-        </p:nvSpPr>
-        <p:spPr>
-          <a:xfrm>
-            <a:off x="720000" y="3671850"/>
-            <a:ext cx="2637600" cy="713400"/>
-          </a:xfrm>
-          <a:prstGeom prst="rect">
-            <a:avLst/>
-          </a:prstGeom>
-        </p:spPr>
-        <p:txBody>
-          <a:bodyPr spcFirstLastPara="1" wrap="square" lIns="91425" tIns="91425" rIns="91425" bIns="91425" anchor="t" anchorCtr="0">
-            <a:noAutofit/>
-          </a:bodyPr>
-          <a:lstStyle>
-            <a:lvl1pPr lvl="0" rtl="0">
-              <a:lnSpc>
-                <a:spcPct val="100000"/>
-              </a:lnSpc>
-              <a:spcBef>
-                <a:spcPts val="0"/>
-              </a:spcBef>
-              <a:spcAft>
-                <a:spcPts val="0"/>
-              </a:spcAft>
-              <a:buClr>
-                <a:schemeClr val="dk2"/>
-              </a:buClr>
-              <a:buSzPts val="1400"/>
-              <a:buNone/>
-              <a:defRPr sz="1600">
-                <a:solidFill>
-                  <a:schemeClr val="dk2"/>
-                </a:solidFill>
-              </a:defRPr>
-            </a:lvl1pPr>
-            <a:lvl2pPr lvl="1" algn="ctr" rtl="0">
-              <a:lnSpc>
-                <a:spcPct val="100000"/>
-              </a:lnSpc>
-              <a:spcBef>
-                <a:spcPts val="1600"/>
-              </a:spcBef>
-              <a:spcAft>
-                <a:spcPts val="0"/>
-              </a:spcAft>
-              <a:buClr>
-                <a:schemeClr val="dk2"/>
-              </a:buClr>
-              <a:buSzPts val="1400"/>
-              <a:buNone/>
-              <a:defRPr>
-                <a:solidFill>
-                  <a:schemeClr val="dk2"/>
-                </a:solidFill>
-              </a:defRPr>
-            </a:lvl2pPr>
-            <a:lvl3pPr lvl="2" algn="ctr" rtl="0">
-              <a:lnSpc>
-                <a:spcPct val="100000"/>
-              </a:lnSpc>
-              <a:spcBef>
-                <a:spcPts val="1600"/>
-              </a:spcBef>
-              <a:spcAft>
-                <a:spcPts val="0"/>
-              </a:spcAft>
-              <a:buClr>
-                <a:schemeClr val="dk2"/>
-              </a:buClr>
-              <a:buSzPts val="1400"/>
-              <a:buNone/>
-              <a:defRPr>
-                <a:solidFill>
-                  <a:schemeClr val="dk2"/>
-                </a:solidFill>
-              </a:defRPr>
-            </a:lvl3pPr>
-            <a:lvl4pPr lvl="3" algn="ctr" rtl="0">
-              <a:lnSpc>
-                <a:spcPct val="100000"/>
-              </a:lnSpc>
-              <a:spcBef>
-                <a:spcPts val="1600"/>
-              </a:spcBef>
-              <a:spcAft>
-                <a:spcPts val="0"/>
-              </a:spcAft>
-              <a:buClr>
-                <a:schemeClr val="dk2"/>
-              </a:buClr>
-              <a:buSzPts val="1400"/>
-              <a:buNone/>
-              <a:defRPr>
-                <a:solidFill>
-                  <a:schemeClr val="dk2"/>
-                </a:solidFill>
-              </a:defRPr>
-            </a:lvl4pPr>
-            <a:lvl5pPr lvl="4" algn="ctr" rtl="0">
-              <a:lnSpc>
-                <a:spcPct val="100000"/>
-              </a:lnSpc>
-              <a:spcBef>
-                <a:spcPts val="1600"/>
-              </a:spcBef>
-              <a:spcAft>
-                <a:spcPts val="0"/>
-              </a:spcAft>
-              <a:buClr>
-                <a:schemeClr val="dk2"/>
-              </a:buClr>
-              <a:buSzPts val="1400"/>
-              <a:buNone/>
-              <a:defRPr>
-                <a:solidFill>
-                  <a:schemeClr val="dk2"/>
-                </a:solidFill>
-              </a:defRPr>
-            </a:lvl5pPr>
-            <a:lvl6pPr lvl="5" algn="ctr" rtl="0">
-              <a:lnSpc>
-                <a:spcPct val="100000"/>
-              </a:lnSpc>
-              <a:spcBef>
-                <a:spcPts val="1600"/>
-              </a:spcBef>
-              <a:spcAft>
-                <a:spcPts val="0"/>
-              </a:spcAft>
-              <a:buClr>
-                <a:schemeClr val="dk2"/>
-              </a:buClr>
-              <a:buSzPts val="1400"/>
-              <a:buNone/>
-              <a:defRPr>
-                <a:solidFill>
-                  <a:schemeClr val="dk2"/>
-                </a:solidFill>
-              </a:defRPr>
-            </a:lvl6pPr>
-            <a:lvl7pPr lvl="6" algn="ctr" rtl="0">
-              <a:lnSpc>
-                <a:spcPct val="100000"/>
-              </a:lnSpc>
-              <a:spcBef>
-                <a:spcPts val="1600"/>
-              </a:spcBef>
-              <a:spcAft>
-                <a:spcPts val="0"/>
-              </a:spcAft>
-              <a:buClr>
-                <a:schemeClr val="dk2"/>
-              </a:buClr>
-              <a:buSzPts val="1400"/>
-              <a:buNone/>
-              <a:defRPr>
-                <a:solidFill>
-                  <a:schemeClr val="dk2"/>
-                </a:solidFill>
-              </a:defRPr>
-            </a:lvl7pPr>
-            <a:lvl8pPr lvl="7" algn="ctr" rtl="0">
-              <a:lnSpc>
-                <a:spcPct val="100000"/>
-              </a:lnSpc>
-              <a:spcBef>
-                <a:spcPts val="1600"/>
-              </a:spcBef>
-              <a:spcAft>
-                <a:spcPts val="0"/>
-              </a:spcAft>
-              <a:buClr>
-                <a:schemeClr val="dk2"/>
-              </a:buClr>
-              <a:buSzPts val="1400"/>
-              <a:buNone/>
-              <a:defRPr>
-                <a:solidFill>
-                  <a:schemeClr val="dk2"/>
-                </a:solidFill>
-              </a:defRPr>
-            </a:lvl8pPr>
-            <a:lvl9pPr lvl="8" algn="ctr" rtl="0">
-              <a:lnSpc>
-                <a:spcPct val="100000"/>
-              </a:lnSpc>
-              <a:spcBef>
-                <a:spcPts val="1600"/>
-              </a:spcBef>
-              <a:spcAft>
-                <a:spcPts val="1600"/>
-              </a:spcAft>
-              <a:buClr>
-                <a:schemeClr val="dk2"/>
-              </a:buClr>
-              <a:buSzPts val="1400"/>
-              <a:buNone/>
-              <a:defRPr>
-                <a:solidFill>
-                  <a:schemeClr val="dk2"/>
-                </a:solidFill>
-              </a:defRPr>
-            </a:lvl9pPr>
-          </a:lstStyle>
-          <a:p>
-            <a:endParaRPr/>
-          </a:p>
-        </p:txBody>
-      </p:sp>
-    </p:spTree>
-  </p:cSld>
-  <p:clrMapOvr>
-    <a:masterClrMapping/>
-  </p:clrMapOvr>
-</p:sldLayout>
-</file>
-
-<file path=ppt/slideLayouts/slideLayout12.xml><?xml version="1.0" encoding="utf-8"?>
 <p:sldLayout xmlns:a="http://schemas.openxmlformats.org/drawingml/2006/main" xmlns:r="http://schemas.openxmlformats.org/officeDocument/2006/relationships" xmlns:p="http://schemas.openxmlformats.org/presentationml/2006/main" matchingName="Section header 3">
   <p:cSld name="SECTION_HEADER_1_1">
     <p:bg>
@@ -4402,7 +2882,7 @@
 </p:sldLayout>
 </file>
 
-<file path=ppt/slideLayouts/slideLayout13.xml><?xml version="1.0" encoding="utf-8"?>
+<file path=ppt/slideLayouts/slideLayout11.xml><?xml version="1.0" encoding="utf-8"?>
 <p:sldLayout xmlns:a="http://schemas.openxmlformats.org/drawingml/2006/main" xmlns:r="http://schemas.openxmlformats.org/officeDocument/2006/relationships" xmlns:p="http://schemas.openxmlformats.org/presentationml/2006/main" matchingName="Title only 5">
   <p:cSld name="TITLE_ONLY_5">
     <p:spTree>
@@ -4608,7 +3088,7 @@
 </p:sldLayout>
 </file>
 
-<file path=ppt/slideLayouts/slideLayout14.xml><?xml version="1.0" encoding="utf-8"?>
+<file path=ppt/slideLayouts/slideLayout12.xml><?xml version="1.0" encoding="utf-8"?>
 <p:sldLayout xmlns:a="http://schemas.openxmlformats.org/drawingml/2006/main" xmlns:r="http://schemas.openxmlformats.org/officeDocument/2006/relationships" xmlns:p="http://schemas.openxmlformats.org/presentationml/2006/main" matchingName="Title only 6">
   <p:cSld name="TITLE_ONLY_3_1">
     <p:bg>
@@ -4885,7 +3365,7 @@
 </p:sldLayout>
 </file>
 
-<file path=ppt/slideLayouts/slideLayout15.xml><?xml version="1.0" encoding="utf-8"?>
+<file path=ppt/slideLayouts/slideLayout13.xml><?xml version="1.0" encoding="utf-8"?>
 <p:sldLayout xmlns:a="http://schemas.openxmlformats.org/drawingml/2006/main" xmlns:r="http://schemas.openxmlformats.org/officeDocument/2006/relationships" xmlns:p="http://schemas.openxmlformats.org/presentationml/2006/main" matchingName="Thanks">
   <p:cSld name="CUSTOM_3">
     <p:bg>
@@ -5263,7 +3743,7 @@
                 <a:hlinkClick r:id="rId2">
                   <a:extLst>
                     <a:ext uri="{A12FA001-AC4F-418D-AE19-62706E023703}">
-                      <ahyp:hlinkClr xmlns="" xmlns:mc="http://schemas.openxmlformats.org/markup-compatibility/2006" xmlns:mv="urn:schemas-microsoft-com:mac:vml" xmlns:c="http://schemas.openxmlformats.org/drawingml/2006/chart" xmlns:dgm="http://schemas.openxmlformats.org/drawingml/2006/diagram" xmlns:o="urn:schemas-microsoft-com:office:office" xmlns:v="urn:schemas-microsoft-com:vml" xmlns:pvml="urn:schemas-microsoft-com:office:powerpoint" xmlns:com="http://schemas.openxmlformats.org/drawingml/2006/compatibility" xmlns:p14="http://schemas.microsoft.com/office/powerpoint/2010/main" xmlns:p15="http://schemas.microsoft.com/office/powerpoint/2012/main" xmlns:ahyp="http://schemas.microsoft.com/office/drawing/2018/hyperlinkcolor" val="tx"/>
+                      <ahyp:hlinkClr xmlns:ahyp="http://schemas.microsoft.com/office/drawing/2018/hyperlinkcolor" xmlns:p15="http://schemas.microsoft.com/office/powerpoint/2012/main" xmlns:p14="http://schemas.microsoft.com/office/powerpoint/2010/main" xmlns:com="http://schemas.openxmlformats.org/drawingml/2006/compatibility" xmlns:pvml="urn:schemas-microsoft-com:office:powerpoint" xmlns:v="urn:schemas-microsoft-com:vml" xmlns:o="urn:schemas-microsoft-com:office:office" xmlns:dgm="http://schemas.openxmlformats.org/drawingml/2006/diagram" xmlns:c="http://schemas.openxmlformats.org/drawingml/2006/chart" xmlns:mv="urn:schemas-microsoft-com:mac:vml" xmlns:mc="http://schemas.openxmlformats.org/markup-compatibility/2006" xmlns="" val="tx"/>
                     </a:ext>
                   </a:extLst>
                 </a:hlinkClick>
@@ -5309,7 +3789,7 @@
                 <a:hlinkClick r:id="rId3">
                   <a:extLst>
                     <a:ext uri="{A12FA001-AC4F-418D-AE19-62706E023703}">
-                      <ahyp:hlinkClr xmlns="" xmlns:mc="http://schemas.openxmlformats.org/markup-compatibility/2006" xmlns:mv="urn:schemas-microsoft-com:mac:vml" xmlns:c="http://schemas.openxmlformats.org/drawingml/2006/chart" xmlns:dgm="http://schemas.openxmlformats.org/drawingml/2006/diagram" xmlns:o="urn:schemas-microsoft-com:office:office" xmlns:v="urn:schemas-microsoft-com:vml" xmlns:pvml="urn:schemas-microsoft-com:office:powerpoint" xmlns:com="http://schemas.openxmlformats.org/drawingml/2006/compatibility" xmlns:p14="http://schemas.microsoft.com/office/powerpoint/2010/main" xmlns:p15="http://schemas.microsoft.com/office/powerpoint/2012/main" xmlns:ahyp="http://schemas.microsoft.com/office/drawing/2018/hyperlinkcolor" val="tx"/>
+                      <ahyp:hlinkClr xmlns:ahyp="http://schemas.microsoft.com/office/drawing/2018/hyperlinkcolor" xmlns:p15="http://schemas.microsoft.com/office/powerpoint/2012/main" xmlns:p14="http://schemas.microsoft.com/office/powerpoint/2010/main" xmlns:com="http://schemas.openxmlformats.org/drawingml/2006/compatibility" xmlns:pvml="urn:schemas-microsoft-com:office:powerpoint" xmlns:v="urn:schemas-microsoft-com:vml" xmlns:o="urn:schemas-microsoft-com:office:office" xmlns:dgm="http://schemas.openxmlformats.org/drawingml/2006/diagram" xmlns:c="http://schemas.openxmlformats.org/drawingml/2006/chart" xmlns:mv="urn:schemas-microsoft-com:mac:vml" xmlns:mc="http://schemas.openxmlformats.org/markup-compatibility/2006" xmlns="" val="tx"/>
                     </a:ext>
                   </a:extLst>
                 </a:hlinkClick>
@@ -5343,7 +3823,7 @@
                 <a:hlinkClick r:id="rId4">
                   <a:extLst>
                     <a:ext uri="{A12FA001-AC4F-418D-AE19-62706E023703}">
-                      <ahyp:hlinkClr xmlns="" xmlns:mc="http://schemas.openxmlformats.org/markup-compatibility/2006" xmlns:mv="urn:schemas-microsoft-com:mac:vml" xmlns:c="http://schemas.openxmlformats.org/drawingml/2006/chart" xmlns:dgm="http://schemas.openxmlformats.org/drawingml/2006/diagram" xmlns:o="urn:schemas-microsoft-com:office:office" xmlns:v="urn:schemas-microsoft-com:vml" xmlns:pvml="urn:schemas-microsoft-com:office:powerpoint" xmlns:com="http://schemas.openxmlformats.org/drawingml/2006/compatibility" xmlns:p14="http://schemas.microsoft.com/office/powerpoint/2010/main" xmlns:p15="http://schemas.microsoft.com/office/powerpoint/2012/main" xmlns:ahyp="http://schemas.microsoft.com/office/drawing/2018/hyperlinkcolor" val="tx"/>
+                      <ahyp:hlinkClr xmlns:ahyp="http://schemas.microsoft.com/office/drawing/2018/hyperlinkcolor" xmlns:p15="http://schemas.microsoft.com/office/powerpoint/2012/main" xmlns:p14="http://schemas.microsoft.com/office/powerpoint/2010/main" xmlns:com="http://schemas.openxmlformats.org/drawingml/2006/compatibility" xmlns:pvml="urn:schemas-microsoft-com:office:powerpoint" xmlns:v="urn:schemas-microsoft-com:vml" xmlns:o="urn:schemas-microsoft-com:office:office" xmlns:dgm="http://schemas.openxmlformats.org/drawingml/2006/diagram" xmlns:c="http://schemas.openxmlformats.org/drawingml/2006/chart" xmlns:mv="urn:schemas-microsoft-com:mac:vml" xmlns:mc="http://schemas.openxmlformats.org/markup-compatibility/2006" xmlns="" val="tx"/>
                     </a:ext>
                   </a:extLst>
                 </a:hlinkClick>
@@ -5399,7 +3879,7 @@
 </p:sldLayout>
 </file>
 
-<file path=ppt/slideLayouts/slideLayout16.xml><?xml version="1.0" encoding="utf-8"?>
+<file path=ppt/slideLayouts/slideLayout14.xml><?xml version="1.0" encoding="utf-8"?>
 <p:sldLayout xmlns:a="http://schemas.openxmlformats.org/drawingml/2006/main" xmlns:r="http://schemas.openxmlformats.org/officeDocument/2006/relationships" xmlns:p="http://schemas.openxmlformats.org/presentationml/2006/main" matchingName="Background">
   <p:cSld name="CAPTION_ONLY_1">
     <p:spTree>
@@ -5476,7 +3956,7 @@
 </p:sldLayout>
 </file>
 
-<file path=ppt/slideLayouts/slideLayout17.xml><?xml version="1.0" encoding="utf-8"?>
+<file path=ppt/slideLayouts/slideLayout15.xml><?xml version="1.0" encoding="utf-8"?>
 <p:sldLayout xmlns:a="http://schemas.openxmlformats.org/drawingml/2006/main" xmlns:r="http://schemas.openxmlformats.org/officeDocument/2006/relationships" xmlns:p="http://schemas.openxmlformats.org/presentationml/2006/main" matchingName="Background 1">
   <p:cSld name="MAIN_POINT_1_1">
     <p:bg>
@@ -6663,212 +5143,6 @@
 </file>
 
 <file path=ppt/slideLayouts/slideLayout4.xml><?xml version="1.0" encoding="utf-8"?>
-<p:sldLayout xmlns:a="http://schemas.openxmlformats.org/drawingml/2006/main" xmlns:r="http://schemas.openxmlformats.org/officeDocument/2006/relationships" xmlns:p="http://schemas.openxmlformats.org/presentationml/2006/main" matchingName="Title only" type="titleOnly">
-  <p:cSld name="TITLE_ONLY">
-    <p:spTree>
-      <p:nvGrpSpPr>
-        <p:cNvPr id="1" name="Shape 29"/>
-        <p:cNvGrpSpPr/>
-        <p:nvPr/>
-      </p:nvGrpSpPr>
-      <p:grpSpPr>
-        <a:xfrm>
-          <a:off x="0" y="0"/>
-          <a:ext cx="0" cy="0"/>
-          <a:chOff x="0" y="0"/>
-          <a:chExt cx="0" cy="0"/>
-        </a:xfrm>
-      </p:grpSpPr>
-      <p:sp>
-        <p:nvSpPr>
-          <p:cNvPr id="30" name="Google Shape;30;p6"/>
-          <p:cNvSpPr txBox="1">
-            <a:spLocks noGrp="1"/>
-          </p:cNvSpPr>
-          <p:nvPr>
-            <p:ph type="title"/>
-          </p:nvPr>
-        </p:nvSpPr>
-        <p:spPr>
-          <a:xfrm>
-            <a:off x="720000" y="445025"/>
-            <a:ext cx="7704000" cy="572700"/>
-          </a:xfrm>
-          <a:prstGeom prst="rect">
-            <a:avLst/>
-          </a:prstGeom>
-        </p:spPr>
-        <p:txBody>
-          <a:bodyPr spcFirstLastPara="1" wrap="square" lIns="91425" tIns="91425" rIns="91425" bIns="91425" anchor="t" anchorCtr="0">
-            <a:noAutofit/>
-          </a:bodyPr>
-          <a:lstStyle>
-            <a:lvl1pPr lvl="0" rtl="0">
-              <a:spcBef>
-                <a:spcPts val="0"/>
-              </a:spcBef>
-              <a:spcAft>
-                <a:spcPts val="0"/>
-              </a:spcAft>
-              <a:buSzPts val="3400"/>
-              <a:buNone/>
-              <a:defRPr/>
-            </a:lvl1pPr>
-            <a:lvl2pPr lvl="1" rtl="0">
-              <a:spcBef>
-                <a:spcPts val="0"/>
-              </a:spcBef>
-              <a:spcAft>
-                <a:spcPts val="0"/>
-              </a:spcAft>
-              <a:buSzPts val="3400"/>
-              <a:buNone/>
-              <a:defRPr/>
-            </a:lvl2pPr>
-            <a:lvl3pPr lvl="2" rtl="0">
-              <a:spcBef>
-                <a:spcPts val="0"/>
-              </a:spcBef>
-              <a:spcAft>
-                <a:spcPts val="0"/>
-              </a:spcAft>
-              <a:buSzPts val="3400"/>
-              <a:buNone/>
-              <a:defRPr/>
-            </a:lvl3pPr>
-            <a:lvl4pPr lvl="3" rtl="0">
-              <a:spcBef>
-                <a:spcPts val="0"/>
-              </a:spcBef>
-              <a:spcAft>
-                <a:spcPts val="0"/>
-              </a:spcAft>
-              <a:buSzPts val="3400"/>
-              <a:buNone/>
-              <a:defRPr/>
-            </a:lvl4pPr>
-            <a:lvl5pPr lvl="4" rtl="0">
-              <a:spcBef>
-                <a:spcPts val="0"/>
-              </a:spcBef>
-              <a:spcAft>
-                <a:spcPts val="0"/>
-              </a:spcAft>
-              <a:buSzPts val="3400"/>
-              <a:buNone/>
-              <a:defRPr/>
-            </a:lvl5pPr>
-            <a:lvl6pPr lvl="5" rtl="0">
-              <a:spcBef>
-                <a:spcPts val="0"/>
-              </a:spcBef>
-              <a:spcAft>
-                <a:spcPts val="0"/>
-              </a:spcAft>
-              <a:buSzPts val="3400"/>
-              <a:buNone/>
-              <a:defRPr/>
-            </a:lvl6pPr>
-            <a:lvl7pPr lvl="6" rtl="0">
-              <a:spcBef>
-                <a:spcPts val="0"/>
-              </a:spcBef>
-              <a:spcAft>
-                <a:spcPts val="0"/>
-              </a:spcAft>
-              <a:buSzPts val="3400"/>
-              <a:buNone/>
-              <a:defRPr/>
-            </a:lvl7pPr>
-            <a:lvl8pPr lvl="7" rtl="0">
-              <a:spcBef>
-                <a:spcPts val="0"/>
-              </a:spcBef>
-              <a:spcAft>
-                <a:spcPts val="0"/>
-              </a:spcAft>
-              <a:buSzPts val="3400"/>
-              <a:buNone/>
-              <a:defRPr/>
-            </a:lvl8pPr>
-            <a:lvl9pPr lvl="8" rtl="0">
-              <a:spcBef>
-                <a:spcPts val="0"/>
-              </a:spcBef>
-              <a:spcAft>
-                <a:spcPts val="0"/>
-              </a:spcAft>
-              <a:buSzPts val="3400"/>
-              <a:buNone/>
-              <a:defRPr/>
-            </a:lvl9pPr>
-          </a:lstStyle>
-          <a:p>
-            <a:endParaRPr/>
-          </a:p>
-        </p:txBody>
-      </p:sp>
-      <p:cxnSp>
-        <p:nvCxnSpPr>
-          <p:cNvPr id="31" name="Google Shape;31;p6"/>
-          <p:cNvCxnSpPr/>
-          <p:nvPr/>
-        </p:nvCxnSpPr>
-        <p:spPr>
-          <a:xfrm>
-            <a:off x="7047325" y="789975"/>
-            <a:ext cx="1388400" cy="0"/>
-          </a:xfrm>
-          <a:prstGeom prst="straightConnector1">
-            <a:avLst/>
-          </a:prstGeom>
-          <a:noFill/>
-          <a:ln w="9525" cap="flat" cmpd="sng">
-            <a:solidFill>
-              <a:schemeClr val="dk1"/>
-            </a:solidFill>
-            <a:prstDash val="solid"/>
-            <a:round/>
-            <a:headEnd type="none" w="med" len="med"/>
-            <a:tailEnd type="none" w="med" len="med"/>
-          </a:ln>
-        </p:spPr>
-      </p:cxnSp>
-      <p:cxnSp>
-        <p:nvCxnSpPr>
-          <p:cNvPr id="32" name="Google Shape;32;p6"/>
-          <p:cNvCxnSpPr/>
-          <p:nvPr/>
-        </p:nvCxnSpPr>
-        <p:spPr>
-          <a:xfrm>
-            <a:off x="715250" y="4513500"/>
-            <a:ext cx="7720500" cy="0"/>
-          </a:xfrm>
-          <a:prstGeom prst="straightConnector1">
-            <a:avLst/>
-          </a:prstGeom>
-          <a:noFill/>
-          <a:ln w="9525" cap="flat" cmpd="sng">
-            <a:solidFill>
-              <a:schemeClr val="dk1"/>
-            </a:solidFill>
-            <a:prstDash val="solid"/>
-            <a:round/>
-            <a:headEnd type="none" w="med" len="med"/>
-            <a:tailEnd type="none" w="med" len="med"/>
-          </a:ln>
-        </p:spPr>
-      </p:cxnSp>
-    </p:spTree>
-  </p:cSld>
-  <p:clrMapOvr>
-    <a:masterClrMapping/>
-  </p:clrMapOvr>
-</p:sldLayout>
-</file>
-
-<file path=ppt/slideLayouts/slideLayout5.xml><?xml version="1.0" encoding="utf-8"?>
 <p:sldLayout xmlns:a="http://schemas.openxmlformats.org/drawingml/2006/main" xmlns:r="http://schemas.openxmlformats.org/officeDocument/2006/relationships" xmlns:p="http://schemas.openxmlformats.org/presentationml/2006/main" matchingName="One column text">
   <p:cSld name="ONE_COLUMN_TEXT">
     <p:spTree>
@@ -7249,7 +5523,7 @@
 </p:sldLayout>
 </file>
 
-<file path=ppt/slideLayouts/slideLayout6.xml><?xml version="1.0" encoding="utf-8"?>
+<file path=ppt/slideLayouts/slideLayout5.xml><?xml version="1.0" encoding="utf-8"?>
 <p:sldLayout xmlns:a="http://schemas.openxmlformats.org/drawingml/2006/main" xmlns:r="http://schemas.openxmlformats.org/officeDocument/2006/relationships" xmlns:p="http://schemas.openxmlformats.org/presentationml/2006/main" matchingName="Blank" type="blank">
   <p:cSld name="BLANK">
     <p:bg>
@@ -7282,7 +5556,7 @@
 </p:sldLayout>
 </file>
 
-<file path=ppt/slideLayouts/slideLayout7.xml><?xml version="1.0" encoding="utf-8"?>
+<file path=ppt/slideLayouts/slideLayout6.xml><?xml version="1.0" encoding="utf-8"?>
 <p:sldLayout xmlns:a="http://schemas.openxmlformats.org/drawingml/2006/main" xmlns:r="http://schemas.openxmlformats.org/officeDocument/2006/relationships" xmlns:p="http://schemas.openxmlformats.org/presentationml/2006/main" matchingName="Table of contents">
   <p:cSld name="BLANK_1_1_1_1_1_1">
     <p:spTree>
@@ -9184,7 +7458,7 @@
 </p:sldLayout>
 </file>
 
-<file path=ppt/slideLayouts/slideLayout8.xml><?xml version="1.0" encoding="utf-8"?>
+<file path=ppt/slideLayouts/slideLayout7.xml><?xml version="1.0" encoding="utf-8"?>
 <p:sldLayout xmlns:a="http://schemas.openxmlformats.org/drawingml/2006/main" xmlns:r="http://schemas.openxmlformats.org/officeDocument/2006/relationships" xmlns:p="http://schemas.openxmlformats.org/presentationml/2006/main" matchingName="Title and text 6">
   <p:cSld name="ONE_COLUMN_TEXT_3">
     <p:bg>
@@ -9654,12 +7928,20 @@
 </p:sldLayout>
 </file>
 
-<file path=ppt/slideLayouts/slideLayout9.xml><?xml version="1.0" encoding="utf-8"?>
-<p:sldLayout xmlns:a="http://schemas.openxmlformats.org/drawingml/2006/main" xmlns:r="http://schemas.openxmlformats.org/officeDocument/2006/relationships" xmlns:p="http://schemas.openxmlformats.org/presentationml/2006/main" matchingName="Title and six columns">
-  <p:cSld name="CUSTOM_7">
+<file path=ppt/slideLayouts/slideLayout8.xml><?xml version="1.0" encoding="utf-8"?>
+<p:sldLayout xmlns:a="http://schemas.openxmlformats.org/drawingml/2006/main" xmlns:r="http://schemas.openxmlformats.org/officeDocument/2006/relationships" xmlns:p="http://schemas.openxmlformats.org/presentationml/2006/main" matchingName="Section header 1">
+  <p:cSld name="SECTION_HEADER_1">
+    <p:bg>
+      <p:bgPr>
+        <a:solidFill>
+          <a:schemeClr val="dk1"/>
+        </a:solidFill>
+        <a:effectLst/>
+      </p:bgPr>
+    </p:bg>
     <p:spTree>
       <p:nvGrpSpPr>
-        <p:cNvPr id="1" name="Shape 125"/>
+        <p:cNvPr id="1" name="Shape 184"/>
         <p:cNvGrpSpPr/>
         <p:nvPr/>
       </p:nvGrpSpPr>
@@ -9673,7 +7955,7 @@
       </p:grpSpPr>
       <p:sp>
         <p:nvSpPr>
-          <p:cNvPr id="126" name="Google Shape;126;p21"/>
+          <p:cNvPr id="185" name="Google Shape;185;p28"/>
           <p:cNvSpPr txBox="1">
             <a:spLocks noGrp="1"/>
           </p:cNvSpPr>
@@ -9683,8 +7965,1066 @@
         </p:nvSpPr>
         <p:spPr>
           <a:xfrm>
-            <a:off x="720000" y="445025"/>
-            <a:ext cx="7704000" cy="572700"/>
+            <a:off x="1770600" y="2573925"/>
+            <a:ext cx="5602800" cy="941100"/>
+          </a:xfrm>
+          <a:prstGeom prst="rect">
+            <a:avLst/>
+          </a:prstGeom>
+        </p:spPr>
+        <p:txBody>
+          <a:bodyPr spcFirstLastPara="1" wrap="square" lIns="91425" tIns="91425" rIns="91425" bIns="91425" anchor="ctr" anchorCtr="0">
+            <a:noAutofit/>
+          </a:bodyPr>
+          <a:lstStyle>
+            <a:lvl1pPr lvl="0" algn="ctr" rtl="0">
+              <a:spcBef>
+                <a:spcPts val="0"/>
+              </a:spcBef>
+              <a:spcAft>
+                <a:spcPts val="0"/>
+              </a:spcAft>
+              <a:buClr>
+                <a:schemeClr val="dk2"/>
+              </a:buClr>
+              <a:buSzPts val="3600"/>
+              <a:buNone/>
+              <a:defRPr sz="5300">
+                <a:solidFill>
+                  <a:schemeClr val="dk2"/>
+                </a:solidFill>
+              </a:defRPr>
+            </a:lvl1pPr>
+            <a:lvl2pPr lvl="1" algn="ctr" rtl="0">
+              <a:spcBef>
+                <a:spcPts val="0"/>
+              </a:spcBef>
+              <a:spcAft>
+                <a:spcPts val="0"/>
+              </a:spcAft>
+              <a:buClr>
+                <a:schemeClr val="dk2"/>
+              </a:buClr>
+              <a:buSzPts val="3600"/>
+              <a:buNone/>
+              <a:defRPr sz="3600">
+                <a:solidFill>
+                  <a:schemeClr val="dk2"/>
+                </a:solidFill>
+              </a:defRPr>
+            </a:lvl2pPr>
+            <a:lvl3pPr lvl="2" algn="ctr" rtl="0">
+              <a:spcBef>
+                <a:spcPts val="0"/>
+              </a:spcBef>
+              <a:spcAft>
+                <a:spcPts val="0"/>
+              </a:spcAft>
+              <a:buClr>
+                <a:schemeClr val="dk2"/>
+              </a:buClr>
+              <a:buSzPts val="3600"/>
+              <a:buNone/>
+              <a:defRPr sz="3600">
+                <a:solidFill>
+                  <a:schemeClr val="dk2"/>
+                </a:solidFill>
+              </a:defRPr>
+            </a:lvl3pPr>
+            <a:lvl4pPr lvl="3" algn="ctr" rtl="0">
+              <a:spcBef>
+                <a:spcPts val="0"/>
+              </a:spcBef>
+              <a:spcAft>
+                <a:spcPts val="0"/>
+              </a:spcAft>
+              <a:buClr>
+                <a:schemeClr val="dk2"/>
+              </a:buClr>
+              <a:buSzPts val="3600"/>
+              <a:buNone/>
+              <a:defRPr sz="3600">
+                <a:solidFill>
+                  <a:schemeClr val="dk2"/>
+                </a:solidFill>
+              </a:defRPr>
+            </a:lvl4pPr>
+            <a:lvl5pPr lvl="4" algn="ctr" rtl="0">
+              <a:spcBef>
+                <a:spcPts val="0"/>
+              </a:spcBef>
+              <a:spcAft>
+                <a:spcPts val="0"/>
+              </a:spcAft>
+              <a:buClr>
+                <a:schemeClr val="dk2"/>
+              </a:buClr>
+              <a:buSzPts val="3600"/>
+              <a:buNone/>
+              <a:defRPr sz="3600">
+                <a:solidFill>
+                  <a:schemeClr val="dk2"/>
+                </a:solidFill>
+              </a:defRPr>
+            </a:lvl5pPr>
+            <a:lvl6pPr lvl="5" algn="ctr" rtl="0">
+              <a:spcBef>
+                <a:spcPts val="0"/>
+              </a:spcBef>
+              <a:spcAft>
+                <a:spcPts val="0"/>
+              </a:spcAft>
+              <a:buClr>
+                <a:schemeClr val="dk2"/>
+              </a:buClr>
+              <a:buSzPts val="3600"/>
+              <a:buNone/>
+              <a:defRPr sz="3600">
+                <a:solidFill>
+                  <a:schemeClr val="dk2"/>
+                </a:solidFill>
+              </a:defRPr>
+            </a:lvl6pPr>
+            <a:lvl7pPr lvl="6" algn="ctr" rtl="0">
+              <a:spcBef>
+                <a:spcPts val="0"/>
+              </a:spcBef>
+              <a:spcAft>
+                <a:spcPts val="0"/>
+              </a:spcAft>
+              <a:buClr>
+                <a:schemeClr val="dk2"/>
+              </a:buClr>
+              <a:buSzPts val="3600"/>
+              <a:buNone/>
+              <a:defRPr sz="3600">
+                <a:solidFill>
+                  <a:schemeClr val="dk2"/>
+                </a:solidFill>
+              </a:defRPr>
+            </a:lvl7pPr>
+            <a:lvl8pPr lvl="7" algn="ctr" rtl="0">
+              <a:spcBef>
+                <a:spcPts val="0"/>
+              </a:spcBef>
+              <a:spcAft>
+                <a:spcPts val="0"/>
+              </a:spcAft>
+              <a:buClr>
+                <a:schemeClr val="dk2"/>
+              </a:buClr>
+              <a:buSzPts val="3600"/>
+              <a:buNone/>
+              <a:defRPr sz="3600">
+                <a:solidFill>
+                  <a:schemeClr val="dk2"/>
+                </a:solidFill>
+              </a:defRPr>
+            </a:lvl8pPr>
+            <a:lvl9pPr lvl="8" algn="ctr" rtl="0">
+              <a:spcBef>
+                <a:spcPts val="0"/>
+              </a:spcBef>
+              <a:spcAft>
+                <a:spcPts val="0"/>
+              </a:spcAft>
+              <a:buClr>
+                <a:schemeClr val="dk2"/>
+              </a:buClr>
+              <a:buSzPts val="3600"/>
+              <a:buNone/>
+              <a:defRPr sz="3600">
+                <a:solidFill>
+                  <a:schemeClr val="dk2"/>
+                </a:solidFill>
+              </a:defRPr>
+            </a:lvl9pPr>
+          </a:lstStyle>
+          <a:p>
+            <a:endParaRPr/>
+          </a:p>
+        </p:txBody>
+      </p:sp>
+      <p:sp>
+        <p:nvSpPr>
+          <p:cNvPr id="186" name="Google Shape;186;p28"/>
+          <p:cNvSpPr txBox="1">
+            <a:spLocks noGrp="1"/>
+          </p:cNvSpPr>
+          <p:nvPr>
+            <p:ph type="title" idx="2" hasCustomPrompt="1"/>
+          </p:nvPr>
+        </p:nvSpPr>
+        <p:spPr>
+          <a:xfrm>
+            <a:off x="3973500" y="1673182"/>
+            <a:ext cx="1197000" cy="1061100"/>
+          </a:xfrm>
+          <a:prstGeom prst="rect">
+            <a:avLst/>
+          </a:prstGeom>
+          <a:noFill/>
+          <a:ln>
+            <a:noFill/>
+          </a:ln>
+        </p:spPr>
+        <p:txBody>
+          <a:bodyPr spcFirstLastPara="1" wrap="square" lIns="91425" tIns="91425" rIns="91425" bIns="91425" anchor="ctr" anchorCtr="0">
+            <a:noAutofit/>
+          </a:bodyPr>
+          <a:lstStyle>
+            <a:lvl1pPr lvl="0" algn="ctr" rtl="0">
+              <a:spcBef>
+                <a:spcPts val="0"/>
+              </a:spcBef>
+              <a:spcAft>
+                <a:spcPts val="0"/>
+              </a:spcAft>
+              <a:buClr>
+                <a:schemeClr val="dk2"/>
+              </a:buClr>
+              <a:buSzPts val="6000"/>
+              <a:buNone/>
+              <a:defRPr sz="5300">
+                <a:solidFill>
+                  <a:schemeClr val="dk2"/>
+                </a:solidFill>
+              </a:defRPr>
+            </a:lvl1pPr>
+            <a:lvl2pPr lvl="1" algn="ctr" rtl="0">
+              <a:spcBef>
+                <a:spcPts val="0"/>
+              </a:spcBef>
+              <a:spcAft>
+                <a:spcPts val="0"/>
+              </a:spcAft>
+              <a:buClr>
+                <a:schemeClr val="dk2"/>
+              </a:buClr>
+              <a:buSzPts val="6000"/>
+              <a:buNone/>
+              <a:defRPr sz="6000">
+                <a:solidFill>
+                  <a:schemeClr val="dk2"/>
+                </a:solidFill>
+              </a:defRPr>
+            </a:lvl2pPr>
+            <a:lvl3pPr lvl="2" algn="ctr" rtl="0">
+              <a:spcBef>
+                <a:spcPts val="0"/>
+              </a:spcBef>
+              <a:spcAft>
+                <a:spcPts val="0"/>
+              </a:spcAft>
+              <a:buClr>
+                <a:schemeClr val="dk2"/>
+              </a:buClr>
+              <a:buSzPts val="6000"/>
+              <a:buNone/>
+              <a:defRPr sz="6000">
+                <a:solidFill>
+                  <a:schemeClr val="dk2"/>
+                </a:solidFill>
+              </a:defRPr>
+            </a:lvl3pPr>
+            <a:lvl4pPr lvl="3" algn="ctr" rtl="0">
+              <a:spcBef>
+                <a:spcPts val="0"/>
+              </a:spcBef>
+              <a:spcAft>
+                <a:spcPts val="0"/>
+              </a:spcAft>
+              <a:buClr>
+                <a:schemeClr val="dk2"/>
+              </a:buClr>
+              <a:buSzPts val="6000"/>
+              <a:buNone/>
+              <a:defRPr sz="6000">
+                <a:solidFill>
+                  <a:schemeClr val="dk2"/>
+                </a:solidFill>
+              </a:defRPr>
+            </a:lvl4pPr>
+            <a:lvl5pPr lvl="4" algn="ctr" rtl="0">
+              <a:spcBef>
+                <a:spcPts val="0"/>
+              </a:spcBef>
+              <a:spcAft>
+                <a:spcPts val="0"/>
+              </a:spcAft>
+              <a:buClr>
+                <a:schemeClr val="dk2"/>
+              </a:buClr>
+              <a:buSzPts val="6000"/>
+              <a:buNone/>
+              <a:defRPr sz="6000">
+                <a:solidFill>
+                  <a:schemeClr val="dk2"/>
+                </a:solidFill>
+              </a:defRPr>
+            </a:lvl5pPr>
+            <a:lvl6pPr lvl="5" algn="ctr" rtl="0">
+              <a:spcBef>
+                <a:spcPts val="0"/>
+              </a:spcBef>
+              <a:spcAft>
+                <a:spcPts val="0"/>
+              </a:spcAft>
+              <a:buClr>
+                <a:schemeClr val="dk2"/>
+              </a:buClr>
+              <a:buSzPts val="6000"/>
+              <a:buNone/>
+              <a:defRPr sz="6000">
+                <a:solidFill>
+                  <a:schemeClr val="dk2"/>
+                </a:solidFill>
+              </a:defRPr>
+            </a:lvl6pPr>
+            <a:lvl7pPr lvl="6" algn="ctr" rtl="0">
+              <a:spcBef>
+                <a:spcPts val="0"/>
+              </a:spcBef>
+              <a:spcAft>
+                <a:spcPts val="0"/>
+              </a:spcAft>
+              <a:buClr>
+                <a:schemeClr val="dk2"/>
+              </a:buClr>
+              <a:buSzPts val="6000"/>
+              <a:buNone/>
+              <a:defRPr sz="6000">
+                <a:solidFill>
+                  <a:schemeClr val="dk2"/>
+                </a:solidFill>
+              </a:defRPr>
+            </a:lvl7pPr>
+            <a:lvl8pPr lvl="7" algn="ctr" rtl="0">
+              <a:spcBef>
+                <a:spcPts val="0"/>
+              </a:spcBef>
+              <a:spcAft>
+                <a:spcPts val="0"/>
+              </a:spcAft>
+              <a:buClr>
+                <a:schemeClr val="dk2"/>
+              </a:buClr>
+              <a:buSzPts val="6000"/>
+              <a:buNone/>
+              <a:defRPr sz="6000">
+                <a:solidFill>
+                  <a:schemeClr val="dk2"/>
+                </a:solidFill>
+              </a:defRPr>
+            </a:lvl8pPr>
+            <a:lvl9pPr lvl="8" algn="ctr" rtl="0">
+              <a:spcBef>
+                <a:spcPts val="0"/>
+              </a:spcBef>
+              <a:spcAft>
+                <a:spcPts val="0"/>
+              </a:spcAft>
+              <a:buClr>
+                <a:schemeClr val="dk2"/>
+              </a:buClr>
+              <a:buSzPts val="6000"/>
+              <a:buNone/>
+              <a:defRPr sz="6000">
+                <a:solidFill>
+                  <a:schemeClr val="dk2"/>
+                </a:solidFill>
+              </a:defRPr>
+            </a:lvl9pPr>
+          </a:lstStyle>
+          <a:p>
+            <a:r>
+              <a:t>xx%</a:t>
+            </a:r>
+          </a:p>
+        </p:txBody>
+      </p:sp>
+      <p:sp>
+        <p:nvSpPr>
+          <p:cNvPr id="187" name="Google Shape;187;p28"/>
+          <p:cNvSpPr txBox="1">
+            <a:spLocks noGrp="1"/>
+          </p:cNvSpPr>
+          <p:nvPr>
+            <p:ph type="subTitle" idx="1"/>
+          </p:nvPr>
+        </p:nvSpPr>
+        <p:spPr>
+          <a:xfrm>
+            <a:off x="3253200" y="3748050"/>
+            <a:ext cx="2637600" cy="713400"/>
+          </a:xfrm>
+          <a:prstGeom prst="rect">
+            <a:avLst/>
+          </a:prstGeom>
+        </p:spPr>
+        <p:txBody>
+          <a:bodyPr spcFirstLastPara="1" wrap="square" lIns="91425" tIns="91425" rIns="91425" bIns="91425" anchor="t" anchorCtr="0">
+            <a:noAutofit/>
+          </a:bodyPr>
+          <a:lstStyle>
+            <a:lvl1pPr lvl="0" algn="ctr" rtl="0">
+              <a:lnSpc>
+                <a:spcPct val="100000"/>
+              </a:lnSpc>
+              <a:spcBef>
+                <a:spcPts val="0"/>
+              </a:spcBef>
+              <a:spcAft>
+                <a:spcPts val="0"/>
+              </a:spcAft>
+              <a:buClr>
+                <a:schemeClr val="dk2"/>
+              </a:buClr>
+              <a:buSzPts val="1400"/>
+              <a:buNone/>
+              <a:defRPr sz="1600">
+                <a:solidFill>
+                  <a:schemeClr val="dk2"/>
+                </a:solidFill>
+              </a:defRPr>
+            </a:lvl1pPr>
+            <a:lvl2pPr lvl="1" algn="ctr" rtl="0">
+              <a:lnSpc>
+                <a:spcPct val="100000"/>
+              </a:lnSpc>
+              <a:spcBef>
+                <a:spcPts val="1600"/>
+              </a:spcBef>
+              <a:spcAft>
+                <a:spcPts val="0"/>
+              </a:spcAft>
+              <a:buClr>
+                <a:schemeClr val="dk2"/>
+              </a:buClr>
+              <a:buSzPts val="1400"/>
+              <a:buNone/>
+              <a:defRPr>
+                <a:solidFill>
+                  <a:schemeClr val="dk2"/>
+                </a:solidFill>
+              </a:defRPr>
+            </a:lvl2pPr>
+            <a:lvl3pPr lvl="2" algn="ctr" rtl="0">
+              <a:lnSpc>
+                <a:spcPct val="100000"/>
+              </a:lnSpc>
+              <a:spcBef>
+                <a:spcPts val="1600"/>
+              </a:spcBef>
+              <a:spcAft>
+                <a:spcPts val="0"/>
+              </a:spcAft>
+              <a:buClr>
+                <a:schemeClr val="dk2"/>
+              </a:buClr>
+              <a:buSzPts val="1400"/>
+              <a:buNone/>
+              <a:defRPr>
+                <a:solidFill>
+                  <a:schemeClr val="dk2"/>
+                </a:solidFill>
+              </a:defRPr>
+            </a:lvl3pPr>
+            <a:lvl4pPr lvl="3" algn="ctr" rtl="0">
+              <a:lnSpc>
+                <a:spcPct val="100000"/>
+              </a:lnSpc>
+              <a:spcBef>
+                <a:spcPts val="1600"/>
+              </a:spcBef>
+              <a:spcAft>
+                <a:spcPts val="0"/>
+              </a:spcAft>
+              <a:buClr>
+                <a:schemeClr val="dk2"/>
+              </a:buClr>
+              <a:buSzPts val="1400"/>
+              <a:buNone/>
+              <a:defRPr>
+                <a:solidFill>
+                  <a:schemeClr val="dk2"/>
+                </a:solidFill>
+              </a:defRPr>
+            </a:lvl4pPr>
+            <a:lvl5pPr lvl="4" algn="ctr" rtl="0">
+              <a:lnSpc>
+                <a:spcPct val="100000"/>
+              </a:lnSpc>
+              <a:spcBef>
+                <a:spcPts val="1600"/>
+              </a:spcBef>
+              <a:spcAft>
+                <a:spcPts val="0"/>
+              </a:spcAft>
+              <a:buClr>
+                <a:schemeClr val="dk2"/>
+              </a:buClr>
+              <a:buSzPts val="1400"/>
+              <a:buNone/>
+              <a:defRPr>
+                <a:solidFill>
+                  <a:schemeClr val="dk2"/>
+                </a:solidFill>
+              </a:defRPr>
+            </a:lvl5pPr>
+            <a:lvl6pPr lvl="5" algn="ctr" rtl="0">
+              <a:lnSpc>
+                <a:spcPct val="100000"/>
+              </a:lnSpc>
+              <a:spcBef>
+                <a:spcPts val="1600"/>
+              </a:spcBef>
+              <a:spcAft>
+                <a:spcPts val="0"/>
+              </a:spcAft>
+              <a:buClr>
+                <a:schemeClr val="dk2"/>
+              </a:buClr>
+              <a:buSzPts val="1400"/>
+              <a:buNone/>
+              <a:defRPr>
+                <a:solidFill>
+                  <a:schemeClr val="dk2"/>
+                </a:solidFill>
+              </a:defRPr>
+            </a:lvl6pPr>
+            <a:lvl7pPr lvl="6" algn="ctr" rtl="0">
+              <a:lnSpc>
+                <a:spcPct val="100000"/>
+              </a:lnSpc>
+              <a:spcBef>
+                <a:spcPts val="1600"/>
+              </a:spcBef>
+              <a:spcAft>
+                <a:spcPts val="0"/>
+              </a:spcAft>
+              <a:buClr>
+                <a:schemeClr val="dk2"/>
+              </a:buClr>
+              <a:buSzPts val="1400"/>
+              <a:buNone/>
+              <a:defRPr>
+                <a:solidFill>
+                  <a:schemeClr val="dk2"/>
+                </a:solidFill>
+              </a:defRPr>
+            </a:lvl7pPr>
+            <a:lvl8pPr lvl="7" algn="ctr" rtl="0">
+              <a:lnSpc>
+                <a:spcPct val="100000"/>
+              </a:lnSpc>
+              <a:spcBef>
+                <a:spcPts val="1600"/>
+              </a:spcBef>
+              <a:spcAft>
+                <a:spcPts val="0"/>
+              </a:spcAft>
+              <a:buClr>
+                <a:schemeClr val="dk2"/>
+              </a:buClr>
+              <a:buSzPts val="1400"/>
+              <a:buNone/>
+              <a:defRPr>
+                <a:solidFill>
+                  <a:schemeClr val="dk2"/>
+                </a:solidFill>
+              </a:defRPr>
+            </a:lvl8pPr>
+            <a:lvl9pPr lvl="8" algn="ctr" rtl="0">
+              <a:lnSpc>
+                <a:spcPct val="100000"/>
+              </a:lnSpc>
+              <a:spcBef>
+                <a:spcPts val="1600"/>
+              </a:spcBef>
+              <a:spcAft>
+                <a:spcPts val="1600"/>
+              </a:spcAft>
+              <a:buClr>
+                <a:schemeClr val="dk2"/>
+              </a:buClr>
+              <a:buSzPts val="1400"/>
+              <a:buNone/>
+              <a:defRPr>
+                <a:solidFill>
+                  <a:schemeClr val="dk2"/>
+                </a:solidFill>
+              </a:defRPr>
+            </a:lvl9pPr>
+          </a:lstStyle>
+          <a:p>
+            <a:endParaRPr/>
+          </a:p>
+        </p:txBody>
+      </p:sp>
+      <p:cxnSp>
+        <p:nvCxnSpPr>
+          <p:cNvPr id="188" name="Google Shape;188;p28"/>
+          <p:cNvCxnSpPr/>
+          <p:nvPr/>
+        </p:nvCxnSpPr>
+        <p:spPr>
+          <a:xfrm>
+            <a:off x="720000" y="4513500"/>
+            <a:ext cx="7704000" cy="0"/>
+          </a:xfrm>
+          <a:prstGeom prst="straightConnector1">
+            <a:avLst/>
+          </a:prstGeom>
+          <a:noFill/>
+          <a:ln w="9525" cap="flat" cmpd="sng">
+            <a:solidFill>
+              <a:schemeClr val="dk2"/>
+            </a:solidFill>
+            <a:prstDash val="solid"/>
+            <a:round/>
+            <a:headEnd type="none" w="med" len="med"/>
+            <a:tailEnd type="none" w="med" len="med"/>
+          </a:ln>
+        </p:spPr>
+      </p:cxnSp>
+    </p:spTree>
+  </p:cSld>
+  <p:clrMapOvr>
+    <a:masterClrMapping/>
+  </p:clrMapOvr>
+</p:sldLayout>
+</file>
+
+<file path=ppt/slideLayouts/slideLayout9.xml><?xml version="1.0" encoding="utf-8"?>
+<p:sldLayout xmlns:a="http://schemas.openxmlformats.org/drawingml/2006/main" xmlns:r="http://schemas.openxmlformats.org/officeDocument/2006/relationships" xmlns:p="http://schemas.openxmlformats.org/presentationml/2006/main" matchingName="Section header 2">
+  <p:cSld name="SECTION_HEADER_2">
+    <p:bg>
+      <p:bgPr>
+        <a:solidFill>
+          <a:schemeClr val="dk1"/>
+        </a:solidFill>
+        <a:effectLst/>
+      </p:bgPr>
+    </p:bg>
+    <p:spTree>
+      <p:nvGrpSpPr>
+        <p:cNvPr id="1" name="Shape 189"/>
+        <p:cNvGrpSpPr/>
+        <p:nvPr/>
+      </p:nvGrpSpPr>
+      <p:grpSpPr>
+        <a:xfrm>
+          <a:off x="0" y="0"/>
+          <a:ext cx="0" cy="0"/>
+          <a:chOff x="0" y="0"/>
+          <a:chExt cx="0" cy="0"/>
+        </a:xfrm>
+      </p:grpSpPr>
+      <p:sp>
+        <p:nvSpPr>
+          <p:cNvPr id="190" name="Google Shape;190;p29"/>
+          <p:cNvSpPr txBox="1">
+            <a:spLocks noGrp="1"/>
+          </p:cNvSpPr>
+          <p:nvPr>
+            <p:ph type="title"/>
+          </p:nvPr>
+        </p:nvSpPr>
+        <p:spPr>
+          <a:xfrm>
+            <a:off x="720000" y="1632656"/>
+            <a:ext cx="3739200" cy="1677900"/>
+          </a:xfrm>
+          <a:prstGeom prst="rect">
+            <a:avLst/>
+          </a:prstGeom>
+        </p:spPr>
+        <p:txBody>
+          <a:bodyPr spcFirstLastPara="1" wrap="square" lIns="91425" tIns="91425" rIns="91425" bIns="91425" anchor="ctr" anchorCtr="0">
+            <a:noAutofit/>
+          </a:bodyPr>
+          <a:lstStyle>
+            <a:lvl1pPr lvl="0" rtl="0">
+              <a:spcBef>
+                <a:spcPts val="0"/>
+              </a:spcBef>
+              <a:spcAft>
+                <a:spcPts val="0"/>
+              </a:spcAft>
+              <a:buClr>
+                <a:schemeClr val="dk2"/>
+              </a:buClr>
+              <a:buSzPts val="3600"/>
+              <a:buNone/>
+              <a:defRPr sz="5300">
+                <a:solidFill>
+                  <a:schemeClr val="dk2"/>
+                </a:solidFill>
+              </a:defRPr>
+            </a:lvl1pPr>
+            <a:lvl2pPr lvl="1" algn="ctr" rtl="0">
+              <a:spcBef>
+                <a:spcPts val="0"/>
+              </a:spcBef>
+              <a:spcAft>
+                <a:spcPts val="0"/>
+              </a:spcAft>
+              <a:buClr>
+                <a:schemeClr val="dk2"/>
+              </a:buClr>
+              <a:buSzPts val="3600"/>
+              <a:buNone/>
+              <a:defRPr sz="3600">
+                <a:solidFill>
+                  <a:schemeClr val="dk2"/>
+                </a:solidFill>
+              </a:defRPr>
+            </a:lvl2pPr>
+            <a:lvl3pPr lvl="2" algn="ctr" rtl="0">
+              <a:spcBef>
+                <a:spcPts val="0"/>
+              </a:spcBef>
+              <a:spcAft>
+                <a:spcPts val="0"/>
+              </a:spcAft>
+              <a:buClr>
+                <a:schemeClr val="dk2"/>
+              </a:buClr>
+              <a:buSzPts val="3600"/>
+              <a:buNone/>
+              <a:defRPr sz="3600">
+                <a:solidFill>
+                  <a:schemeClr val="dk2"/>
+                </a:solidFill>
+              </a:defRPr>
+            </a:lvl3pPr>
+            <a:lvl4pPr lvl="3" algn="ctr" rtl="0">
+              <a:spcBef>
+                <a:spcPts val="0"/>
+              </a:spcBef>
+              <a:spcAft>
+                <a:spcPts val="0"/>
+              </a:spcAft>
+              <a:buClr>
+                <a:schemeClr val="dk2"/>
+              </a:buClr>
+              <a:buSzPts val="3600"/>
+              <a:buNone/>
+              <a:defRPr sz="3600">
+                <a:solidFill>
+                  <a:schemeClr val="dk2"/>
+                </a:solidFill>
+              </a:defRPr>
+            </a:lvl4pPr>
+            <a:lvl5pPr lvl="4" algn="ctr" rtl="0">
+              <a:spcBef>
+                <a:spcPts val="0"/>
+              </a:spcBef>
+              <a:spcAft>
+                <a:spcPts val="0"/>
+              </a:spcAft>
+              <a:buClr>
+                <a:schemeClr val="dk2"/>
+              </a:buClr>
+              <a:buSzPts val="3600"/>
+              <a:buNone/>
+              <a:defRPr sz="3600">
+                <a:solidFill>
+                  <a:schemeClr val="dk2"/>
+                </a:solidFill>
+              </a:defRPr>
+            </a:lvl5pPr>
+            <a:lvl6pPr lvl="5" algn="ctr" rtl="0">
+              <a:spcBef>
+                <a:spcPts val="0"/>
+              </a:spcBef>
+              <a:spcAft>
+                <a:spcPts val="0"/>
+              </a:spcAft>
+              <a:buClr>
+                <a:schemeClr val="dk2"/>
+              </a:buClr>
+              <a:buSzPts val="3600"/>
+              <a:buNone/>
+              <a:defRPr sz="3600">
+                <a:solidFill>
+                  <a:schemeClr val="dk2"/>
+                </a:solidFill>
+              </a:defRPr>
+            </a:lvl6pPr>
+            <a:lvl7pPr lvl="6" algn="ctr" rtl="0">
+              <a:spcBef>
+                <a:spcPts val="0"/>
+              </a:spcBef>
+              <a:spcAft>
+                <a:spcPts val="0"/>
+              </a:spcAft>
+              <a:buClr>
+                <a:schemeClr val="dk2"/>
+              </a:buClr>
+              <a:buSzPts val="3600"/>
+              <a:buNone/>
+              <a:defRPr sz="3600">
+                <a:solidFill>
+                  <a:schemeClr val="dk2"/>
+                </a:solidFill>
+              </a:defRPr>
+            </a:lvl7pPr>
+            <a:lvl8pPr lvl="7" algn="ctr" rtl="0">
+              <a:spcBef>
+                <a:spcPts val="0"/>
+              </a:spcBef>
+              <a:spcAft>
+                <a:spcPts val="0"/>
+              </a:spcAft>
+              <a:buClr>
+                <a:schemeClr val="dk2"/>
+              </a:buClr>
+              <a:buSzPts val="3600"/>
+              <a:buNone/>
+              <a:defRPr sz="3600">
+                <a:solidFill>
+                  <a:schemeClr val="dk2"/>
+                </a:solidFill>
+              </a:defRPr>
+            </a:lvl8pPr>
+            <a:lvl9pPr lvl="8" algn="ctr" rtl="0">
+              <a:spcBef>
+                <a:spcPts val="0"/>
+              </a:spcBef>
+              <a:spcAft>
+                <a:spcPts val="0"/>
+              </a:spcAft>
+              <a:buClr>
+                <a:schemeClr val="dk2"/>
+              </a:buClr>
+              <a:buSzPts val="3600"/>
+              <a:buNone/>
+              <a:defRPr sz="3600">
+                <a:solidFill>
+                  <a:schemeClr val="dk2"/>
+                </a:solidFill>
+              </a:defRPr>
+            </a:lvl9pPr>
+          </a:lstStyle>
+          <a:p>
+            <a:endParaRPr/>
+          </a:p>
+        </p:txBody>
+      </p:sp>
+      <p:sp>
+        <p:nvSpPr>
+          <p:cNvPr id="191" name="Google Shape;191;p29"/>
+          <p:cNvSpPr txBox="1">
+            <a:spLocks noGrp="1"/>
+          </p:cNvSpPr>
+          <p:nvPr>
+            <p:ph type="title" idx="2" hasCustomPrompt="1"/>
+          </p:nvPr>
+        </p:nvSpPr>
+        <p:spPr>
+          <a:xfrm>
+            <a:off x="720000" y="579500"/>
+            <a:ext cx="1056900" cy="1061100"/>
+          </a:xfrm>
+          <a:prstGeom prst="rect">
+            <a:avLst/>
+          </a:prstGeom>
+          <a:noFill/>
+          <a:ln>
+            <a:noFill/>
+          </a:ln>
+        </p:spPr>
+        <p:txBody>
+          <a:bodyPr spcFirstLastPara="1" wrap="square" lIns="91425" tIns="91425" rIns="91425" bIns="91425" anchor="ctr" anchorCtr="0">
+            <a:noAutofit/>
+          </a:bodyPr>
+          <a:lstStyle>
+            <a:lvl1pPr lvl="0" algn="ctr" rtl="0">
+              <a:spcBef>
+                <a:spcPts val="0"/>
+              </a:spcBef>
+              <a:spcAft>
+                <a:spcPts val="0"/>
+              </a:spcAft>
+              <a:buClr>
+                <a:schemeClr val="dk2"/>
+              </a:buClr>
+              <a:buSzPts val="6000"/>
+              <a:buNone/>
+              <a:defRPr sz="5300">
+                <a:solidFill>
+                  <a:schemeClr val="dk2"/>
+                </a:solidFill>
+              </a:defRPr>
+            </a:lvl1pPr>
+            <a:lvl2pPr lvl="1" algn="ctr" rtl="0">
+              <a:spcBef>
+                <a:spcPts val="0"/>
+              </a:spcBef>
+              <a:spcAft>
+                <a:spcPts val="0"/>
+              </a:spcAft>
+              <a:buClr>
+                <a:schemeClr val="dk2"/>
+              </a:buClr>
+              <a:buSzPts val="6000"/>
+              <a:buNone/>
+              <a:defRPr sz="6000">
+                <a:solidFill>
+                  <a:schemeClr val="dk2"/>
+                </a:solidFill>
+              </a:defRPr>
+            </a:lvl2pPr>
+            <a:lvl3pPr lvl="2" algn="ctr" rtl="0">
+              <a:spcBef>
+                <a:spcPts val="0"/>
+              </a:spcBef>
+              <a:spcAft>
+                <a:spcPts val="0"/>
+              </a:spcAft>
+              <a:buClr>
+                <a:schemeClr val="dk2"/>
+              </a:buClr>
+              <a:buSzPts val="6000"/>
+              <a:buNone/>
+              <a:defRPr sz="6000">
+                <a:solidFill>
+                  <a:schemeClr val="dk2"/>
+                </a:solidFill>
+              </a:defRPr>
+            </a:lvl3pPr>
+            <a:lvl4pPr lvl="3" algn="ctr" rtl="0">
+              <a:spcBef>
+                <a:spcPts val="0"/>
+              </a:spcBef>
+              <a:spcAft>
+                <a:spcPts val="0"/>
+              </a:spcAft>
+              <a:buClr>
+                <a:schemeClr val="dk2"/>
+              </a:buClr>
+              <a:buSzPts val="6000"/>
+              <a:buNone/>
+              <a:defRPr sz="6000">
+                <a:solidFill>
+                  <a:schemeClr val="dk2"/>
+                </a:solidFill>
+              </a:defRPr>
+            </a:lvl4pPr>
+            <a:lvl5pPr lvl="4" algn="ctr" rtl="0">
+              <a:spcBef>
+                <a:spcPts val="0"/>
+              </a:spcBef>
+              <a:spcAft>
+                <a:spcPts val="0"/>
+              </a:spcAft>
+              <a:buClr>
+                <a:schemeClr val="dk2"/>
+              </a:buClr>
+              <a:buSzPts val="6000"/>
+              <a:buNone/>
+              <a:defRPr sz="6000">
+                <a:solidFill>
+                  <a:schemeClr val="dk2"/>
+                </a:solidFill>
+              </a:defRPr>
+            </a:lvl5pPr>
+            <a:lvl6pPr lvl="5" algn="ctr" rtl="0">
+              <a:spcBef>
+                <a:spcPts val="0"/>
+              </a:spcBef>
+              <a:spcAft>
+                <a:spcPts val="0"/>
+              </a:spcAft>
+              <a:buClr>
+                <a:schemeClr val="dk2"/>
+              </a:buClr>
+              <a:buSzPts val="6000"/>
+              <a:buNone/>
+              <a:defRPr sz="6000">
+                <a:solidFill>
+                  <a:schemeClr val="dk2"/>
+                </a:solidFill>
+              </a:defRPr>
+            </a:lvl6pPr>
+            <a:lvl7pPr lvl="6" algn="ctr" rtl="0">
+              <a:spcBef>
+                <a:spcPts val="0"/>
+              </a:spcBef>
+              <a:spcAft>
+                <a:spcPts val="0"/>
+              </a:spcAft>
+              <a:buClr>
+                <a:schemeClr val="dk2"/>
+              </a:buClr>
+              <a:buSzPts val="6000"/>
+              <a:buNone/>
+              <a:defRPr sz="6000">
+                <a:solidFill>
+                  <a:schemeClr val="dk2"/>
+                </a:solidFill>
+              </a:defRPr>
+            </a:lvl7pPr>
+            <a:lvl8pPr lvl="7" algn="ctr" rtl="0">
+              <a:spcBef>
+                <a:spcPts val="0"/>
+              </a:spcBef>
+              <a:spcAft>
+                <a:spcPts val="0"/>
+              </a:spcAft>
+              <a:buClr>
+                <a:schemeClr val="dk2"/>
+              </a:buClr>
+              <a:buSzPts val="6000"/>
+              <a:buNone/>
+              <a:defRPr sz="6000">
+                <a:solidFill>
+                  <a:schemeClr val="dk2"/>
+                </a:solidFill>
+              </a:defRPr>
+            </a:lvl8pPr>
+            <a:lvl9pPr lvl="8" algn="ctr" rtl="0">
+              <a:spcBef>
+                <a:spcPts val="0"/>
+              </a:spcBef>
+              <a:spcAft>
+                <a:spcPts val="0"/>
+              </a:spcAft>
+              <a:buClr>
+                <a:schemeClr val="dk2"/>
+              </a:buClr>
+              <a:buSzPts val="6000"/>
+              <a:buNone/>
+              <a:defRPr sz="6000">
+                <a:solidFill>
+                  <a:schemeClr val="dk2"/>
+                </a:solidFill>
+              </a:defRPr>
+            </a:lvl9pPr>
+          </a:lstStyle>
+          <a:p>
+            <a:r>
+              <a:t>xx%</a:t>
+            </a:r>
+          </a:p>
+        </p:txBody>
+      </p:sp>
+      <p:sp>
+        <p:nvSpPr>
+          <p:cNvPr id="192" name="Google Shape;192;p29"/>
+          <p:cNvSpPr txBox="1">
+            <a:spLocks noGrp="1"/>
+          </p:cNvSpPr>
+          <p:nvPr>
+            <p:ph type="subTitle" idx="1"/>
+          </p:nvPr>
+        </p:nvSpPr>
+        <p:spPr>
+          <a:xfrm>
+            <a:off x="720000" y="3671850"/>
+            <a:ext cx="2637600" cy="713400"/>
           </a:xfrm>
           <a:prstGeom prst="rect">
             <a:avLst/>
@@ -9696,103 +9036,193 @@
           </a:bodyPr>
           <a:lstStyle>
             <a:lvl1pPr lvl="0" rtl="0">
-              <a:spcBef>
-                <a:spcPts val="0"/>
-              </a:spcBef>
-              <a:spcAft>
-                <a:spcPts val="0"/>
-              </a:spcAft>
-              <a:buSzPts val="3400"/>
-              <a:buNone/>
-              <a:defRPr/>
+              <a:lnSpc>
+                <a:spcPct val="100000"/>
+              </a:lnSpc>
+              <a:spcBef>
+                <a:spcPts val="0"/>
+              </a:spcBef>
+              <a:spcAft>
+                <a:spcPts val="0"/>
+              </a:spcAft>
+              <a:buClr>
+                <a:schemeClr val="dk2"/>
+              </a:buClr>
+              <a:buSzPts val="1400"/>
+              <a:buNone/>
+              <a:defRPr sz="1600">
+                <a:solidFill>
+                  <a:schemeClr val="dk2"/>
+                </a:solidFill>
+              </a:defRPr>
             </a:lvl1pPr>
-            <a:lvl2pPr lvl="1" rtl="0">
-              <a:spcBef>
-                <a:spcPts val="0"/>
-              </a:spcBef>
-              <a:spcAft>
-                <a:spcPts val="0"/>
-              </a:spcAft>
-              <a:buSzPts val="3400"/>
-              <a:buNone/>
-              <a:defRPr/>
+            <a:lvl2pPr lvl="1" algn="ctr" rtl="0">
+              <a:lnSpc>
+                <a:spcPct val="100000"/>
+              </a:lnSpc>
+              <a:spcBef>
+                <a:spcPts val="1600"/>
+              </a:spcBef>
+              <a:spcAft>
+                <a:spcPts val="0"/>
+              </a:spcAft>
+              <a:buClr>
+                <a:schemeClr val="dk2"/>
+              </a:buClr>
+              <a:buSzPts val="1400"/>
+              <a:buNone/>
+              <a:defRPr>
+                <a:solidFill>
+                  <a:schemeClr val="dk2"/>
+                </a:solidFill>
+              </a:defRPr>
             </a:lvl2pPr>
-            <a:lvl3pPr lvl="2" rtl="0">
-              <a:spcBef>
-                <a:spcPts val="0"/>
-              </a:spcBef>
-              <a:spcAft>
-                <a:spcPts val="0"/>
-              </a:spcAft>
-              <a:buSzPts val="3400"/>
-              <a:buNone/>
-              <a:defRPr/>
+            <a:lvl3pPr lvl="2" algn="ctr" rtl="0">
+              <a:lnSpc>
+                <a:spcPct val="100000"/>
+              </a:lnSpc>
+              <a:spcBef>
+                <a:spcPts val="1600"/>
+              </a:spcBef>
+              <a:spcAft>
+                <a:spcPts val="0"/>
+              </a:spcAft>
+              <a:buClr>
+                <a:schemeClr val="dk2"/>
+              </a:buClr>
+              <a:buSzPts val="1400"/>
+              <a:buNone/>
+              <a:defRPr>
+                <a:solidFill>
+                  <a:schemeClr val="dk2"/>
+                </a:solidFill>
+              </a:defRPr>
             </a:lvl3pPr>
-            <a:lvl4pPr lvl="3" rtl="0">
-              <a:spcBef>
-                <a:spcPts val="0"/>
-              </a:spcBef>
-              <a:spcAft>
-                <a:spcPts val="0"/>
-              </a:spcAft>
-              <a:buSzPts val="3400"/>
-              <a:buNone/>
-              <a:defRPr/>
+            <a:lvl4pPr lvl="3" algn="ctr" rtl="0">
+              <a:lnSpc>
+                <a:spcPct val="100000"/>
+              </a:lnSpc>
+              <a:spcBef>
+                <a:spcPts val="1600"/>
+              </a:spcBef>
+              <a:spcAft>
+                <a:spcPts val="0"/>
+              </a:spcAft>
+              <a:buClr>
+                <a:schemeClr val="dk2"/>
+              </a:buClr>
+              <a:buSzPts val="1400"/>
+              <a:buNone/>
+              <a:defRPr>
+                <a:solidFill>
+                  <a:schemeClr val="dk2"/>
+                </a:solidFill>
+              </a:defRPr>
             </a:lvl4pPr>
-            <a:lvl5pPr lvl="4" rtl="0">
-              <a:spcBef>
-                <a:spcPts val="0"/>
-              </a:spcBef>
-              <a:spcAft>
-                <a:spcPts val="0"/>
-              </a:spcAft>
-              <a:buSzPts val="3400"/>
-              <a:buNone/>
-              <a:defRPr/>
+            <a:lvl5pPr lvl="4" algn="ctr" rtl="0">
+              <a:lnSpc>
+                <a:spcPct val="100000"/>
+              </a:lnSpc>
+              <a:spcBef>
+                <a:spcPts val="1600"/>
+              </a:spcBef>
+              <a:spcAft>
+                <a:spcPts val="0"/>
+              </a:spcAft>
+              <a:buClr>
+                <a:schemeClr val="dk2"/>
+              </a:buClr>
+              <a:buSzPts val="1400"/>
+              <a:buNone/>
+              <a:defRPr>
+                <a:solidFill>
+                  <a:schemeClr val="dk2"/>
+                </a:solidFill>
+              </a:defRPr>
             </a:lvl5pPr>
-            <a:lvl6pPr lvl="5" rtl="0">
-              <a:spcBef>
-                <a:spcPts val="0"/>
-              </a:spcBef>
-              <a:spcAft>
-                <a:spcPts val="0"/>
-              </a:spcAft>
-              <a:buSzPts val="3400"/>
-              <a:buNone/>
-              <a:defRPr/>
+            <a:lvl6pPr lvl="5" algn="ctr" rtl="0">
+              <a:lnSpc>
+                <a:spcPct val="100000"/>
+              </a:lnSpc>
+              <a:spcBef>
+                <a:spcPts val="1600"/>
+              </a:spcBef>
+              <a:spcAft>
+                <a:spcPts val="0"/>
+              </a:spcAft>
+              <a:buClr>
+                <a:schemeClr val="dk2"/>
+              </a:buClr>
+              <a:buSzPts val="1400"/>
+              <a:buNone/>
+              <a:defRPr>
+                <a:solidFill>
+                  <a:schemeClr val="dk2"/>
+                </a:solidFill>
+              </a:defRPr>
             </a:lvl6pPr>
-            <a:lvl7pPr lvl="6" rtl="0">
-              <a:spcBef>
-                <a:spcPts val="0"/>
-              </a:spcBef>
-              <a:spcAft>
-                <a:spcPts val="0"/>
-              </a:spcAft>
-              <a:buSzPts val="3400"/>
-              <a:buNone/>
-              <a:defRPr/>
+            <a:lvl7pPr lvl="6" algn="ctr" rtl="0">
+              <a:lnSpc>
+                <a:spcPct val="100000"/>
+              </a:lnSpc>
+              <a:spcBef>
+                <a:spcPts val="1600"/>
+              </a:spcBef>
+              <a:spcAft>
+                <a:spcPts val="0"/>
+              </a:spcAft>
+              <a:buClr>
+                <a:schemeClr val="dk2"/>
+              </a:buClr>
+              <a:buSzPts val="1400"/>
+              <a:buNone/>
+              <a:defRPr>
+                <a:solidFill>
+                  <a:schemeClr val="dk2"/>
+                </a:solidFill>
+              </a:defRPr>
             </a:lvl7pPr>
-            <a:lvl8pPr lvl="7" rtl="0">
-              <a:spcBef>
-                <a:spcPts val="0"/>
-              </a:spcBef>
-              <a:spcAft>
-                <a:spcPts val="0"/>
-              </a:spcAft>
-              <a:buSzPts val="3400"/>
-              <a:buNone/>
-              <a:defRPr/>
+            <a:lvl8pPr lvl="7" algn="ctr" rtl="0">
+              <a:lnSpc>
+                <a:spcPct val="100000"/>
+              </a:lnSpc>
+              <a:spcBef>
+                <a:spcPts val="1600"/>
+              </a:spcBef>
+              <a:spcAft>
+                <a:spcPts val="0"/>
+              </a:spcAft>
+              <a:buClr>
+                <a:schemeClr val="dk2"/>
+              </a:buClr>
+              <a:buSzPts val="1400"/>
+              <a:buNone/>
+              <a:defRPr>
+                <a:solidFill>
+                  <a:schemeClr val="dk2"/>
+                </a:solidFill>
+              </a:defRPr>
             </a:lvl8pPr>
-            <a:lvl9pPr lvl="8" rtl="0">
-              <a:spcBef>
-                <a:spcPts val="0"/>
-              </a:spcBef>
-              <a:spcAft>
-                <a:spcPts val="0"/>
-              </a:spcAft>
-              <a:buSzPts val="3400"/>
-              <a:buNone/>
-              <a:defRPr/>
+            <a:lvl9pPr lvl="8" algn="ctr" rtl="0">
+              <a:lnSpc>
+                <a:spcPct val="100000"/>
+              </a:lnSpc>
+              <a:spcBef>
+                <a:spcPts val="1600"/>
+              </a:spcBef>
+              <a:spcAft>
+                <a:spcPts val="1600"/>
+              </a:spcAft>
+              <a:buClr>
+                <a:schemeClr val="dk2"/>
+              </a:buClr>
+              <a:buSzPts val="1400"/>
+              <a:buNone/>
+              <a:defRPr>
+                <a:solidFill>
+                  <a:schemeClr val="dk2"/>
+                </a:solidFill>
+              </a:defRPr>
             </a:lvl9pPr>
           </a:lstStyle>
           <a:p>
@@ -9800,1816 +9230,6 @@
           </a:p>
         </p:txBody>
       </p:sp>
-      <p:sp>
-        <p:nvSpPr>
-          <p:cNvPr id="127" name="Google Shape;127;p21"/>
-          <p:cNvSpPr txBox="1">
-            <a:spLocks noGrp="1"/>
-          </p:cNvSpPr>
-          <p:nvPr>
-            <p:ph type="title" idx="2"/>
-          </p:nvPr>
-        </p:nvSpPr>
-        <p:spPr>
-          <a:xfrm>
-            <a:off x="720000" y="1456821"/>
-            <a:ext cx="2115900" cy="527700"/>
-          </a:xfrm>
-          <a:prstGeom prst="rect">
-            <a:avLst/>
-          </a:prstGeom>
-        </p:spPr>
-        <p:txBody>
-          <a:bodyPr spcFirstLastPara="1" wrap="square" lIns="91425" tIns="91425" rIns="91425" bIns="91425" anchor="ctr" anchorCtr="0">
-            <a:noAutofit/>
-          </a:bodyPr>
-          <a:lstStyle>
-            <a:lvl1pPr lvl="0" rtl="0">
-              <a:spcBef>
-                <a:spcPts val="0"/>
-              </a:spcBef>
-              <a:spcAft>
-                <a:spcPts val="0"/>
-              </a:spcAft>
-              <a:buSzPts val="2500"/>
-              <a:buNone/>
-              <a:defRPr sz="2200">
-                <a:solidFill>
-                  <a:schemeClr val="lt1"/>
-                </a:solidFill>
-              </a:defRPr>
-            </a:lvl1pPr>
-            <a:lvl2pPr lvl="1" algn="ctr" rtl="0">
-              <a:spcBef>
-                <a:spcPts val="0"/>
-              </a:spcBef>
-              <a:spcAft>
-                <a:spcPts val="0"/>
-              </a:spcAft>
-              <a:buSzPts val="2500"/>
-              <a:buNone/>
-              <a:defRPr sz="2500"/>
-            </a:lvl2pPr>
-            <a:lvl3pPr lvl="2" algn="ctr" rtl="0">
-              <a:spcBef>
-                <a:spcPts val="0"/>
-              </a:spcBef>
-              <a:spcAft>
-                <a:spcPts val="0"/>
-              </a:spcAft>
-              <a:buSzPts val="2500"/>
-              <a:buNone/>
-              <a:defRPr sz="2500"/>
-            </a:lvl3pPr>
-            <a:lvl4pPr lvl="3" algn="ctr" rtl="0">
-              <a:spcBef>
-                <a:spcPts val="0"/>
-              </a:spcBef>
-              <a:spcAft>
-                <a:spcPts val="0"/>
-              </a:spcAft>
-              <a:buSzPts val="2500"/>
-              <a:buNone/>
-              <a:defRPr sz="2500"/>
-            </a:lvl4pPr>
-            <a:lvl5pPr lvl="4" algn="ctr" rtl="0">
-              <a:spcBef>
-                <a:spcPts val="0"/>
-              </a:spcBef>
-              <a:spcAft>
-                <a:spcPts val="0"/>
-              </a:spcAft>
-              <a:buSzPts val="2500"/>
-              <a:buNone/>
-              <a:defRPr sz="2500"/>
-            </a:lvl5pPr>
-            <a:lvl6pPr lvl="5" algn="ctr" rtl="0">
-              <a:spcBef>
-                <a:spcPts val="0"/>
-              </a:spcBef>
-              <a:spcAft>
-                <a:spcPts val="0"/>
-              </a:spcAft>
-              <a:buSzPts val="2500"/>
-              <a:buNone/>
-              <a:defRPr sz="2500"/>
-            </a:lvl6pPr>
-            <a:lvl7pPr lvl="6" algn="ctr" rtl="0">
-              <a:spcBef>
-                <a:spcPts val="0"/>
-              </a:spcBef>
-              <a:spcAft>
-                <a:spcPts val="0"/>
-              </a:spcAft>
-              <a:buSzPts val="2500"/>
-              <a:buNone/>
-              <a:defRPr sz="2500"/>
-            </a:lvl7pPr>
-            <a:lvl8pPr lvl="7" algn="ctr" rtl="0">
-              <a:spcBef>
-                <a:spcPts val="0"/>
-              </a:spcBef>
-              <a:spcAft>
-                <a:spcPts val="0"/>
-              </a:spcAft>
-              <a:buSzPts val="2500"/>
-              <a:buNone/>
-              <a:defRPr sz="2500"/>
-            </a:lvl8pPr>
-            <a:lvl9pPr lvl="8" algn="ctr" rtl="0">
-              <a:spcBef>
-                <a:spcPts val="0"/>
-              </a:spcBef>
-              <a:spcAft>
-                <a:spcPts val="0"/>
-              </a:spcAft>
-              <a:buSzPts val="2500"/>
-              <a:buNone/>
-              <a:defRPr sz="2500"/>
-            </a:lvl9pPr>
-          </a:lstStyle>
-          <a:p>
-            <a:endParaRPr/>
-          </a:p>
-        </p:txBody>
-      </p:sp>
-      <p:sp>
-        <p:nvSpPr>
-          <p:cNvPr id="128" name="Google Shape;128;p21"/>
-          <p:cNvSpPr txBox="1">
-            <a:spLocks noGrp="1"/>
-          </p:cNvSpPr>
-          <p:nvPr>
-            <p:ph type="subTitle" idx="1"/>
-          </p:nvPr>
-        </p:nvSpPr>
-        <p:spPr>
-          <a:xfrm>
-            <a:off x="720000" y="2106457"/>
-            <a:ext cx="2115900" cy="484800"/>
-          </a:xfrm>
-          <a:prstGeom prst="rect">
-            <a:avLst/>
-          </a:prstGeom>
-        </p:spPr>
-        <p:txBody>
-          <a:bodyPr spcFirstLastPara="1" wrap="square" lIns="91425" tIns="91425" rIns="91425" bIns="91425" anchor="ctr" anchorCtr="0">
-            <a:noAutofit/>
-          </a:bodyPr>
-          <a:lstStyle>
-            <a:lvl1pPr lvl="0" rtl="0">
-              <a:lnSpc>
-                <a:spcPct val="100000"/>
-              </a:lnSpc>
-              <a:spcBef>
-                <a:spcPts val="0"/>
-              </a:spcBef>
-              <a:spcAft>
-                <a:spcPts val="0"/>
-              </a:spcAft>
-              <a:buSzPts val="1400"/>
-              <a:buNone/>
-              <a:defRPr sz="1400">
-                <a:solidFill>
-                  <a:srgbClr val="242424"/>
-                </a:solidFill>
-              </a:defRPr>
-            </a:lvl1pPr>
-            <a:lvl2pPr lvl="1" algn="ctr" rtl="0">
-              <a:lnSpc>
-                <a:spcPct val="100000"/>
-              </a:lnSpc>
-              <a:spcBef>
-                <a:spcPts val="0"/>
-              </a:spcBef>
-              <a:spcAft>
-                <a:spcPts val="0"/>
-              </a:spcAft>
-              <a:buSzPts val="1400"/>
-              <a:buNone/>
-              <a:defRPr/>
-            </a:lvl2pPr>
-            <a:lvl3pPr lvl="2" algn="ctr" rtl="0">
-              <a:lnSpc>
-                <a:spcPct val="100000"/>
-              </a:lnSpc>
-              <a:spcBef>
-                <a:spcPts val="1600"/>
-              </a:spcBef>
-              <a:spcAft>
-                <a:spcPts val="0"/>
-              </a:spcAft>
-              <a:buSzPts val="1400"/>
-              <a:buNone/>
-              <a:defRPr/>
-            </a:lvl3pPr>
-            <a:lvl4pPr lvl="3" algn="ctr" rtl="0">
-              <a:lnSpc>
-                <a:spcPct val="100000"/>
-              </a:lnSpc>
-              <a:spcBef>
-                <a:spcPts val="1600"/>
-              </a:spcBef>
-              <a:spcAft>
-                <a:spcPts val="0"/>
-              </a:spcAft>
-              <a:buSzPts val="1400"/>
-              <a:buNone/>
-              <a:defRPr/>
-            </a:lvl4pPr>
-            <a:lvl5pPr lvl="4" algn="ctr" rtl="0">
-              <a:lnSpc>
-                <a:spcPct val="100000"/>
-              </a:lnSpc>
-              <a:spcBef>
-                <a:spcPts val="1600"/>
-              </a:spcBef>
-              <a:spcAft>
-                <a:spcPts val="0"/>
-              </a:spcAft>
-              <a:buSzPts val="1400"/>
-              <a:buNone/>
-              <a:defRPr/>
-            </a:lvl5pPr>
-            <a:lvl6pPr lvl="5" algn="ctr" rtl="0">
-              <a:lnSpc>
-                <a:spcPct val="100000"/>
-              </a:lnSpc>
-              <a:spcBef>
-                <a:spcPts val="1600"/>
-              </a:spcBef>
-              <a:spcAft>
-                <a:spcPts val="0"/>
-              </a:spcAft>
-              <a:buSzPts val="1400"/>
-              <a:buNone/>
-              <a:defRPr/>
-            </a:lvl6pPr>
-            <a:lvl7pPr lvl="6" algn="ctr" rtl="0">
-              <a:lnSpc>
-                <a:spcPct val="100000"/>
-              </a:lnSpc>
-              <a:spcBef>
-                <a:spcPts val="1600"/>
-              </a:spcBef>
-              <a:spcAft>
-                <a:spcPts val="0"/>
-              </a:spcAft>
-              <a:buSzPts val="1400"/>
-              <a:buNone/>
-              <a:defRPr/>
-            </a:lvl7pPr>
-            <a:lvl8pPr lvl="7" algn="ctr" rtl="0">
-              <a:lnSpc>
-                <a:spcPct val="100000"/>
-              </a:lnSpc>
-              <a:spcBef>
-                <a:spcPts val="1600"/>
-              </a:spcBef>
-              <a:spcAft>
-                <a:spcPts val="0"/>
-              </a:spcAft>
-              <a:buSzPts val="1400"/>
-              <a:buNone/>
-              <a:defRPr/>
-            </a:lvl8pPr>
-            <a:lvl9pPr lvl="8" algn="ctr" rtl="0">
-              <a:lnSpc>
-                <a:spcPct val="100000"/>
-              </a:lnSpc>
-              <a:spcBef>
-                <a:spcPts val="1600"/>
-              </a:spcBef>
-              <a:spcAft>
-                <a:spcPts val="1600"/>
-              </a:spcAft>
-              <a:buSzPts val="1400"/>
-              <a:buNone/>
-              <a:defRPr/>
-            </a:lvl9pPr>
-          </a:lstStyle>
-          <a:p>
-            <a:endParaRPr/>
-          </a:p>
-        </p:txBody>
-      </p:sp>
-      <p:sp>
-        <p:nvSpPr>
-          <p:cNvPr id="129" name="Google Shape;129;p21"/>
-          <p:cNvSpPr txBox="1">
-            <a:spLocks noGrp="1"/>
-          </p:cNvSpPr>
-          <p:nvPr>
-            <p:ph type="title" idx="3"/>
-          </p:nvPr>
-        </p:nvSpPr>
-        <p:spPr>
-          <a:xfrm>
-            <a:off x="3522272" y="1456821"/>
-            <a:ext cx="2115900" cy="527700"/>
-          </a:xfrm>
-          <a:prstGeom prst="rect">
-            <a:avLst/>
-          </a:prstGeom>
-        </p:spPr>
-        <p:txBody>
-          <a:bodyPr spcFirstLastPara="1" wrap="square" lIns="91425" tIns="91425" rIns="91425" bIns="91425" anchor="ctr" anchorCtr="0">
-            <a:noAutofit/>
-          </a:bodyPr>
-          <a:lstStyle>
-            <a:lvl1pPr lvl="0" rtl="0">
-              <a:spcBef>
-                <a:spcPts val="0"/>
-              </a:spcBef>
-              <a:spcAft>
-                <a:spcPts val="0"/>
-              </a:spcAft>
-              <a:buSzPts val="2500"/>
-              <a:buNone/>
-              <a:defRPr sz="2200">
-                <a:solidFill>
-                  <a:schemeClr val="lt1"/>
-                </a:solidFill>
-              </a:defRPr>
-            </a:lvl1pPr>
-            <a:lvl2pPr lvl="1" algn="ctr" rtl="0">
-              <a:spcBef>
-                <a:spcPts val="0"/>
-              </a:spcBef>
-              <a:spcAft>
-                <a:spcPts val="0"/>
-              </a:spcAft>
-              <a:buSzPts val="2500"/>
-              <a:buNone/>
-              <a:defRPr sz="2500"/>
-            </a:lvl2pPr>
-            <a:lvl3pPr lvl="2" algn="ctr" rtl="0">
-              <a:spcBef>
-                <a:spcPts val="0"/>
-              </a:spcBef>
-              <a:spcAft>
-                <a:spcPts val="0"/>
-              </a:spcAft>
-              <a:buSzPts val="2500"/>
-              <a:buNone/>
-              <a:defRPr sz="2500"/>
-            </a:lvl3pPr>
-            <a:lvl4pPr lvl="3" algn="ctr" rtl="0">
-              <a:spcBef>
-                <a:spcPts val="0"/>
-              </a:spcBef>
-              <a:spcAft>
-                <a:spcPts val="0"/>
-              </a:spcAft>
-              <a:buSzPts val="2500"/>
-              <a:buNone/>
-              <a:defRPr sz="2500"/>
-            </a:lvl4pPr>
-            <a:lvl5pPr lvl="4" algn="ctr" rtl="0">
-              <a:spcBef>
-                <a:spcPts val="0"/>
-              </a:spcBef>
-              <a:spcAft>
-                <a:spcPts val="0"/>
-              </a:spcAft>
-              <a:buSzPts val="2500"/>
-              <a:buNone/>
-              <a:defRPr sz="2500"/>
-            </a:lvl5pPr>
-            <a:lvl6pPr lvl="5" algn="ctr" rtl="0">
-              <a:spcBef>
-                <a:spcPts val="0"/>
-              </a:spcBef>
-              <a:spcAft>
-                <a:spcPts val="0"/>
-              </a:spcAft>
-              <a:buSzPts val="2500"/>
-              <a:buNone/>
-              <a:defRPr sz="2500"/>
-            </a:lvl6pPr>
-            <a:lvl7pPr lvl="6" algn="ctr" rtl="0">
-              <a:spcBef>
-                <a:spcPts val="0"/>
-              </a:spcBef>
-              <a:spcAft>
-                <a:spcPts val="0"/>
-              </a:spcAft>
-              <a:buSzPts val="2500"/>
-              <a:buNone/>
-              <a:defRPr sz="2500"/>
-            </a:lvl7pPr>
-            <a:lvl8pPr lvl="7" algn="ctr" rtl="0">
-              <a:spcBef>
-                <a:spcPts val="0"/>
-              </a:spcBef>
-              <a:spcAft>
-                <a:spcPts val="0"/>
-              </a:spcAft>
-              <a:buSzPts val="2500"/>
-              <a:buNone/>
-              <a:defRPr sz="2500"/>
-            </a:lvl8pPr>
-            <a:lvl9pPr lvl="8" algn="ctr" rtl="0">
-              <a:spcBef>
-                <a:spcPts val="0"/>
-              </a:spcBef>
-              <a:spcAft>
-                <a:spcPts val="0"/>
-              </a:spcAft>
-              <a:buSzPts val="2500"/>
-              <a:buNone/>
-              <a:defRPr sz="2500"/>
-            </a:lvl9pPr>
-          </a:lstStyle>
-          <a:p>
-            <a:endParaRPr/>
-          </a:p>
-        </p:txBody>
-      </p:sp>
-      <p:sp>
-        <p:nvSpPr>
-          <p:cNvPr id="130" name="Google Shape;130;p21"/>
-          <p:cNvSpPr txBox="1">
-            <a:spLocks noGrp="1"/>
-          </p:cNvSpPr>
-          <p:nvPr>
-            <p:ph type="subTitle" idx="4"/>
-          </p:nvPr>
-        </p:nvSpPr>
-        <p:spPr>
-          <a:xfrm>
-            <a:off x="3522272" y="2106457"/>
-            <a:ext cx="2115900" cy="484800"/>
-          </a:xfrm>
-          <a:prstGeom prst="rect">
-            <a:avLst/>
-          </a:prstGeom>
-        </p:spPr>
-        <p:txBody>
-          <a:bodyPr spcFirstLastPara="1" wrap="square" lIns="91425" tIns="91425" rIns="91425" bIns="91425" anchor="ctr" anchorCtr="0">
-            <a:noAutofit/>
-          </a:bodyPr>
-          <a:lstStyle>
-            <a:lvl1pPr lvl="0" rtl="0">
-              <a:lnSpc>
-                <a:spcPct val="100000"/>
-              </a:lnSpc>
-              <a:spcBef>
-                <a:spcPts val="0"/>
-              </a:spcBef>
-              <a:spcAft>
-                <a:spcPts val="0"/>
-              </a:spcAft>
-              <a:buSzPts val="1400"/>
-              <a:buNone/>
-              <a:defRPr sz="1400">
-                <a:solidFill>
-                  <a:srgbClr val="242424"/>
-                </a:solidFill>
-              </a:defRPr>
-            </a:lvl1pPr>
-            <a:lvl2pPr lvl="1" algn="ctr" rtl="0">
-              <a:lnSpc>
-                <a:spcPct val="100000"/>
-              </a:lnSpc>
-              <a:spcBef>
-                <a:spcPts val="0"/>
-              </a:spcBef>
-              <a:spcAft>
-                <a:spcPts val="0"/>
-              </a:spcAft>
-              <a:buSzPts val="1400"/>
-              <a:buNone/>
-              <a:defRPr/>
-            </a:lvl2pPr>
-            <a:lvl3pPr lvl="2" algn="ctr" rtl="0">
-              <a:lnSpc>
-                <a:spcPct val="100000"/>
-              </a:lnSpc>
-              <a:spcBef>
-                <a:spcPts val="1600"/>
-              </a:spcBef>
-              <a:spcAft>
-                <a:spcPts val="0"/>
-              </a:spcAft>
-              <a:buSzPts val="1400"/>
-              <a:buNone/>
-              <a:defRPr/>
-            </a:lvl3pPr>
-            <a:lvl4pPr lvl="3" algn="ctr" rtl="0">
-              <a:lnSpc>
-                <a:spcPct val="100000"/>
-              </a:lnSpc>
-              <a:spcBef>
-                <a:spcPts val="1600"/>
-              </a:spcBef>
-              <a:spcAft>
-                <a:spcPts val="0"/>
-              </a:spcAft>
-              <a:buSzPts val="1400"/>
-              <a:buNone/>
-              <a:defRPr/>
-            </a:lvl4pPr>
-            <a:lvl5pPr lvl="4" algn="ctr" rtl="0">
-              <a:lnSpc>
-                <a:spcPct val="100000"/>
-              </a:lnSpc>
-              <a:spcBef>
-                <a:spcPts val="1600"/>
-              </a:spcBef>
-              <a:spcAft>
-                <a:spcPts val="0"/>
-              </a:spcAft>
-              <a:buSzPts val="1400"/>
-              <a:buNone/>
-              <a:defRPr/>
-            </a:lvl5pPr>
-            <a:lvl6pPr lvl="5" algn="ctr" rtl="0">
-              <a:lnSpc>
-                <a:spcPct val="100000"/>
-              </a:lnSpc>
-              <a:spcBef>
-                <a:spcPts val="1600"/>
-              </a:spcBef>
-              <a:spcAft>
-                <a:spcPts val="0"/>
-              </a:spcAft>
-              <a:buSzPts val="1400"/>
-              <a:buNone/>
-              <a:defRPr/>
-            </a:lvl6pPr>
-            <a:lvl7pPr lvl="6" algn="ctr" rtl="0">
-              <a:lnSpc>
-                <a:spcPct val="100000"/>
-              </a:lnSpc>
-              <a:spcBef>
-                <a:spcPts val="1600"/>
-              </a:spcBef>
-              <a:spcAft>
-                <a:spcPts val="0"/>
-              </a:spcAft>
-              <a:buSzPts val="1400"/>
-              <a:buNone/>
-              <a:defRPr/>
-            </a:lvl7pPr>
-            <a:lvl8pPr lvl="7" algn="ctr" rtl="0">
-              <a:lnSpc>
-                <a:spcPct val="100000"/>
-              </a:lnSpc>
-              <a:spcBef>
-                <a:spcPts val="1600"/>
-              </a:spcBef>
-              <a:spcAft>
-                <a:spcPts val="0"/>
-              </a:spcAft>
-              <a:buSzPts val="1400"/>
-              <a:buNone/>
-              <a:defRPr/>
-            </a:lvl8pPr>
-            <a:lvl9pPr lvl="8" algn="ctr" rtl="0">
-              <a:lnSpc>
-                <a:spcPct val="100000"/>
-              </a:lnSpc>
-              <a:spcBef>
-                <a:spcPts val="1600"/>
-              </a:spcBef>
-              <a:spcAft>
-                <a:spcPts val="1600"/>
-              </a:spcAft>
-              <a:buSzPts val="1400"/>
-              <a:buNone/>
-              <a:defRPr/>
-            </a:lvl9pPr>
-          </a:lstStyle>
-          <a:p>
-            <a:endParaRPr/>
-          </a:p>
-        </p:txBody>
-      </p:sp>
-      <p:sp>
-        <p:nvSpPr>
-          <p:cNvPr id="131" name="Google Shape;131;p21"/>
-          <p:cNvSpPr txBox="1">
-            <a:spLocks noGrp="1"/>
-          </p:cNvSpPr>
-          <p:nvPr>
-            <p:ph type="title" idx="5"/>
-          </p:nvPr>
-        </p:nvSpPr>
-        <p:spPr>
-          <a:xfrm>
-            <a:off x="720000" y="3053140"/>
-            <a:ext cx="2115900" cy="527700"/>
-          </a:xfrm>
-          <a:prstGeom prst="rect">
-            <a:avLst/>
-          </a:prstGeom>
-        </p:spPr>
-        <p:txBody>
-          <a:bodyPr spcFirstLastPara="1" wrap="square" lIns="91425" tIns="91425" rIns="91425" bIns="91425" anchor="ctr" anchorCtr="0">
-            <a:noAutofit/>
-          </a:bodyPr>
-          <a:lstStyle>
-            <a:lvl1pPr lvl="0" rtl="0">
-              <a:spcBef>
-                <a:spcPts val="0"/>
-              </a:spcBef>
-              <a:spcAft>
-                <a:spcPts val="0"/>
-              </a:spcAft>
-              <a:buSzPts val="2500"/>
-              <a:buNone/>
-              <a:defRPr sz="2200">
-                <a:solidFill>
-                  <a:schemeClr val="lt1"/>
-                </a:solidFill>
-              </a:defRPr>
-            </a:lvl1pPr>
-            <a:lvl2pPr lvl="1" algn="ctr" rtl="0">
-              <a:spcBef>
-                <a:spcPts val="0"/>
-              </a:spcBef>
-              <a:spcAft>
-                <a:spcPts val="0"/>
-              </a:spcAft>
-              <a:buSzPts val="2500"/>
-              <a:buNone/>
-              <a:defRPr sz="2500"/>
-            </a:lvl2pPr>
-            <a:lvl3pPr lvl="2" algn="ctr" rtl="0">
-              <a:spcBef>
-                <a:spcPts val="0"/>
-              </a:spcBef>
-              <a:spcAft>
-                <a:spcPts val="0"/>
-              </a:spcAft>
-              <a:buSzPts val="2500"/>
-              <a:buNone/>
-              <a:defRPr sz="2500"/>
-            </a:lvl3pPr>
-            <a:lvl4pPr lvl="3" algn="ctr" rtl="0">
-              <a:spcBef>
-                <a:spcPts val="0"/>
-              </a:spcBef>
-              <a:spcAft>
-                <a:spcPts val="0"/>
-              </a:spcAft>
-              <a:buSzPts val="2500"/>
-              <a:buNone/>
-              <a:defRPr sz="2500"/>
-            </a:lvl4pPr>
-            <a:lvl5pPr lvl="4" algn="ctr" rtl="0">
-              <a:spcBef>
-                <a:spcPts val="0"/>
-              </a:spcBef>
-              <a:spcAft>
-                <a:spcPts val="0"/>
-              </a:spcAft>
-              <a:buSzPts val="2500"/>
-              <a:buNone/>
-              <a:defRPr sz="2500"/>
-            </a:lvl5pPr>
-            <a:lvl6pPr lvl="5" algn="ctr" rtl="0">
-              <a:spcBef>
-                <a:spcPts val="0"/>
-              </a:spcBef>
-              <a:spcAft>
-                <a:spcPts val="0"/>
-              </a:spcAft>
-              <a:buSzPts val="2500"/>
-              <a:buNone/>
-              <a:defRPr sz="2500"/>
-            </a:lvl6pPr>
-            <a:lvl7pPr lvl="6" algn="ctr" rtl="0">
-              <a:spcBef>
-                <a:spcPts val="0"/>
-              </a:spcBef>
-              <a:spcAft>
-                <a:spcPts val="0"/>
-              </a:spcAft>
-              <a:buSzPts val="2500"/>
-              <a:buNone/>
-              <a:defRPr sz="2500"/>
-            </a:lvl7pPr>
-            <a:lvl8pPr lvl="7" algn="ctr" rtl="0">
-              <a:spcBef>
-                <a:spcPts val="0"/>
-              </a:spcBef>
-              <a:spcAft>
-                <a:spcPts val="0"/>
-              </a:spcAft>
-              <a:buSzPts val="2500"/>
-              <a:buNone/>
-              <a:defRPr sz="2500"/>
-            </a:lvl8pPr>
-            <a:lvl9pPr lvl="8" algn="ctr" rtl="0">
-              <a:spcBef>
-                <a:spcPts val="0"/>
-              </a:spcBef>
-              <a:spcAft>
-                <a:spcPts val="0"/>
-              </a:spcAft>
-              <a:buSzPts val="2500"/>
-              <a:buNone/>
-              <a:defRPr sz="2500"/>
-            </a:lvl9pPr>
-          </a:lstStyle>
-          <a:p>
-            <a:endParaRPr/>
-          </a:p>
-        </p:txBody>
-      </p:sp>
-      <p:sp>
-        <p:nvSpPr>
-          <p:cNvPr id="132" name="Google Shape;132;p21"/>
-          <p:cNvSpPr txBox="1">
-            <a:spLocks noGrp="1"/>
-          </p:cNvSpPr>
-          <p:nvPr>
-            <p:ph type="subTitle" idx="6"/>
-          </p:nvPr>
-        </p:nvSpPr>
-        <p:spPr>
-          <a:xfrm>
-            <a:off x="720000" y="3702775"/>
-            <a:ext cx="2115900" cy="484800"/>
-          </a:xfrm>
-          <a:prstGeom prst="rect">
-            <a:avLst/>
-          </a:prstGeom>
-        </p:spPr>
-        <p:txBody>
-          <a:bodyPr spcFirstLastPara="1" wrap="square" lIns="91425" tIns="91425" rIns="91425" bIns="91425" anchor="ctr" anchorCtr="0">
-            <a:noAutofit/>
-          </a:bodyPr>
-          <a:lstStyle>
-            <a:lvl1pPr lvl="0" rtl="0">
-              <a:lnSpc>
-                <a:spcPct val="100000"/>
-              </a:lnSpc>
-              <a:spcBef>
-                <a:spcPts val="0"/>
-              </a:spcBef>
-              <a:spcAft>
-                <a:spcPts val="0"/>
-              </a:spcAft>
-              <a:buSzPts val="1400"/>
-              <a:buNone/>
-              <a:defRPr sz="1400">
-                <a:solidFill>
-                  <a:srgbClr val="242424"/>
-                </a:solidFill>
-              </a:defRPr>
-            </a:lvl1pPr>
-            <a:lvl2pPr lvl="1" algn="ctr" rtl="0">
-              <a:lnSpc>
-                <a:spcPct val="100000"/>
-              </a:lnSpc>
-              <a:spcBef>
-                <a:spcPts val="0"/>
-              </a:spcBef>
-              <a:spcAft>
-                <a:spcPts val="0"/>
-              </a:spcAft>
-              <a:buSzPts val="1400"/>
-              <a:buNone/>
-              <a:defRPr/>
-            </a:lvl2pPr>
-            <a:lvl3pPr lvl="2" algn="ctr" rtl="0">
-              <a:lnSpc>
-                <a:spcPct val="100000"/>
-              </a:lnSpc>
-              <a:spcBef>
-                <a:spcPts val="1600"/>
-              </a:spcBef>
-              <a:spcAft>
-                <a:spcPts val="0"/>
-              </a:spcAft>
-              <a:buSzPts val="1400"/>
-              <a:buNone/>
-              <a:defRPr/>
-            </a:lvl3pPr>
-            <a:lvl4pPr lvl="3" algn="ctr" rtl="0">
-              <a:lnSpc>
-                <a:spcPct val="100000"/>
-              </a:lnSpc>
-              <a:spcBef>
-                <a:spcPts val="1600"/>
-              </a:spcBef>
-              <a:spcAft>
-                <a:spcPts val="0"/>
-              </a:spcAft>
-              <a:buSzPts val="1400"/>
-              <a:buNone/>
-              <a:defRPr/>
-            </a:lvl4pPr>
-            <a:lvl5pPr lvl="4" algn="ctr" rtl="0">
-              <a:lnSpc>
-                <a:spcPct val="100000"/>
-              </a:lnSpc>
-              <a:spcBef>
-                <a:spcPts val="1600"/>
-              </a:spcBef>
-              <a:spcAft>
-                <a:spcPts val="0"/>
-              </a:spcAft>
-              <a:buSzPts val="1400"/>
-              <a:buNone/>
-              <a:defRPr/>
-            </a:lvl5pPr>
-            <a:lvl6pPr lvl="5" algn="ctr" rtl="0">
-              <a:lnSpc>
-                <a:spcPct val="100000"/>
-              </a:lnSpc>
-              <a:spcBef>
-                <a:spcPts val="1600"/>
-              </a:spcBef>
-              <a:spcAft>
-                <a:spcPts val="0"/>
-              </a:spcAft>
-              <a:buSzPts val="1400"/>
-              <a:buNone/>
-              <a:defRPr/>
-            </a:lvl6pPr>
-            <a:lvl7pPr lvl="6" algn="ctr" rtl="0">
-              <a:lnSpc>
-                <a:spcPct val="100000"/>
-              </a:lnSpc>
-              <a:spcBef>
-                <a:spcPts val="1600"/>
-              </a:spcBef>
-              <a:spcAft>
-                <a:spcPts val="0"/>
-              </a:spcAft>
-              <a:buSzPts val="1400"/>
-              <a:buNone/>
-              <a:defRPr/>
-            </a:lvl7pPr>
-            <a:lvl8pPr lvl="7" algn="ctr" rtl="0">
-              <a:lnSpc>
-                <a:spcPct val="100000"/>
-              </a:lnSpc>
-              <a:spcBef>
-                <a:spcPts val="1600"/>
-              </a:spcBef>
-              <a:spcAft>
-                <a:spcPts val="0"/>
-              </a:spcAft>
-              <a:buSzPts val="1400"/>
-              <a:buNone/>
-              <a:defRPr/>
-            </a:lvl8pPr>
-            <a:lvl9pPr lvl="8" algn="ctr" rtl="0">
-              <a:lnSpc>
-                <a:spcPct val="100000"/>
-              </a:lnSpc>
-              <a:spcBef>
-                <a:spcPts val="1600"/>
-              </a:spcBef>
-              <a:spcAft>
-                <a:spcPts val="1600"/>
-              </a:spcAft>
-              <a:buSzPts val="1400"/>
-              <a:buNone/>
-              <a:defRPr/>
-            </a:lvl9pPr>
-          </a:lstStyle>
-          <a:p>
-            <a:endParaRPr/>
-          </a:p>
-        </p:txBody>
-      </p:sp>
-      <p:sp>
-        <p:nvSpPr>
-          <p:cNvPr id="133" name="Google Shape;133;p21"/>
-          <p:cNvSpPr txBox="1">
-            <a:spLocks noGrp="1"/>
-          </p:cNvSpPr>
-          <p:nvPr>
-            <p:ph type="title" idx="7"/>
-          </p:nvPr>
-        </p:nvSpPr>
-        <p:spPr>
-          <a:xfrm>
-            <a:off x="3522272" y="3053140"/>
-            <a:ext cx="2115900" cy="527700"/>
-          </a:xfrm>
-          <a:prstGeom prst="rect">
-            <a:avLst/>
-          </a:prstGeom>
-        </p:spPr>
-        <p:txBody>
-          <a:bodyPr spcFirstLastPara="1" wrap="square" lIns="91425" tIns="91425" rIns="91425" bIns="91425" anchor="ctr" anchorCtr="0">
-            <a:noAutofit/>
-          </a:bodyPr>
-          <a:lstStyle>
-            <a:lvl1pPr lvl="0" rtl="0">
-              <a:spcBef>
-                <a:spcPts val="0"/>
-              </a:spcBef>
-              <a:spcAft>
-                <a:spcPts val="0"/>
-              </a:spcAft>
-              <a:buSzPts val="2500"/>
-              <a:buNone/>
-              <a:defRPr sz="2200">
-                <a:solidFill>
-                  <a:schemeClr val="lt1"/>
-                </a:solidFill>
-              </a:defRPr>
-            </a:lvl1pPr>
-            <a:lvl2pPr lvl="1" algn="ctr" rtl="0">
-              <a:spcBef>
-                <a:spcPts val="0"/>
-              </a:spcBef>
-              <a:spcAft>
-                <a:spcPts val="0"/>
-              </a:spcAft>
-              <a:buSzPts val="2500"/>
-              <a:buNone/>
-              <a:defRPr sz="2500"/>
-            </a:lvl2pPr>
-            <a:lvl3pPr lvl="2" algn="ctr" rtl="0">
-              <a:spcBef>
-                <a:spcPts val="0"/>
-              </a:spcBef>
-              <a:spcAft>
-                <a:spcPts val="0"/>
-              </a:spcAft>
-              <a:buSzPts val="2500"/>
-              <a:buNone/>
-              <a:defRPr sz="2500"/>
-            </a:lvl3pPr>
-            <a:lvl4pPr lvl="3" algn="ctr" rtl="0">
-              <a:spcBef>
-                <a:spcPts val="0"/>
-              </a:spcBef>
-              <a:spcAft>
-                <a:spcPts val="0"/>
-              </a:spcAft>
-              <a:buSzPts val="2500"/>
-              <a:buNone/>
-              <a:defRPr sz="2500"/>
-            </a:lvl4pPr>
-            <a:lvl5pPr lvl="4" algn="ctr" rtl="0">
-              <a:spcBef>
-                <a:spcPts val="0"/>
-              </a:spcBef>
-              <a:spcAft>
-                <a:spcPts val="0"/>
-              </a:spcAft>
-              <a:buSzPts val="2500"/>
-              <a:buNone/>
-              <a:defRPr sz="2500"/>
-            </a:lvl5pPr>
-            <a:lvl6pPr lvl="5" algn="ctr" rtl="0">
-              <a:spcBef>
-                <a:spcPts val="0"/>
-              </a:spcBef>
-              <a:spcAft>
-                <a:spcPts val="0"/>
-              </a:spcAft>
-              <a:buSzPts val="2500"/>
-              <a:buNone/>
-              <a:defRPr sz="2500"/>
-            </a:lvl6pPr>
-            <a:lvl7pPr lvl="6" algn="ctr" rtl="0">
-              <a:spcBef>
-                <a:spcPts val="0"/>
-              </a:spcBef>
-              <a:spcAft>
-                <a:spcPts val="0"/>
-              </a:spcAft>
-              <a:buSzPts val="2500"/>
-              <a:buNone/>
-              <a:defRPr sz="2500"/>
-            </a:lvl7pPr>
-            <a:lvl8pPr lvl="7" algn="ctr" rtl="0">
-              <a:spcBef>
-                <a:spcPts val="0"/>
-              </a:spcBef>
-              <a:spcAft>
-                <a:spcPts val="0"/>
-              </a:spcAft>
-              <a:buSzPts val="2500"/>
-              <a:buNone/>
-              <a:defRPr sz="2500"/>
-            </a:lvl8pPr>
-            <a:lvl9pPr lvl="8" algn="ctr" rtl="0">
-              <a:spcBef>
-                <a:spcPts val="0"/>
-              </a:spcBef>
-              <a:spcAft>
-                <a:spcPts val="0"/>
-              </a:spcAft>
-              <a:buSzPts val="2500"/>
-              <a:buNone/>
-              <a:defRPr sz="2500"/>
-            </a:lvl9pPr>
-          </a:lstStyle>
-          <a:p>
-            <a:endParaRPr/>
-          </a:p>
-        </p:txBody>
-      </p:sp>
-      <p:sp>
-        <p:nvSpPr>
-          <p:cNvPr id="134" name="Google Shape;134;p21"/>
-          <p:cNvSpPr txBox="1">
-            <a:spLocks noGrp="1"/>
-          </p:cNvSpPr>
-          <p:nvPr>
-            <p:ph type="subTitle" idx="8"/>
-          </p:nvPr>
-        </p:nvSpPr>
-        <p:spPr>
-          <a:xfrm>
-            <a:off x="3522272" y="3702775"/>
-            <a:ext cx="2115900" cy="484800"/>
-          </a:xfrm>
-          <a:prstGeom prst="rect">
-            <a:avLst/>
-          </a:prstGeom>
-        </p:spPr>
-        <p:txBody>
-          <a:bodyPr spcFirstLastPara="1" wrap="square" lIns="91425" tIns="91425" rIns="91425" bIns="91425" anchor="ctr" anchorCtr="0">
-            <a:noAutofit/>
-          </a:bodyPr>
-          <a:lstStyle>
-            <a:lvl1pPr lvl="0" rtl="0">
-              <a:lnSpc>
-                <a:spcPct val="100000"/>
-              </a:lnSpc>
-              <a:spcBef>
-                <a:spcPts val="0"/>
-              </a:spcBef>
-              <a:spcAft>
-                <a:spcPts val="0"/>
-              </a:spcAft>
-              <a:buSzPts val="1400"/>
-              <a:buNone/>
-              <a:defRPr sz="1400">
-                <a:solidFill>
-                  <a:srgbClr val="242424"/>
-                </a:solidFill>
-              </a:defRPr>
-            </a:lvl1pPr>
-            <a:lvl2pPr lvl="1" algn="ctr" rtl="0">
-              <a:lnSpc>
-                <a:spcPct val="100000"/>
-              </a:lnSpc>
-              <a:spcBef>
-                <a:spcPts val="0"/>
-              </a:spcBef>
-              <a:spcAft>
-                <a:spcPts val="0"/>
-              </a:spcAft>
-              <a:buSzPts val="1400"/>
-              <a:buNone/>
-              <a:defRPr/>
-            </a:lvl2pPr>
-            <a:lvl3pPr lvl="2" algn="ctr" rtl="0">
-              <a:lnSpc>
-                <a:spcPct val="100000"/>
-              </a:lnSpc>
-              <a:spcBef>
-                <a:spcPts val="1600"/>
-              </a:spcBef>
-              <a:spcAft>
-                <a:spcPts val="0"/>
-              </a:spcAft>
-              <a:buSzPts val="1400"/>
-              <a:buNone/>
-              <a:defRPr/>
-            </a:lvl3pPr>
-            <a:lvl4pPr lvl="3" algn="ctr" rtl="0">
-              <a:lnSpc>
-                <a:spcPct val="100000"/>
-              </a:lnSpc>
-              <a:spcBef>
-                <a:spcPts val="1600"/>
-              </a:spcBef>
-              <a:spcAft>
-                <a:spcPts val="0"/>
-              </a:spcAft>
-              <a:buSzPts val="1400"/>
-              <a:buNone/>
-              <a:defRPr/>
-            </a:lvl4pPr>
-            <a:lvl5pPr lvl="4" algn="ctr" rtl="0">
-              <a:lnSpc>
-                <a:spcPct val="100000"/>
-              </a:lnSpc>
-              <a:spcBef>
-                <a:spcPts val="1600"/>
-              </a:spcBef>
-              <a:spcAft>
-                <a:spcPts val="0"/>
-              </a:spcAft>
-              <a:buSzPts val="1400"/>
-              <a:buNone/>
-              <a:defRPr/>
-            </a:lvl5pPr>
-            <a:lvl6pPr lvl="5" algn="ctr" rtl="0">
-              <a:lnSpc>
-                <a:spcPct val="100000"/>
-              </a:lnSpc>
-              <a:spcBef>
-                <a:spcPts val="1600"/>
-              </a:spcBef>
-              <a:spcAft>
-                <a:spcPts val="0"/>
-              </a:spcAft>
-              <a:buSzPts val="1400"/>
-              <a:buNone/>
-              <a:defRPr/>
-            </a:lvl6pPr>
-            <a:lvl7pPr lvl="6" algn="ctr" rtl="0">
-              <a:lnSpc>
-                <a:spcPct val="100000"/>
-              </a:lnSpc>
-              <a:spcBef>
-                <a:spcPts val="1600"/>
-              </a:spcBef>
-              <a:spcAft>
-                <a:spcPts val="0"/>
-              </a:spcAft>
-              <a:buSzPts val="1400"/>
-              <a:buNone/>
-              <a:defRPr/>
-            </a:lvl7pPr>
-            <a:lvl8pPr lvl="7" algn="ctr" rtl="0">
-              <a:lnSpc>
-                <a:spcPct val="100000"/>
-              </a:lnSpc>
-              <a:spcBef>
-                <a:spcPts val="1600"/>
-              </a:spcBef>
-              <a:spcAft>
-                <a:spcPts val="0"/>
-              </a:spcAft>
-              <a:buSzPts val="1400"/>
-              <a:buNone/>
-              <a:defRPr/>
-            </a:lvl8pPr>
-            <a:lvl9pPr lvl="8" algn="ctr" rtl="0">
-              <a:lnSpc>
-                <a:spcPct val="100000"/>
-              </a:lnSpc>
-              <a:spcBef>
-                <a:spcPts val="1600"/>
-              </a:spcBef>
-              <a:spcAft>
-                <a:spcPts val="1600"/>
-              </a:spcAft>
-              <a:buSzPts val="1400"/>
-              <a:buNone/>
-              <a:defRPr/>
-            </a:lvl9pPr>
-          </a:lstStyle>
-          <a:p>
-            <a:endParaRPr/>
-          </a:p>
-        </p:txBody>
-      </p:sp>
-      <p:sp>
-        <p:nvSpPr>
-          <p:cNvPr id="135" name="Google Shape;135;p21"/>
-          <p:cNvSpPr txBox="1">
-            <a:spLocks noGrp="1"/>
-          </p:cNvSpPr>
-          <p:nvPr>
-            <p:ph type="title" idx="9"/>
-          </p:nvPr>
-        </p:nvSpPr>
-        <p:spPr>
-          <a:xfrm>
-            <a:off x="6324551" y="1456821"/>
-            <a:ext cx="2115900" cy="527700"/>
-          </a:xfrm>
-          <a:prstGeom prst="rect">
-            <a:avLst/>
-          </a:prstGeom>
-        </p:spPr>
-        <p:txBody>
-          <a:bodyPr spcFirstLastPara="1" wrap="square" lIns="91425" tIns="91425" rIns="91425" bIns="91425" anchor="ctr" anchorCtr="0">
-            <a:noAutofit/>
-          </a:bodyPr>
-          <a:lstStyle>
-            <a:lvl1pPr lvl="0" rtl="0">
-              <a:spcBef>
-                <a:spcPts val="0"/>
-              </a:spcBef>
-              <a:spcAft>
-                <a:spcPts val="0"/>
-              </a:spcAft>
-              <a:buSzPts val="2500"/>
-              <a:buNone/>
-              <a:defRPr sz="2200">
-                <a:solidFill>
-                  <a:schemeClr val="lt1"/>
-                </a:solidFill>
-              </a:defRPr>
-            </a:lvl1pPr>
-            <a:lvl2pPr lvl="1" algn="ctr" rtl="0">
-              <a:spcBef>
-                <a:spcPts val="0"/>
-              </a:spcBef>
-              <a:spcAft>
-                <a:spcPts val="0"/>
-              </a:spcAft>
-              <a:buSzPts val="2500"/>
-              <a:buNone/>
-              <a:defRPr sz="2500"/>
-            </a:lvl2pPr>
-            <a:lvl3pPr lvl="2" algn="ctr" rtl="0">
-              <a:spcBef>
-                <a:spcPts val="0"/>
-              </a:spcBef>
-              <a:spcAft>
-                <a:spcPts val="0"/>
-              </a:spcAft>
-              <a:buSzPts val="2500"/>
-              <a:buNone/>
-              <a:defRPr sz="2500"/>
-            </a:lvl3pPr>
-            <a:lvl4pPr lvl="3" algn="ctr" rtl="0">
-              <a:spcBef>
-                <a:spcPts val="0"/>
-              </a:spcBef>
-              <a:spcAft>
-                <a:spcPts val="0"/>
-              </a:spcAft>
-              <a:buSzPts val="2500"/>
-              <a:buNone/>
-              <a:defRPr sz="2500"/>
-            </a:lvl4pPr>
-            <a:lvl5pPr lvl="4" algn="ctr" rtl="0">
-              <a:spcBef>
-                <a:spcPts val="0"/>
-              </a:spcBef>
-              <a:spcAft>
-                <a:spcPts val="0"/>
-              </a:spcAft>
-              <a:buSzPts val="2500"/>
-              <a:buNone/>
-              <a:defRPr sz="2500"/>
-            </a:lvl5pPr>
-            <a:lvl6pPr lvl="5" algn="ctr" rtl="0">
-              <a:spcBef>
-                <a:spcPts val="0"/>
-              </a:spcBef>
-              <a:spcAft>
-                <a:spcPts val="0"/>
-              </a:spcAft>
-              <a:buSzPts val="2500"/>
-              <a:buNone/>
-              <a:defRPr sz="2500"/>
-            </a:lvl6pPr>
-            <a:lvl7pPr lvl="6" algn="ctr" rtl="0">
-              <a:spcBef>
-                <a:spcPts val="0"/>
-              </a:spcBef>
-              <a:spcAft>
-                <a:spcPts val="0"/>
-              </a:spcAft>
-              <a:buSzPts val="2500"/>
-              <a:buNone/>
-              <a:defRPr sz="2500"/>
-            </a:lvl7pPr>
-            <a:lvl8pPr lvl="7" algn="ctr" rtl="0">
-              <a:spcBef>
-                <a:spcPts val="0"/>
-              </a:spcBef>
-              <a:spcAft>
-                <a:spcPts val="0"/>
-              </a:spcAft>
-              <a:buSzPts val="2500"/>
-              <a:buNone/>
-              <a:defRPr sz="2500"/>
-            </a:lvl8pPr>
-            <a:lvl9pPr lvl="8" algn="ctr" rtl="0">
-              <a:spcBef>
-                <a:spcPts val="0"/>
-              </a:spcBef>
-              <a:spcAft>
-                <a:spcPts val="0"/>
-              </a:spcAft>
-              <a:buSzPts val="2500"/>
-              <a:buNone/>
-              <a:defRPr sz="2500"/>
-            </a:lvl9pPr>
-          </a:lstStyle>
-          <a:p>
-            <a:endParaRPr/>
-          </a:p>
-        </p:txBody>
-      </p:sp>
-      <p:sp>
-        <p:nvSpPr>
-          <p:cNvPr id="136" name="Google Shape;136;p21"/>
-          <p:cNvSpPr txBox="1">
-            <a:spLocks noGrp="1"/>
-          </p:cNvSpPr>
-          <p:nvPr>
-            <p:ph type="subTitle" idx="13"/>
-          </p:nvPr>
-        </p:nvSpPr>
-        <p:spPr>
-          <a:xfrm>
-            <a:off x="6324551" y="2106457"/>
-            <a:ext cx="2115900" cy="484800"/>
-          </a:xfrm>
-          <a:prstGeom prst="rect">
-            <a:avLst/>
-          </a:prstGeom>
-        </p:spPr>
-        <p:txBody>
-          <a:bodyPr spcFirstLastPara="1" wrap="square" lIns="91425" tIns="91425" rIns="91425" bIns="91425" anchor="ctr" anchorCtr="0">
-            <a:noAutofit/>
-          </a:bodyPr>
-          <a:lstStyle>
-            <a:lvl1pPr lvl="0" rtl="0">
-              <a:lnSpc>
-                <a:spcPct val="100000"/>
-              </a:lnSpc>
-              <a:spcBef>
-                <a:spcPts val="0"/>
-              </a:spcBef>
-              <a:spcAft>
-                <a:spcPts val="0"/>
-              </a:spcAft>
-              <a:buSzPts val="1400"/>
-              <a:buNone/>
-              <a:defRPr sz="1400">
-                <a:solidFill>
-                  <a:srgbClr val="242424"/>
-                </a:solidFill>
-              </a:defRPr>
-            </a:lvl1pPr>
-            <a:lvl2pPr lvl="1" algn="ctr" rtl="0">
-              <a:lnSpc>
-                <a:spcPct val="100000"/>
-              </a:lnSpc>
-              <a:spcBef>
-                <a:spcPts val="0"/>
-              </a:spcBef>
-              <a:spcAft>
-                <a:spcPts val="0"/>
-              </a:spcAft>
-              <a:buSzPts val="1400"/>
-              <a:buNone/>
-              <a:defRPr/>
-            </a:lvl2pPr>
-            <a:lvl3pPr lvl="2" algn="ctr" rtl="0">
-              <a:lnSpc>
-                <a:spcPct val="100000"/>
-              </a:lnSpc>
-              <a:spcBef>
-                <a:spcPts val="1600"/>
-              </a:spcBef>
-              <a:spcAft>
-                <a:spcPts val="0"/>
-              </a:spcAft>
-              <a:buSzPts val="1400"/>
-              <a:buNone/>
-              <a:defRPr/>
-            </a:lvl3pPr>
-            <a:lvl4pPr lvl="3" algn="ctr" rtl="0">
-              <a:lnSpc>
-                <a:spcPct val="100000"/>
-              </a:lnSpc>
-              <a:spcBef>
-                <a:spcPts val="1600"/>
-              </a:spcBef>
-              <a:spcAft>
-                <a:spcPts val="0"/>
-              </a:spcAft>
-              <a:buSzPts val="1400"/>
-              <a:buNone/>
-              <a:defRPr/>
-            </a:lvl4pPr>
-            <a:lvl5pPr lvl="4" algn="ctr" rtl="0">
-              <a:lnSpc>
-                <a:spcPct val="100000"/>
-              </a:lnSpc>
-              <a:spcBef>
-                <a:spcPts val="1600"/>
-              </a:spcBef>
-              <a:spcAft>
-                <a:spcPts val="0"/>
-              </a:spcAft>
-              <a:buSzPts val="1400"/>
-              <a:buNone/>
-              <a:defRPr/>
-            </a:lvl5pPr>
-            <a:lvl6pPr lvl="5" algn="ctr" rtl="0">
-              <a:lnSpc>
-                <a:spcPct val="100000"/>
-              </a:lnSpc>
-              <a:spcBef>
-                <a:spcPts val="1600"/>
-              </a:spcBef>
-              <a:spcAft>
-                <a:spcPts val="0"/>
-              </a:spcAft>
-              <a:buSzPts val="1400"/>
-              <a:buNone/>
-              <a:defRPr/>
-            </a:lvl6pPr>
-            <a:lvl7pPr lvl="6" algn="ctr" rtl="0">
-              <a:lnSpc>
-                <a:spcPct val="100000"/>
-              </a:lnSpc>
-              <a:spcBef>
-                <a:spcPts val="1600"/>
-              </a:spcBef>
-              <a:spcAft>
-                <a:spcPts val="0"/>
-              </a:spcAft>
-              <a:buSzPts val="1400"/>
-              <a:buNone/>
-              <a:defRPr/>
-            </a:lvl7pPr>
-            <a:lvl8pPr lvl="7" algn="ctr" rtl="0">
-              <a:lnSpc>
-                <a:spcPct val="100000"/>
-              </a:lnSpc>
-              <a:spcBef>
-                <a:spcPts val="1600"/>
-              </a:spcBef>
-              <a:spcAft>
-                <a:spcPts val="0"/>
-              </a:spcAft>
-              <a:buSzPts val="1400"/>
-              <a:buNone/>
-              <a:defRPr/>
-            </a:lvl8pPr>
-            <a:lvl9pPr lvl="8" algn="ctr" rtl="0">
-              <a:lnSpc>
-                <a:spcPct val="100000"/>
-              </a:lnSpc>
-              <a:spcBef>
-                <a:spcPts val="1600"/>
-              </a:spcBef>
-              <a:spcAft>
-                <a:spcPts val="1600"/>
-              </a:spcAft>
-              <a:buSzPts val="1400"/>
-              <a:buNone/>
-              <a:defRPr/>
-            </a:lvl9pPr>
-          </a:lstStyle>
-          <a:p>
-            <a:endParaRPr/>
-          </a:p>
-        </p:txBody>
-      </p:sp>
-      <p:sp>
-        <p:nvSpPr>
-          <p:cNvPr id="137" name="Google Shape;137;p21"/>
-          <p:cNvSpPr txBox="1">
-            <a:spLocks noGrp="1"/>
-          </p:cNvSpPr>
-          <p:nvPr>
-            <p:ph type="title" idx="14"/>
-          </p:nvPr>
-        </p:nvSpPr>
-        <p:spPr>
-          <a:xfrm>
-            <a:off x="6324551" y="3053140"/>
-            <a:ext cx="2115900" cy="527700"/>
-          </a:xfrm>
-          <a:prstGeom prst="rect">
-            <a:avLst/>
-          </a:prstGeom>
-        </p:spPr>
-        <p:txBody>
-          <a:bodyPr spcFirstLastPara="1" wrap="square" lIns="91425" tIns="91425" rIns="91425" bIns="91425" anchor="ctr" anchorCtr="0">
-            <a:noAutofit/>
-          </a:bodyPr>
-          <a:lstStyle>
-            <a:lvl1pPr lvl="0" rtl="0">
-              <a:spcBef>
-                <a:spcPts val="0"/>
-              </a:spcBef>
-              <a:spcAft>
-                <a:spcPts val="0"/>
-              </a:spcAft>
-              <a:buSzPts val="2500"/>
-              <a:buNone/>
-              <a:defRPr sz="2200">
-                <a:solidFill>
-                  <a:schemeClr val="lt1"/>
-                </a:solidFill>
-              </a:defRPr>
-            </a:lvl1pPr>
-            <a:lvl2pPr lvl="1" algn="ctr" rtl="0">
-              <a:spcBef>
-                <a:spcPts val="0"/>
-              </a:spcBef>
-              <a:spcAft>
-                <a:spcPts val="0"/>
-              </a:spcAft>
-              <a:buSzPts val="2500"/>
-              <a:buNone/>
-              <a:defRPr sz="2500"/>
-            </a:lvl2pPr>
-            <a:lvl3pPr lvl="2" algn="ctr" rtl="0">
-              <a:spcBef>
-                <a:spcPts val="0"/>
-              </a:spcBef>
-              <a:spcAft>
-                <a:spcPts val="0"/>
-              </a:spcAft>
-              <a:buSzPts val="2500"/>
-              <a:buNone/>
-              <a:defRPr sz="2500"/>
-            </a:lvl3pPr>
-            <a:lvl4pPr lvl="3" algn="ctr" rtl="0">
-              <a:spcBef>
-                <a:spcPts val="0"/>
-              </a:spcBef>
-              <a:spcAft>
-                <a:spcPts val="0"/>
-              </a:spcAft>
-              <a:buSzPts val="2500"/>
-              <a:buNone/>
-              <a:defRPr sz="2500"/>
-            </a:lvl4pPr>
-            <a:lvl5pPr lvl="4" algn="ctr" rtl="0">
-              <a:spcBef>
-                <a:spcPts val="0"/>
-              </a:spcBef>
-              <a:spcAft>
-                <a:spcPts val="0"/>
-              </a:spcAft>
-              <a:buSzPts val="2500"/>
-              <a:buNone/>
-              <a:defRPr sz="2500"/>
-            </a:lvl5pPr>
-            <a:lvl6pPr lvl="5" algn="ctr" rtl="0">
-              <a:spcBef>
-                <a:spcPts val="0"/>
-              </a:spcBef>
-              <a:spcAft>
-                <a:spcPts val="0"/>
-              </a:spcAft>
-              <a:buSzPts val="2500"/>
-              <a:buNone/>
-              <a:defRPr sz="2500"/>
-            </a:lvl6pPr>
-            <a:lvl7pPr lvl="6" algn="ctr" rtl="0">
-              <a:spcBef>
-                <a:spcPts val="0"/>
-              </a:spcBef>
-              <a:spcAft>
-                <a:spcPts val="0"/>
-              </a:spcAft>
-              <a:buSzPts val="2500"/>
-              <a:buNone/>
-              <a:defRPr sz="2500"/>
-            </a:lvl7pPr>
-            <a:lvl8pPr lvl="7" algn="ctr" rtl="0">
-              <a:spcBef>
-                <a:spcPts val="0"/>
-              </a:spcBef>
-              <a:spcAft>
-                <a:spcPts val="0"/>
-              </a:spcAft>
-              <a:buSzPts val="2500"/>
-              <a:buNone/>
-              <a:defRPr sz="2500"/>
-            </a:lvl8pPr>
-            <a:lvl9pPr lvl="8" algn="ctr" rtl="0">
-              <a:spcBef>
-                <a:spcPts val="0"/>
-              </a:spcBef>
-              <a:spcAft>
-                <a:spcPts val="0"/>
-              </a:spcAft>
-              <a:buSzPts val="2500"/>
-              <a:buNone/>
-              <a:defRPr sz="2500"/>
-            </a:lvl9pPr>
-          </a:lstStyle>
-          <a:p>
-            <a:endParaRPr/>
-          </a:p>
-        </p:txBody>
-      </p:sp>
-      <p:sp>
-        <p:nvSpPr>
-          <p:cNvPr id="138" name="Google Shape;138;p21"/>
-          <p:cNvSpPr txBox="1">
-            <a:spLocks noGrp="1"/>
-          </p:cNvSpPr>
-          <p:nvPr>
-            <p:ph type="subTitle" idx="15"/>
-          </p:nvPr>
-        </p:nvSpPr>
-        <p:spPr>
-          <a:xfrm>
-            <a:off x="6324551" y="3702775"/>
-            <a:ext cx="2115900" cy="484800"/>
-          </a:xfrm>
-          <a:prstGeom prst="rect">
-            <a:avLst/>
-          </a:prstGeom>
-        </p:spPr>
-        <p:txBody>
-          <a:bodyPr spcFirstLastPara="1" wrap="square" lIns="91425" tIns="91425" rIns="91425" bIns="91425" anchor="ctr" anchorCtr="0">
-            <a:noAutofit/>
-          </a:bodyPr>
-          <a:lstStyle>
-            <a:lvl1pPr lvl="0" rtl="0">
-              <a:lnSpc>
-                <a:spcPct val="100000"/>
-              </a:lnSpc>
-              <a:spcBef>
-                <a:spcPts val="0"/>
-              </a:spcBef>
-              <a:spcAft>
-                <a:spcPts val="0"/>
-              </a:spcAft>
-              <a:buSzPts val="1400"/>
-              <a:buNone/>
-              <a:defRPr sz="1400">
-                <a:solidFill>
-                  <a:srgbClr val="242424"/>
-                </a:solidFill>
-              </a:defRPr>
-            </a:lvl1pPr>
-            <a:lvl2pPr lvl="1" algn="ctr" rtl="0">
-              <a:lnSpc>
-                <a:spcPct val="100000"/>
-              </a:lnSpc>
-              <a:spcBef>
-                <a:spcPts val="0"/>
-              </a:spcBef>
-              <a:spcAft>
-                <a:spcPts val="0"/>
-              </a:spcAft>
-              <a:buSzPts val="1400"/>
-              <a:buNone/>
-              <a:defRPr/>
-            </a:lvl2pPr>
-            <a:lvl3pPr lvl="2" algn="ctr" rtl="0">
-              <a:lnSpc>
-                <a:spcPct val="100000"/>
-              </a:lnSpc>
-              <a:spcBef>
-                <a:spcPts val="1600"/>
-              </a:spcBef>
-              <a:spcAft>
-                <a:spcPts val="0"/>
-              </a:spcAft>
-              <a:buSzPts val="1400"/>
-              <a:buNone/>
-              <a:defRPr/>
-            </a:lvl3pPr>
-            <a:lvl4pPr lvl="3" algn="ctr" rtl="0">
-              <a:lnSpc>
-                <a:spcPct val="100000"/>
-              </a:lnSpc>
-              <a:spcBef>
-                <a:spcPts val="1600"/>
-              </a:spcBef>
-              <a:spcAft>
-                <a:spcPts val="0"/>
-              </a:spcAft>
-              <a:buSzPts val="1400"/>
-              <a:buNone/>
-              <a:defRPr/>
-            </a:lvl4pPr>
-            <a:lvl5pPr lvl="4" algn="ctr" rtl="0">
-              <a:lnSpc>
-                <a:spcPct val="100000"/>
-              </a:lnSpc>
-              <a:spcBef>
-                <a:spcPts val="1600"/>
-              </a:spcBef>
-              <a:spcAft>
-                <a:spcPts val="0"/>
-              </a:spcAft>
-              <a:buSzPts val="1400"/>
-              <a:buNone/>
-              <a:defRPr/>
-            </a:lvl5pPr>
-            <a:lvl6pPr lvl="5" algn="ctr" rtl="0">
-              <a:lnSpc>
-                <a:spcPct val="100000"/>
-              </a:lnSpc>
-              <a:spcBef>
-                <a:spcPts val="1600"/>
-              </a:spcBef>
-              <a:spcAft>
-                <a:spcPts val="0"/>
-              </a:spcAft>
-              <a:buSzPts val="1400"/>
-              <a:buNone/>
-              <a:defRPr/>
-            </a:lvl6pPr>
-            <a:lvl7pPr lvl="6" algn="ctr" rtl="0">
-              <a:lnSpc>
-                <a:spcPct val="100000"/>
-              </a:lnSpc>
-              <a:spcBef>
-                <a:spcPts val="1600"/>
-              </a:spcBef>
-              <a:spcAft>
-                <a:spcPts val="0"/>
-              </a:spcAft>
-              <a:buSzPts val="1400"/>
-              <a:buNone/>
-              <a:defRPr/>
-            </a:lvl7pPr>
-            <a:lvl8pPr lvl="7" algn="ctr" rtl="0">
-              <a:lnSpc>
-                <a:spcPct val="100000"/>
-              </a:lnSpc>
-              <a:spcBef>
-                <a:spcPts val="1600"/>
-              </a:spcBef>
-              <a:spcAft>
-                <a:spcPts val="0"/>
-              </a:spcAft>
-              <a:buSzPts val="1400"/>
-              <a:buNone/>
-              <a:defRPr/>
-            </a:lvl8pPr>
-            <a:lvl9pPr lvl="8" algn="ctr" rtl="0">
-              <a:lnSpc>
-                <a:spcPct val="100000"/>
-              </a:lnSpc>
-              <a:spcBef>
-                <a:spcPts val="1600"/>
-              </a:spcBef>
-              <a:spcAft>
-                <a:spcPts val="1600"/>
-              </a:spcAft>
-              <a:buSzPts val="1400"/>
-              <a:buNone/>
-              <a:defRPr/>
-            </a:lvl9pPr>
-          </a:lstStyle>
-          <a:p>
-            <a:endParaRPr/>
-          </a:p>
-        </p:txBody>
-      </p:sp>
-      <p:cxnSp>
-        <p:nvCxnSpPr>
-          <p:cNvPr id="139" name="Google Shape;139;p21"/>
-          <p:cNvCxnSpPr/>
-          <p:nvPr/>
-        </p:nvCxnSpPr>
-        <p:spPr>
-          <a:xfrm>
-            <a:off x="6268975" y="789975"/>
-            <a:ext cx="2166900" cy="0"/>
-          </a:xfrm>
-          <a:prstGeom prst="straightConnector1">
-            <a:avLst/>
-          </a:prstGeom>
-          <a:noFill/>
-          <a:ln w="9525" cap="flat" cmpd="sng">
-            <a:solidFill>
-              <a:schemeClr val="dk1"/>
-            </a:solidFill>
-            <a:prstDash val="solid"/>
-            <a:round/>
-            <a:headEnd type="none" w="med" len="med"/>
-            <a:tailEnd type="none" w="med" len="med"/>
-          </a:ln>
-        </p:spPr>
-      </p:cxnSp>
-      <p:cxnSp>
-        <p:nvCxnSpPr>
-          <p:cNvPr id="140" name="Google Shape;140;p21"/>
-          <p:cNvCxnSpPr/>
-          <p:nvPr/>
-        </p:nvCxnSpPr>
-        <p:spPr>
-          <a:xfrm>
-            <a:off x="715250" y="4513500"/>
-            <a:ext cx="7720500" cy="0"/>
-          </a:xfrm>
-          <a:prstGeom prst="straightConnector1">
-            <a:avLst/>
-          </a:prstGeom>
-          <a:noFill/>
-          <a:ln w="9525" cap="flat" cmpd="sng">
-            <a:solidFill>
-              <a:schemeClr val="dk1"/>
-            </a:solidFill>
-            <a:prstDash val="solid"/>
-            <a:round/>
-            <a:headEnd type="none" w="med" len="med"/>
-            <a:tailEnd type="none" w="med" len="med"/>
-          </a:ln>
-        </p:spPr>
-      </p:cxnSp>
     </p:spTree>
   </p:cSld>
   <p:clrMapOvr>
@@ -12157,20 +9777,18 @@
     <p:sldLayoutId id="2147483648" r:id="rId1"/>
     <p:sldLayoutId id="2147483649" r:id="rId2"/>
     <p:sldLayoutId id="2147483650" r:id="rId3"/>
-    <p:sldLayoutId id="2147483652" r:id="rId4"/>
-    <p:sldLayoutId id="2147483653" r:id="rId5"/>
-    <p:sldLayoutId id="2147483658" r:id="rId6"/>
-    <p:sldLayoutId id="2147483659" r:id="rId7"/>
-    <p:sldLayoutId id="2147483663" r:id="rId8"/>
-    <p:sldLayoutId id="2147483667" r:id="rId9"/>
-    <p:sldLayoutId id="2147483674" r:id="rId10"/>
-    <p:sldLayoutId id="2147483675" r:id="rId11"/>
-    <p:sldLayoutId id="2147483676" r:id="rId12"/>
-    <p:sldLayoutId id="2147483681" r:id="rId13"/>
-    <p:sldLayoutId id="2147483682" r:id="rId14"/>
-    <p:sldLayoutId id="2147483683" r:id="rId15"/>
-    <p:sldLayoutId id="2147483684" r:id="rId16"/>
-    <p:sldLayoutId id="2147483685" r:id="rId17"/>
+    <p:sldLayoutId id="2147483653" r:id="rId4"/>
+    <p:sldLayoutId id="2147483658" r:id="rId5"/>
+    <p:sldLayoutId id="2147483659" r:id="rId6"/>
+    <p:sldLayoutId id="2147483663" r:id="rId7"/>
+    <p:sldLayoutId id="2147483674" r:id="rId8"/>
+    <p:sldLayoutId id="2147483675" r:id="rId9"/>
+    <p:sldLayoutId id="2147483676" r:id="rId10"/>
+    <p:sldLayoutId id="2147483681" r:id="rId11"/>
+    <p:sldLayoutId id="2147483682" r:id="rId12"/>
+    <p:sldLayoutId id="2147483683" r:id="rId13"/>
+    <p:sldLayoutId id="2147483684" r:id="rId14"/>
+    <p:sldLayoutId id="2147483685" r:id="rId15"/>
   </p:sldLayoutIdLst>
   <p:hf hdr="0" ftr="0" dt="0"/>
   <p:txStyles>
@@ -13263,7 +10881,7 @@
   <p:cSld>
     <p:spTree>
       <p:nvGrpSpPr>
-        <p:cNvPr id="1" name="Shape 427"/>
+        <p:cNvPr id="1" name="Shape 684"/>
         <p:cNvGrpSpPr/>
         <p:nvPr/>
       </p:nvGrpSpPr>
@@ -13277,1588 +10895,6 @@
       </p:grpSpPr>
       <p:sp>
         <p:nvSpPr>
-          <p:cNvPr id="428" name="Google Shape;428;p56"/>
-          <p:cNvSpPr txBox="1">
-            <a:spLocks noGrp="1"/>
-          </p:cNvSpPr>
-          <p:nvPr>
-            <p:ph type="subTitle" idx="13"/>
-          </p:nvPr>
-        </p:nvSpPr>
-        <p:spPr>
-          <a:xfrm>
-            <a:off x="6324551" y="2106457"/>
-            <a:ext cx="2115900" cy="484800"/>
-          </a:xfrm>
-          <a:prstGeom prst="rect">
-            <a:avLst/>
-          </a:prstGeom>
-        </p:spPr>
-        <p:txBody>
-          <a:bodyPr spcFirstLastPara="1" wrap="square" lIns="91425" tIns="91425" rIns="91425" bIns="91425" anchor="ctr" anchorCtr="0">
-            <a:noAutofit/>
-          </a:bodyPr>
-          <a:lstStyle/>
-          <a:p>
-            <a:pPr marL="0" lvl="0" indent="0" algn="l" rtl="0">
-              <a:spcBef>
-                <a:spcPts val="0"/>
-              </a:spcBef>
-              <a:spcAft>
-                <a:spcPts val="0"/>
-              </a:spcAft>
-              <a:buNone/>
-            </a:pPr>
-            <a:r>
-              <a:rPr lang="en"/>
-              <a:t>Mars is actually a very cold place</a:t>
-            </a:r>
-            <a:endParaRPr/>
-          </a:p>
-        </p:txBody>
-      </p:sp>
-      <p:sp>
-        <p:nvSpPr>
-          <p:cNvPr id="429" name="Google Shape;429;p56"/>
-          <p:cNvSpPr txBox="1">
-            <a:spLocks noGrp="1"/>
-          </p:cNvSpPr>
-          <p:nvPr>
-            <p:ph type="subTitle" idx="15"/>
-          </p:nvPr>
-        </p:nvSpPr>
-        <p:spPr>
-          <a:xfrm>
-            <a:off x="6324551" y="3702775"/>
-            <a:ext cx="2115900" cy="484800"/>
-          </a:xfrm>
-          <a:prstGeom prst="rect">
-            <a:avLst/>
-          </a:prstGeom>
-        </p:spPr>
-        <p:txBody>
-          <a:bodyPr spcFirstLastPara="1" wrap="square" lIns="91425" tIns="91425" rIns="91425" bIns="91425" anchor="ctr" anchorCtr="0">
-            <a:noAutofit/>
-          </a:bodyPr>
-          <a:lstStyle/>
-          <a:p>
-            <a:pPr marL="0" lvl="0" indent="0" algn="l" rtl="0">
-              <a:spcBef>
-                <a:spcPts val="0"/>
-              </a:spcBef>
-              <a:spcAft>
-                <a:spcPts val="0"/>
-              </a:spcAft>
-              <a:buNone/>
-            </a:pPr>
-            <a:r>
-              <a:rPr lang="en"/>
-              <a:t>Neptune is the farthest planet from the Sun</a:t>
-            </a:r>
-            <a:endParaRPr/>
-          </a:p>
-        </p:txBody>
-      </p:sp>
-      <p:sp>
-        <p:nvSpPr>
-          <p:cNvPr id="430" name="Google Shape;430;p56"/>
-          <p:cNvSpPr txBox="1">
-            <a:spLocks noGrp="1"/>
-          </p:cNvSpPr>
-          <p:nvPr>
-            <p:ph type="title" idx="9"/>
-          </p:nvPr>
-        </p:nvSpPr>
-        <p:spPr>
-          <a:xfrm>
-            <a:off x="6324551" y="1456821"/>
-            <a:ext cx="2115900" cy="527700"/>
-          </a:xfrm>
-          <a:prstGeom prst="rect">
-            <a:avLst/>
-          </a:prstGeom>
-        </p:spPr>
-        <p:txBody>
-          <a:bodyPr spcFirstLastPara="1" wrap="square" lIns="91425" tIns="91425" rIns="91425" bIns="91425" anchor="ctr" anchorCtr="0">
-            <a:noAutofit/>
-          </a:bodyPr>
-          <a:lstStyle/>
-          <a:p>
-            <a:pPr marL="0" lvl="0" indent="0" algn="l" rtl="0">
-              <a:spcBef>
-                <a:spcPts val="0"/>
-              </a:spcBef>
-              <a:spcAft>
-                <a:spcPts val="0"/>
-              </a:spcAft>
-              <a:buNone/>
-            </a:pPr>
-            <a:r>
-              <a:rPr lang="en"/>
-              <a:t>Standard of living</a:t>
-            </a:r>
-            <a:endParaRPr/>
-          </a:p>
-        </p:txBody>
-      </p:sp>
-      <p:sp>
-        <p:nvSpPr>
-          <p:cNvPr id="431" name="Google Shape;431;p56"/>
-          <p:cNvSpPr txBox="1">
-            <a:spLocks noGrp="1"/>
-          </p:cNvSpPr>
-          <p:nvPr>
-            <p:ph type="title" idx="14"/>
-          </p:nvPr>
-        </p:nvSpPr>
-        <p:spPr>
-          <a:xfrm>
-            <a:off x="6324551" y="3053140"/>
-            <a:ext cx="2115900" cy="527700"/>
-          </a:xfrm>
-          <a:prstGeom prst="rect">
-            <a:avLst/>
-          </a:prstGeom>
-        </p:spPr>
-        <p:txBody>
-          <a:bodyPr spcFirstLastPara="1" wrap="square" lIns="91425" tIns="91425" rIns="91425" bIns="91425" anchor="ctr" anchorCtr="0">
-            <a:noAutofit/>
-          </a:bodyPr>
-          <a:lstStyle/>
-          <a:p>
-            <a:pPr marL="0" lvl="0" indent="0" algn="l" rtl="0">
-              <a:spcBef>
-                <a:spcPts val="0"/>
-              </a:spcBef>
-              <a:spcAft>
-                <a:spcPts val="0"/>
-              </a:spcAft>
-              <a:buNone/>
-            </a:pPr>
-            <a:r>
-              <a:rPr lang="en"/>
-              <a:t>Transfer of wealth</a:t>
-            </a:r>
-            <a:endParaRPr/>
-          </a:p>
-        </p:txBody>
-      </p:sp>
-      <p:sp>
-        <p:nvSpPr>
-          <p:cNvPr id="432" name="Google Shape;432;p56"/>
-          <p:cNvSpPr txBox="1">
-            <a:spLocks noGrp="1"/>
-          </p:cNvSpPr>
-          <p:nvPr>
-            <p:ph type="title"/>
-          </p:nvPr>
-        </p:nvSpPr>
-        <p:spPr>
-          <a:xfrm>
-            <a:off x="720000" y="445025"/>
-            <a:ext cx="7704000" cy="572700"/>
-          </a:xfrm>
-          <a:prstGeom prst="rect">
-            <a:avLst/>
-          </a:prstGeom>
-        </p:spPr>
-        <p:txBody>
-          <a:bodyPr spcFirstLastPara="1" wrap="square" lIns="91425" tIns="91425" rIns="91425" bIns="91425" anchor="t" anchorCtr="0">
-            <a:noAutofit/>
-          </a:bodyPr>
-          <a:lstStyle/>
-          <a:p>
-            <a:pPr marL="0" lvl="0" indent="0" algn="l" rtl="0">
-              <a:spcBef>
-                <a:spcPts val="0"/>
-              </a:spcBef>
-              <a:spcAft>
-                <a:spcPts val="0"/>
-              </a:spcAft>
-              <a:buNone/>
-            </a:pPr>
-            <a:r>
-              <a:rPr lang="en"/>
-              <a:t>The major effects</a:t>
-            </a:r>
-            <a:endParaRPr/>
-          </a:p>
-        </p:txBody>
-      </p:sp>
-      <p:sp>
-        <p:nvSpPr>
-          <p:cNvPr id="433" name="Google Shape;433;p56"/>
-          <p:cNvSpPr txBox="1">
-            <a:spLocks noGrp="1"/>
-          </p:cNvSpPr>
-          <p:nvPr>
-            <p:ph type="title" idx="2"/>
-          </p:nvPr>
-        </p:nvSpPr>
-        <p:spPr>
-          <a:xfrm>
-            <a:off x="720000" y="1456821"/>
-            <a:ext cx="2115900" cy="527700"/>
-          </a:xfrm>
-          <a:prstGeom prst="rect">
-            <a:avLst/>
-          </a:prstGeom>
-        </p:spPr>
-        <p:txBody>
-          <a:bodyPr spcFirstLastPara="1" wrap="square" lIns="91425" tIns="91425" rIns="91425" bIns="91425" anchor="ctr" anchorCtr="0">
-            <a:noAutofit/>
-          </a:bodyPr>
-          <a:lstStyle/>
-          <a:p>
-            <a:pPr marL="0" lvl="0" indent="0" algn="l" rtl="0">
-              <a:spcBef>
-                <a:spcPts val="0"/>
-              </a:spcBef>
-              <a:spcAft>
-                <a:spcPts val="0"/>
-              </a:spcAft>
-              <a:buNone/>
-            </a:pPr>
-            <a:r>
-              <a:rPr lang="en"/>
-              <a:t>Factory system</a:t>
-            </a:r>
-            <a:endParaRPr/>
-          </a:p>
-        </p:txBody>
-      </p:sp>
-      <p:sp>
-        <p:nvSpPr>
-          <p:cNvPr id="434" name="Google Shape;434;p56"/>
-          <p:cNvSpPr txBox="1">
-            <a:spLocks noGrp="1"/>
-          </p:cNvSpPr>
-          <p:nvPr>
-            <p:ph type="subTitle" idx="1"/>
-          </p:nvPr>
-        </p:nvSpPr>
-        <p:spPr>
-          <a:xfrm>
-            <a:off x="720000" y="2106457"/>
-            <a:ext cx="2115900" cy="484800"/>
-          </a:xfrm>
-          <a:prstGeom prst="rect">
-            <a:avLst/>
-          </a:prstGeom>
-        </p:spPr>
-        <p:txBody>
-          <a:bodyPr spcFirstLastPara="1" wrap="square" lIns="91425" tIns="91425" rIns="91425" bIns="91425" anchor="ctr" anchorCtr="0">
-            <a:noAutofit/>
-          </a:bodyPr>
-          <a:lstStyle/>
-          <a:p>
-            <a:pPr marL="0" lvl="0" indent="0" algn="l" rtl="0">
-              <a:spcBef>
-                <a:spcPts val="0"/>
-              </a:spcBef>
-              <a:spcAft>
-                <a:spcPts val="0"/>
-              </a:spcAft>
-              <a:buNone/>
-            </a:pPr>
-            <a:r>
-              <a:rPr lang="en"/>
-              <a:t>Mercury is the closest planet to the Sun</a:t>
-            </a:r>
-            <a:endParaRPr/>
-          </a:p>
-        </p:txBody>
-      </p:sp>
-      <p:sp>
-        <p:nvSpPr>
-          <p:cNvPr id="435" name="Google Shape;435;p56"/>
-          <p:cNvSpPr txBox="1">
-            <a:spLocks noGrp="1"/>
-          </p:cNvSpPr>
-          <p:nvPr>
-            <p:ph type="title" idx="3"/>
-          </p:nvPr>
-        </p:nvSpPr>
-        <p:spPr>
-          <a:xfrm>
-            <a:off x="3522272" y="1456821"/>
-            <a:ext cx="2115900" cy="527700"/>
-          </a:xfrm>
-          <a:prstGeom prst="rect">
-            <a:avLst/>
-          </a:prstGeom>
-        </p:spPr>
-        <p:txBody>
-          <a:bodyPr spcFirstLastPara="1" wrap="square" lIns="91425" tIns="91425" rIns="91425" bIns="91425" anchor="ctr" anchorCtr="0">
-            <a:noAutofit/>
-          </a:bodyPr>
-          <a:lstStyle/>
-          <a:p>
-            <a:pPr marL="0" lvl="0" indent="0" algn="l" rtl="0">
-              <a:spcBef>
-                <a:spcPts val="0"/>
-              </a:spcBef>
-              <a:spcAft>
-                <a:spcPts val="0"/>
-              </a:spcAft>
-              <a:buNone/>
-            </a:pPr>
-            <a:r>
-              <a:rPr lang="en"/>
-              <a:t>Rise of capitalism</a:t>
-            </a:r>
-            <a:endParaRPr/>
-          </a:p>
-        </p:txBody>
-      </p:sp>
-      <p:sp>
-        <p:nvSpPr>
-          <p:cNvPr id="436" name="Google Shape;436;p56"/>
-          <p:cNvSpPr txBox="1">
-            <a:spLocks noGrp="1"/>
-          </p:cNvSpPr>
-          <p:nvPr>
-            <p:ph type="subTitle" idx="4"/>
-          </p:nvPr>
-        </p:nvSpPr>
-        <p:spPr>
-          <a:xfrm>
-            <a:off x="3522272" y="2106457"/>
-            <a:ext cx="2115900" cy="484800"/>
-          </a:xfrm>
-          <a:prstGeom prst="rect">
-            <a:avLst/>
-          </a:prstGeom>
-        </p:spPr>
-        <p:txBody>
-          <a:bodyPr spcFirstLastPara="1" wrap="square" lIns="91425" tIns="91425" rIns="91425" bIns="91425" anchor="ctr" anchorCtr="0">
-            <a:noAutofit/>
-          </a:bodyPr>
-          <a:lstStyle/>
-          <a:p>
-            <a:pPr marL="0" lvl="0" indent="0" algn="l" rtl="0">
-              <a:spcBef>
-                <a:spcPts val="0"/>
-              </a:spcBef>
-              <a:spcAft>
-                <a:spcPts val="0"/>
-              </a:spcAft>
-              <a:buNone/>
-            </a:pPr>
-            <a:r>
-              <a:rPr lang="en"/>
-              <a:t>Venus is the second planet from the Sun</a:t>
-            </a:r>
-            <a:endParaRPr/>
-          </a:p>
-        </p:txBody>
-      </p:sp>
-      <p:sp>
-        <p:nvSpPr>
-          <p:cNvPr id="437" name="Google Shape;437;p56"/>
-          <p:cNvSpPr txBox="1">
-            <a:spLocks noGrp="1"/>
-          </p:cNvSpPr>
-          <p:nvPr>
-            <p:ph type="title" idx="5"/>
-          </p:nvPr>
-        </p:nvSpPr>
-        <p:spPr>
-          <a:xfrm>
-            <a:off x="720000" y="3053140"/>
-            <a:ext cx="2115900" cy="527700"/>
-          </a:xfrm>
-          <a:prstGeom prst="rect">
-            <a:avLst/>
-          </a:prstGeom>
-        </p:spPr>
-        <p:txBody>
-          <a:bodyPr spcFirstLastPara="1" wrap="square" lIns="91425" tIns="91425" rIns="91425" bIns="91425" anchor="ctr" anchorCtr="0">
-            <a:noAutofit/>
-          </a:bodyPr>
-          <a:lstStyle/>
-          <a:p>
-            <a:pPr marL="0" lvl="0" indent="0" algn="l" rtl="0">
-              <a:spcBef>
-                <a:spcPts val="0"/>
-              </a:spcBef>
-              <a:spcAft>
-                <a:spcPts val="0"/>
-              </a:spcAft>
-              <a:buNone/>
-            </a:pPr>
-            <a:r>
-              <a:rPr lang="en"/>
-              <a:t>Rise of materialism</a:t>
-            </a:r>
-            <a:endParaRPr/>
-          </a:p>
-        </p:txBody>
-      </p:sp>
-      <p:sp>
-        <p:nvSpPr>
-          <p:cNvPr id="438" name="Google Shape;438;p56"/>
-          <p:cNvSpPr txBox="1">
-            <a:spLocks noGrp="1"/>
-          </p:cNvSpPr>
-          <p:nvPr>
-            <p:ph type="subTitle" idx="6"/>
-          </p:nvPr>
-        </p:nvSpPr>
-        <p:spPr>
-          <a:xfrm>
-            <a:off x="720000" y="3702775"/>
-            <a:ext cx="2115900" cy="484800"/>
-          </a:xfrm>
-          <a:prstGeom prst="rect">
-            <a:avLst/>
-          </a:prstGeom>
-        </p:spPr>
-        <p:txBody>
-          <a:bodyPr spcFirstLastPara="1" wrap="square" lIns="91425" tIns="91425" rIns="91425" bIns="91425" anchor="ctr" anchorCtr="0">
-            <a:noAutofit/>
-          </a:bodyPr>
-          <a:lstStyle/>
-          <a:p>
-            <a:pPr marL="0" lvl="0" indent="0" algn="l" rtl="0">
-              <a:spcBef>
-                <a:spcPts val="0"/>
-              </a:spcBef>
-              <a:spcAft>
-                <a:spcPts val="0"/>
-              </a:spcAft>
-              <a:buNone/>
-            </a:pPr>
-            <a:r>
-              <a:rPr lang="en"/>
-              <a:t>Jupiter is the biggest planet of them all</a:t>
-            </a:r>
-            <a:endParaRPr/>
-          </a:p>
-        </p:txBody>
-      </p:sp>
-      <p:sp>
-        <p:nvSpPr>
-          <p:cNvPr id="439" name="Google Shape;439;p56"/>
-          <p:cNvSpPr txBox="1">
-            <a:spLocks noGrp="1"/>
-          </p:cNvSpPr>
-          <p:nvPr>
-            <p:ph type="title" idx="7"/>
-          </p:nvPr>
-        </p:nvSpPr>
-        <p:spPr>
-          <a:xfrm>
-            <a:off x="3522272" y="3053140"/>
-            <a:ext cx="2115900" cy="527700"/>
-          </a:xfrm>
-          <a:prstGeom prst="rect">
-            <a:avLst/>
-          </a:prstGeom>
-        </p:spPr>
-        <p:txBody>
-          <a:bodyPr spcFirstLastPara="1" wrap="square" lIns="91425" tIns="91425" rIns="91425" bIns="91425" anchor="ctr" anchorCtr="0">
-            <a:noAutofit/>
-          </a:bodyPr>
-          <a:lstStyle/>
-          <a:p>
-            <a:pPr marL="0" lvl="0" indent="0" algn="l" rtl="0">
-              <a:spcBef>
-                <a:spcPts val="0"/>
-              </a:spcBef>
-              <a:spcAft>
-                <a:spcPts val="0"/>
-              </a:spcAft>
-              <a:buNone/>
-            </a:pPr>
-            <a:r>
-              <a:rPr lang="en"/>
-              <a:t>Rise of socialism</a:t>
-            </a:r>
-            <a:endParaRPr/>
-          </a:p>
-        </p:txBody>
-      </p:sp>
-      <p:sp>
-        <p:nvSpPr>
-          <p:cNvPr id="440" name="Google Shape;440;p56"/>
-          <p:cNvSpPr txBox="1">
-            <a:spLocks noGrp="1"/>
-          </p:cNvSpPr>
-          <p:nvPr>
-            <p:ph type="subTitle" idx="8"/>
-          </p:nvPr>
-        </p:nvSpPr>
-        <p:spPr>
-          <a:xfrm>
-            <a:off x="3522272" y="3702775"/>
-            <a:ext cx="2115900" cy="484800"/>
-          </a:xfrm>
-          <a:prstGeom prst="rect">
-            <a:avLst/>
-          </a:prstGeom>
-        </p:spPr>
-        <p:txBody>
-          <a:bodyPr spcFirstLastPara="1" wrap="square" lIns="91425" tIns="91425" rIns="91425" bIns="91425" anchor="ctr" anchorCtr="0">
-            <a:noAutofit/>
-          </a:bodyPr>
-          <a:lstStyle/>
-          <a:p>
-            <a:pPr marL="0" lvl="0" indent="0" algn="l" rtl="0">
-              <a:spcBef>
-                <a:spcPts val="0"/>
-              </a:spcBef>
-              <a:spcAft>
-                <a:spcPts val="0"/>
-              </a:spcAft>
-              <a:buNone/>
-            </a:pPr>
-            <a:r>
-              <a:rPr lang="en"/>
-              <a:t>Saturn is the only planet with rings</a:t>
-            </a:r>
-            <a:endParaRPr/>
-          </a:p>
-        </p:txBody>
-      </p:sp>
-    </p:spTree>
-  </p:cSld>
-  <p:clrMapOvr>
-    <a:masterClrMapping/>
-  </p:clrMapOvr>
-  <p:timing>
-    <p:tnLst>
-      <p:par>
-        <p:cTn id="1" dur="indefinite" restart="never" nodeType="tmRoot"/>
-      </p:par>
-    </p:tnLst>
-  </p:timing>
-</p:sld>
-</file>
-
-<file path=ppt/slides/slide11.xml><?xml version="1.0" encoding="utf-8"?>
-<p:sld xmlns:a="http://schemas.openxmlformats.org/drawingml/2006/main" xmlns:r="http://schemas.openxmlformats.org/officeDocument/2006/relationships" xmlns:p="http://schemas.openxmlformats.org/presentationml/2006/main">
-  <p:cSld>
-    <p:spTree>
-      <p:nvGrpSpPr>
-        <p:cNvPr id="1" name="Shape 660"/>
-        <p:cNvGrpSpPr/>
-        <p:nvPr/>
-      </p:nvGrpSpPr>
-      <p:grpSpPr>
-        <a:xfrm>
-          <a:off x="0" y="0"/>
-          <a:ext cx="0" cy="0"/>
-          <a:chOff x="0" y="0"/>
-          <a:chExt cx="0" cy="0"/>
-        </a:xfrm>
-      </p:grpSpPr>
-      <p:sp>
-        <p:nvSpPr>
-          <p:cNvPr id="661" name="Google Shape;661;p70"/>
-          <p:cNvSpPr txBox="1">
-            <a:spLocks noGrp="1"/>
-          </p:cNvSpPr>
-          <p:nvPr>
-            <p:ph type="title"/>
-          </p:nvPr>
-        </p:nvSpPr>
-        <p:spPr>
-          <a:xfrm>
-            <a:off x="720000" y="445025"/>
-            <a:ext cx="7704000" cy="572700"/>
-          </a:xfrm>
-          <a:prstGeom prst="rect">
-            <a:avLst/>
-          </a:prstGeom>
-        </p:spPr>
-        <p:txBody>
-          <a:bodyPr spcFirstLastPara="1" wrap="square" lIns="91425" tIns="91425" rIns="91425" bIns="91425" anchor="t" anchorCtr="0">
-            <a:noAutofit/>
-          </a:bodyPr>
-          <a:lstStyle/>
-          <a:p>
-            <a:pPr marL="0" lvl="0" indent="0" algn="l" rtl="0">
-              <a:spcBef>
-                <a:spcPts val="0"/>
-              </a:spcBef>
-              <a:spcAft>
-                <a:spcPts val="0"/>
-              </a:spcAft>
-              <a:buNone/>
-            </a:pPr>
-            <a:r>
-              <a:rPr lang="en"/>
-              <a:t>Industrial infographic</a:t>
-            </a:r>
-            <a:endParaRPr/>
-          </a:p>
-        </p:txBody>
-      </p:sp>
-      <p:sp>
-        <p:nvSpPr>
-          <p:cNvPr id="662" name="Google Shape;662;p70"/>
-          <p:cNvSpPr txBox="1"/>
-          <p:nvPr/>
-        </p:nvSpPr>
-        <p:spPr>
-          <a:xfrm flipH="1">
-            <a:off x="720003" y="2618073"/>
-            <a:ext cx="1680300" cy="484800"/>
-          </a:xfrm>
-          <a:prstGeom prst="rect">
-            <a:avLst/>
-          </a:prstGeom>
-          <a:noFill/>
-          <a:ln>
-            <a:noFill/>
-          </a:ln>
-        </p:spPr>
-        <p:txBody>
-          <a:bodyPr spcFirstLastPara="1" wrap="square" lIns="91425" tIns="91425" rIns="91425" bIns="91425" anchor="ctr" anchorCtr="0">
-            <a:noAutofit/>
-          </a:bodyPr>
-          <a:lstStyle/>
-          <a:p>
-            <a:pPr marL="0" lvl="0" indent="0" algn="l" rtl="0">
-              <a:spcBef>
-                <a:spcPts val="0"/>
-              </a:spcBef>
-              <a:spcAft>
-                <a:spcPts val="0"/>
-              </a:spcAft>
-              <a:buNone/>
-            </a:pPr>
-            <a:r>
-              <a:rPr lang="en">
-                <a:solidFill>
-                  <a:schemeClr val="dk1"/>
-                </a:solidFill>
-                <a:latin typeface="Assistant"/>
-                <a:ea typeface="Assistant"/>
-                <a:cs typeface="Assistant"/>
-                <a:sym typeface="Assistant"/>
-              </a:rPr>
-              <a:t>Mars is actually a very cold place</a:t>
-            </a:r>
-            <a:endParaRPr>
-              <a:solidFill>
-                <a:schemeClr val="dk1"/>
-              </a:solidFill>
-              <a:latin typeface="Assistant"/>
-              <a:ea typeface="Assistant"/>
-              <a:cs typeface="Assistant"/>
-              <a:sym typeface="Assistant"/>
-            </a:endParaRPr>
-          </a:p>
-        </p:txBody>
-      </p:sp>
-      <p:sp>
-        <p:nvSpPr>
-          <p:cNvPr id="663" name="Google Shape;663;p70"/>
-          <p:cNvSpPr txBox="1"/>
-          <p:nvPr/>
-        </p:nvSpPr>
-        <p:spPr>
-          <a:xfrm flipH="1">
-            <a:off x="720003" y="3666448"/>
-            <a:ext cx="1680300" cy="484800"/>
-          </a:xfrm>
-          <a:prstGeom prst="rect">
-            <a:avLst/>
-          </a:prstGeom>
-          <a:noFill/>
-          <a:ln>
-            <a:noFill/>
-          </a:ln>
-        </p:spPr>
-        <p:txBody>
-          <a:bodyPr spcFirstLastPara="1" wrap="square" lIns="91425" tIns="91425" rIns="91425" bIns="91425" anchor="ctr" anchorCtr="0">
-            <a:noAutofit/>
-          </a:bodyPr>
-          <a:lstStyle/>
-          <a:p>
-            <a:pPr marL="0" lvl="0" indent="0" algn="l" rtl="0">
-              <a:spcBef>
-                <a:spcPts val="0"/>
-              </a:spcBef>
-              <a:spcAft>
-                <a:spcPts val="0"/>
-              </a:spcAft>
-              <a:buNone/>
-            </a:pPr>
-            <a:r>
-              <a:rPr lang="en">
-                <a:solidFill>
-                  <a:schemeClr val="dk1"/>
-                </a:solidFill>
-                <a:latin typeface="Assistant"/>
-                <a:ea typeface="Assistant"/>
-                <a:cs typeface="Assistant"/>
-                <a:sym typeface="Assistant"/>
-              </a:rPr>
-              <a:t>Neptune is very far from the Sun</a:t>
-            </a:r>
-            <a:endParaRPr>
-              <a:solidFill>
-                <a:schemeClr val="dk1"/>
-              </a:solidFill>
-              <a:latin typeface="Assistant"/>
-              <a:ea typeface="Assistant"/>
-              <a:cs typeface="Assistant"/>
-              <a:sym typeface="Assistant"/>
-            </a:endParaRPr>
-          </a:p>
-        </p:txBody>
-      </p:sp>
-      <p:sp>
-        <p:nvSpPr>
-          <p:cNvPr id="664" name="Google Shape;664;p70"/>
-          <p:cNvSpPr txBox="1"/>
-          <p:nvPr/>
-        </p:nvSpPr>
-        <p:spPr>
-          <a:xfrm flipH="1">
-            <a:off x="720003" y="2194470"/>
-            <a:ext cx="1680300" cy="527700"/>
-          </a:xfrm>
-          <a:prstGeom prst="rect">
-            <a:avLst/>
-          </a:prstGeom>
-          <a:noFill/>
-          <a:ln>
-            <a:noFill/>
-          </a:ln>
-        </p:spPr>
-        <p:txBody>
-          <a:bodyPr spcFirstLastPara="1" wrap="square" lIns="91425" tIns="91425" rIns="91425" bIns="91425" anchor="ctr" anchorCtr="0">
-            <a:noAutofit/>
-          </a:bodyPr>
-          <a:lstStyle/>
-          <a:p>
-            <a:pPr marL="0" lvl="0" indent="0" algn="l" rtl="0">
-              <a:spcBef>
-                <a:spcPts val="0"/>
-              </a:spcBef>
-              <a:spcAft>
-                <a:spcPts val="0"/>
-              </a:spcAft>
-              <a:buNone/>
-            </a:pPr>
-            <a:r>
-              <a:rPr lang="en" sz="1800">
-                <a:solidFill>
-                  <a:schemeClr val="lt1"/>
-                </a:solidFill>
-                <a:latin typeface="Shrikhand"/>
-                <a:ea typeface="Shrikhand"/>
-                <a:cs typeface="Shrikhand"/>
-                <a:sym typeface="Shrikhand"/>
-              </a:rPr>
-              <a:t>Energy</a:t>
-            </a:r>
-            <a:endParaRPr sz="1800">
-              <a:solidFill>
-                <a:schemeClr val="lt1"/>
-              </a:solidFill>
-              <a:latin typeface="Shrikhand"/>
-              <a:ea typeface="Shrikhand"/>
-              <a:cs typeface="Shrikhand"/>
-              <a:sym typeface="Shrikhand"/>
-            </a:endParaRPr>
-          </a:p>
-        </p:txBody>
-      </p:sp>
-      <p:sp>
-        <p:nvSpPr>
-          <p:cNvPr id="665" name="Google Shape;665;p70"/>
-          <p:cNvSpPr txBox="1"/>
-          <p:nvPr/>
-        </p:nvSpPr>
-        <p:spPr>
-          <a:xfrm flipH="1">
-            <a:off x="720003" y="3242845"/>
-            <a:ext cx="1680300" cy="527700"/>
-          </a:xfrm>
-          <a:prstGeom prst="rect">
-            <a:avLst/>
-          </a:prstGeom>
-          <a:noFill/>
-          <a:ln>
-            <a:noFill/>
-          </a:ln>
-        </p:spPr>
-        <p:txBody>
-          <a:bodyPr spcFirstLastPara="1" wrap="square" lIns="91425" tIns="91425" rIns="91425" bIns="91425" anchor="ctr" anchorCtr="0">
-            <a:noAutofit/>
-          </a:bodyPr>
-          <a:lstStyle/>
-          <a:p>
-            <a:pPr marL="0" lvl="0" indent="0" algn="l" rtl="0">
-              <a:spcBef>
-                <a:spcPts val="0"/>
-              </a:spcBef>
-              <a:spcAft>
-                <a:spcPts val="0"/>
-              </a:spcAft>
-              <a:buNone/>
-            </a:pPr>
-            <a:r>
-              <a:rPr lang="en" sz="1800">
-                <a:solidFill>
-                  <a:schemeClr val="lt1"/>
-                </a:solidFill>
-                <a:latin typeface="Shrikhand"/>
-                <a:ea typeface="Shrikhand"/>
-                <a:cs typeface="Shrikhand"/>
-                <a:sym typeface="Shrikhand"/>
-              </a:rPr>
-              <a:t>Metallurgy</a:t>
-            </a:r>
-            <a:endParaRPr sz="1800">
-              <a:solidFill>
-                <a:schemeClr val="lt1"/>
-              </a:solidFill>
-              <a:latin typeface="Shrikhand"/>
-              <a:ea typeface="Shrikhand"/>
-              <a:cs typeface="Shrikhand"/>
-              <a:sym typeface="Shrikhand"/>
-            </a:endParaRPr>
-          </a:p>
-        </p:txBody>
-      </p:sp>
-      <p:sp>
-        <p:nvSpPr>
-          <p:cNvPr id="666" name="Google Shape;666;p70"/>
-          <p:cNvSpPr txBox="1"/>
-          <p:nvPr/>
-        </p:nvSpPr>
-        <p:spPr>
-          <a:xfrm flipH="1">
-            <a:off x="6743700" y="1144675"/>
-            <a:ext cx="1680300" cy="527700"/>
-          </a:xfrm>
-          <a:prstGeom prst="rect">
-            <a:avLst/>
-          </a:prstGeom>
-          <a:noFill/>
-          <a:ln>
-            <a:noFill/>
-          </a:ln>
-        </p:spPr>
-        <p:txBody>
-          <a:bodyPr spcFirstLastPara="1" wrap="square" lIns="91425" tIns="91425" rIns="91425" bIns="91425" anchor="ctr" anchorCtr="0">
-            <a:noAutofit/>
-          </a:bodyPr>
-          <a:lstStyle/>
-          <a:p>
-            <a:pPr marL="0" lvl="0" indent="0" algn="r" rtl="0">
-              <a:spcBef>
-                <a:spcPts val="0"/>
-              </a:spcBef>
-              <a:spcAft>
-                <a:spcPts val="0"/>
-              </a:spcAft>
-              <a:buNone/>
-            </a:pPr>
-            <a:r>
-              <a:rPr lang="en" sz="1800">
-                <a:solidFill>
-                  <a:schemeClr val="lt1"/>
-                </a:solidFill>
-                <a:latin typeface="Shrikhand"/>
-                <a:ea typeface="Shrikhand"/>
-                <a:cs typeface="Shrikhand"/>
-                <a:sym typeface="Shrikhand"/>
-              </a:rPr>
-              <a:t>Textiles</a:t>
-            </a:r>
-            <a:endParaRPr sz="1800">
-              <a:solidFill>
-                <a:schemeClr val="lt1"/>
-              </a:solidFill>
-              <a:latin typeface="Shrikhand"/>
-              <a:ea typeface="Shrikhand"/>
-              <a:cs typeface="Shrikhand"/>
-              <a:sym typeface="Shrikhand"/>
-            </a:endParaRPr>
-          </a:p>
-        </p:txBody>
-      </p:sp>
-      <p:sp>
-        <p:nvSpPr>
-          <p:cNvPr id="667" name="Google Shape;667;p70"/>
-          <p:cNvSpPr txBox="1"/>
-          <p:nvPr/>
-        </p:nvSpPr>
-        <p:spPr>
-          <a:xfrm flipH="1">
-            <a:off x="6743700" y="1568278"/>
-            <a:ext cx="1680300" cy="484800"/>
-          </a:xfrm>
-          <a:prstGeom prst="rect">
-            <a:avLst/>
-          </a:prstGeom>
-          <a:noFill/>
-          <a:ln>
-            <a:noFill/>
-          </a:ln>
-        </p:spPr>
-        <p:txBody>
-          <a:bodyPr spcFirstLastPara="1" wrap="square" lIns="91425" tIns="91425" rIns="91425" bIns="91425" anchor="ctr" anchorCtr="0">
-            <a:noAutofit/>
-          </a:bodyPr>
-          <a:lstStyle/>
-          <a:p>
-            <a:pPr marL="0" lvl="0" indent="0" algn="r" rtl="0">
-              <a:spcBef>
-                <a:spcPts val="0"/>
-              </a:spcBef>
-              <a:spcAft>
-                <a:spcPts val="0"/>
-              </a:spcAft>
-              <a:buNone/>
-            </a:pPr>
-            <a:r>
-              <a:rPr lang="en">
-                <a:solidFill>
-                  <a:schemeClr val="dk1"/>
-                </a:solidFill>
-                <a:latin typeface="Assistant"/>
-                <a:ea typeface="Assistant"/>
-                <a:cs typeface="Assistant"/>
-                <a:sym typeface="Assistant"/>
-              </a:rPr>
-              <a:t>Mercury is the smallest planet</a:t>
-            </a:r>
-            <a:endParaRPr>
-              <a:solidFill>
-                <a:schemeClr val="dk1"/>
-              </a:solidFill>
-              <a:latin typeface="Assistant"/>
-              <a:ea typeface="Assistant"/>
-              <a:cs typeface="Assistant"/>
-              <a:sym typeface="Assistant"/>
-            </a:endParaRPr>
-          </a:p>
-        </p:txBody>
-      </p:sp>
-      <p:sp>
-        <p:nvSpPr>
-          <p:cNvPr id="668" name="Google Shape;668;p70"/>
-          <p:cNvSpPr txBox="1"/>
-          <p:nvPr/>
-        </p:nvSpPr>
-        <p:spPr>
-          <a:xfrm flipH="1">
-            <a:off x="720003" y="1144675"/>
-            <a:ext cx="1680300" cy="527700"/>
-          </a:xfrm>
-          <a:prstGeom prst="rect">
-            <a:avLst/>
-          </a:prstGeom>
-          <a:noFill/>
-          <a:ln>
-            <a:noFill/>
-          </a:ln>
-        </p:spPr>
-        <p:txBody>
-          <a:bodyPr spcFirstLastPara="1" wrap="square" lIns="91425" tIns="91425" rIns="91425" bIns="91425" anchor="ctr" anchorCtr="0">
-            <a:noAutofit/>
-          </a:bodyPr>
-          <a:lstStyle/>
-          <a:p>
-            <a:pPr marL="0" lvl="0" indent="0" algn="l" rtl="0">
-              <a:spcBef>
-                <a:spcPts val="0"/>
-              </a:spcBef>
-              <a:spcAft>
-                <a:spcPts val="0"/>
-              </a:spcAft>
-              <a:buNone/>
-            </a:pPr>
-            <a:r>
-              <a:rPr lang="en" sz="1800">
-                <a:solidFill>
-                  <a:schemeClr val="lt1"/>
-                </a:solidFill>
-                <a:latin typeface="Shrikhand"/>
-                <a:ea typeface="Shrikhand"/>
-                <a:cs typeface="Shrikhand"/>
-                <a:sym typeface="Shrikhand"/>
-              </a:rPr>
-              <a:t>Agriculture</a:t>
-            </a:r>
-            <a:endParaRPr sz="1800">
-              <a:solidFill>
-                <a:schemeClr val="lt1"/>
-              </a:solidFill>
-              <a:latin typeface="Shrikhand"/>
-              <a:ea typeface="Shrikhand"/>
-              <a:cs typeface="Shrikhand"/>
-              <a:sym typeface="Shrikhand"/>
-            </a:endParaRPr>
-          </a:p>
-        </p:txBody>
-      </p:sp>
-      <p:sp>
-        <p:nvSpPr>
-          <p:cNvPr id="669" name="Google Shape;669;p70"/>
-          <p:cNvSpPr txBox="1"/>
-          <p:nvPr/>
-        </p:nvSpPr>
-        <p:spPr>
-          <a:xfrm flipH="1">
-            <a:off x="720003" y="1568277"/>
-            <a:ext cx="1680300" cy="484800"/>
-          </a:xfrm>
-          <a:prstGeom prst="rect">
-            <a:avLst/>
-          </a:prstGeom>
-          <a:noFill/>
-          <a:ln>
-            <a:noFill/>
-          </a:ln>
-        </p:spPr>
-        <p:txBody>
-          <a:bodyPr spcFirstLastPara="1" wrap="square" lIns="91425" tIns="91425" rIns="91425" bIns="91425" anchor="ctr" anchorCtr="0">
-            <a:noAutofit/>
-          </a:bodyPr>
-          <a:lstStyle/>
-          <a:p>
-            <a:pPr marL="0" lvl="0" indent="0" algn="l" rtl="0">
-              <a:spcBef>
-                <a:spcPts val="0"/>
-              </a:spcBef>
-              <a:spcAft>
-                <a:spcPts val="0"/>
-              </a:spcAft>
-              <a:buNone/>
-            </a:pPr>
-            <a:r>
-              <a:rPr lang="en">
-                <a:solidFill>
-                  <a:schemeClr val="dk1"/>
-                </a:solidFill>
-                <a:latin typeface="Assistant"/>
-                <a:ea typeface="Assistant"/>
-                <a:cs typeface="Assistant"/>
-                <a:sym typeface="Assistant"/>
-              </a:rPr>
-              <a:t>Venus is the second planet from the Sun</a:t>
-            </a:r>
-            <a:endParaRPr>
-              <a:solidFill>
-                <a:schemeClr val="dk1"/>
-              </a:solidFill>
-              <a:latin typeface="Assistant"/>
-              <a:ea typeface="Assistant"/>
-              <a:cs typeface="Assistant"/>
-              <a:sym typeface="Assistant"/>
-            </a:endParaRPr>
-          </a:p>
-        </p:txBody>
-      </p:sp>
-      <p:sp>
-        <p:nvSpPr>
-          <p:cNvPr id="670" name="Google Shape;670;p70"/>
-          <p:cNvSpPr txBox="1"/>
-          <p:nvPr/>
-        </p:nvSpPr>
-        <p:spPr>
-          <a:xfrm flipH="1">
-            <a:off x="6743700" y="2193066"/>
-            <a:ext cx="1680300" cy="527700"/>
-          </a:xfrm>
-          <a:prstGeom prst="rect">
-            <a:avLst/>
-          </a:prstGeom>
-          <a:noFill/>
-          <a:ln>
-            <a:noFill/>
-          </a:ln>
-        </p:spPr>
-        <p:txBody>
-          <a:bodyPr spcFirstLastPara="1" wrap="square" lIns="91425" tIns="91425" rIns="91425" bIns="91425" anchor="ctr" anchorCtr="0">
-            <a:noAutofit/>
-          </a:bodyPr>
-          <a:lstStyle/>
-          <a:p>
-            <a:pPr marL="0" lvl="0" indent="0" algn="r" rtl="0">
-              <a:spcBef>
-                <a:spcPts val="0"/>
-              </a:spcBef>
-              <a:spcAft>
-                <a:spcPts val="0"/>
-              </a:spcAft>
-              <a:buNone/>
-            </a:pPr>
-            <a:r>
-              <a:rPr lang="en" sz="1800">
-                <a:solidFill>
-                  <a:schemeClr val="lt1"/>
-                </a:solidFill>
-                <a:latin typeface="Shrikhand"/>
-                <a:ea typeface="Shrikhand"/>
-                <a:cs typeface="Shrikhand"/>
-                <a:sym typeface="Shrikhand"/>
-              </a:rPr>
-              <a:t>Chemicals</a:t>
-            </a:r>
-            <a:endParaRPr sz="1800">
-              <a:solidFill>
-                <a:schemeClr val="lt1"/>
-              </a:solidFill>
-              <a:latin typeface="Shrikhand"/>
-              <a:ea typeface="Shrikhand"/>
-              <a:cs typeface="Shrikhand"/>
-              <a:sym typeface="Shrikhand"/>
-            </a:endParaRPr>
-          </a:p>
-        </p:txBody>
-      </p:sp>
-      <p:sp>
-        <p:nvSpPr>
-          <p:cNvPr id="671" name="Google Shape;671;p70"/>
-          <p:cNvSpPr txBox="1"/>
-          <p:nvPr/>
-        </p:nvSpPr>
-        <p:spPr>
-          <a:xfrm flipH="1">
-            <a:off x="6743700" y="2616669"/>
-            <a:ext cx="1680300" cy="484800"/>
-          </a:xfrm>
-          <a:prstGeom prst="rect">
-            <a:avLst/>
-          </a:prstGeom>
-          <a:noFill/>
-          <a:ln>
-            <a:noFill/>
-          </a:ln>
-        </p:spPr>
-        <p:txBody>
-          <a:bodyPr spcFirstLastPara="1" wrap="square" lIns="91425" tIns="91425" rIns="91425" bIns="91425" anchor="ctr" anchorCtr="0">
-            <a:noAutofit/>
-          </a:bodyPr>
-          <a:lstStyle/>
-          <a:p>
-            <a:pPr marL="0" lvl="0" indent="0" algn="r" rtl="0">
-              <a:spcBef>
-                <a:spcPts val="0"/>
-              </a:spcBef>
-              <a:spcAft>
-                <a:spcPts val="0"/>
-              </a:spcAft>
-              <a:buNone/>
-            </a:pPr>
-            <a:r>
-              <a:rPr lang="en">
-                <a:solidFill>
-                  <a:schemeClr val="dk1"/>
-                </a:solidFill>
-                <a:latin typeface="Assistant"/>
-                <a:ea typeface="Assistant"/>
-                <a:cs typeface="Assistant"/>
-                <a:sym typeface="Assistant"/>
-              </a:rPr>
-              <a:t>Jupiter is the biggest planet</a:t>
-            </a:r>
-            <a:endParaRPr>
-              <a:solidFill>
-                <a:schemeClr val="dk1"/>
-              </a:solidFill>
-              <a:latin typeface="Assistant"/>
-              <a:ea typeface="Assistant"/>
-              <a:cs typeface="Assistant"/>
-              <a:sym typeface="Assistant"/>
-            </a:endParaRPr>
-          </a:p>
-        </p:txBody>
-      </p:sp>
-      <p:sp>
-        <p:nvSpPr>
-          <p:cNvPr id="672" name="Google Shape;672;p70"/>
-          <p:cNvSpPr txBox="1"/>
-          <p:nvPr/>
-        </p:nvSpPr>
-        <p:spPr>
-          <a:xfrm flipH="1">
-            <a:off x="6743700" y="3242848"/>
-            <a:ext cx="1680300" cy="527700"/>
-          </a:xfrm>
-          <a:prstGeom prst="rect">
-            <a:avLst/>
-          </a:prstGeom>
-          <a:noFill/>
-          <a:ln>
-            <a:noFill/>
-          </a:ln>
-        </p:spPr>
-        <p:txBody>
-          <a:bodyPr spcFirstLastPara="1" wrap="square" lIns="91425" tIns="91425" rIns="91425" bIns="91425" anchor="ctr" anchorCtr="0">
-            <a:noAutofit/>
-          </a:bodyPr>
-          <a:lstStyle/>
-          <a:p>
-            <a:pPr marL="0" lvl="0" indent="0" algn="r" rtl="0">
-              <a:spcBef>
-                <a:spcPts val="0"/>
-              </a:spcBef>
-              <a:spcAft>
-                <a:spcPts val="0"/>
-              </a:spcAft>
-              <a:buNone/>
-            </a:pPr>
-            <a:r>
-              <a:rPr lang="en" sz="1800">
-                <a:solidFill>
-                  <a:schemeClr val="lt1"/>
-                </a:solidFill>
-                <a:latin typeface="Shrikhand"/>
-                <a:ea typeface="Shrikhand"/>
-                <a:cs typeface="Shrikhand"/>
-                <a:sym typeface="Shrikhand"/>
-              </a:rPr>
-              <a:t>Transport</a:t>
-            </a:r>
-            <a:endParaRPr sz="1800">
-              <a:solidFill>
-                <a:schemeClr val="lt1"/>
-              </a:solidFill>
-              <a:latin typeface="Shrikhand"/>
-              <a:ea typeface="Shrikhand"/>
-              <a:cs typeface="Shrikhand"/>
-              <a:sym typeface="Shrikhand"/>
-            </a:endParaRPr>
-          </a:p>
-        </p:txBody>
-      </p:sp>
-      <p:sp>
-        <p:nvSpPr>
-          <p:cNvPr id="673" name="Google Shape;673;p70"/>
-          <p:cNvSpPr txBox="1"/>
-          <p:nvPr/>
-        </p:nvSpPr>
-        <p:spPr>
-          <a:xfrm flipH="1">
-            <a:off x="6743700" y="3666450"/>
-            <a:ext cx="1680300" cy="484800"/>
-          </a:xfrm>
-          <a:prstGeom prst="rect">
-            <a:avLst/>
-          </a:prstGeom>
-          <a:noFill/>
-          <a:ln>
-            <a:noFill/>
-          </a:ln>
-        </p:spPr>
-        <p:txBody>
-          <a:bodyPr spcFirstLastPara="1" wrap="square" lIns="91425" tIns="91425" rIns="91425" bIns="91425" anchor="ctr" anchorCtr="0">
-            <a:noAutofit/>
-          </a:bodyPr>
-          <a:lstStyle/>
-          <a:p>
-            <a:pPr marL="0" lvl="0" indent="0" algn="r" rtl="0">
-              <a:spcBef>
-                <a:spcPts val="0"/>
-              </a:spcBef>
-              <a:spcAft>
-                <a:spcPts val="0"/>
-              </a:spcAft>
-              <a:buNone/>
-            </a:pPr>
-            <a:r>
-              <a:rPr lang="en">
-                <a:solidFill>
-                  <a:schemeClr val="dk1"/>
-                </a:solidFill>
-                <a:latin typeface="Assistant"/>
-                <a:ea typeface="Assistant"/>
-                <a:cs typeface="Assistant"/>
-                <a:sym typeface="Assistant"/>
-              </a:rPr>
-              <a:t>Saturn is the only planet with rings</a:t>
-            </a:r>
-            <a:endParaRPr>
-              <a:solidFill>
-                <a:schemeClr val="dk1"/>
-              </a:solidFill>
-              <a:latin typeface="Assistant"/>
-              <a:ea typeface="Assistant"/>
-              <a:cs typeface="Assistant"/>
-              <a:sym typeface="Assistant"/>
-            </a:endParaRPr>
-          </a:p>
-        </p:txBody>
-      </p:sp>
-      <p:pic>
-        <p:nvPicPr>
-          <p:cNvPr id="674" name="Google Shape;674;p70"/>
-          <p:cNvPicPr preferRelativeResize="0"/>
-          <p:nvPr/>
-        </p:nvPicPr>
-        <p:blipFill rotWithShape="1">
-          <a:blip r:embed="rId3">
-            <a:alphaModFix/>
-          </a:blip>
-          <a:srcRect l="17243" r="17243"/>
-          <a:stretch/>
-        </p:blipFill>
-        <p:spPr>
-          <a:xfrm>
-            <a:off x="3124892" y="1252725"/>
-            <a:ext cx="2894226" cy="2945226"/>
-          </a:xfrm>
-          <a:prstGeom prst="rect">
-            <a:avLst/>
-          </a:prstGeom>
-          <a:noFill/>
-          <a:ln>
-            <a:noFill/>
-          </a:ln>
-        </p:spPr>
-      </p:pic>
-      <p:cxnSp>
-        <p:nvCxnSpPr>
-          <p:cNvPr id="675" name="Google Shape;675;p70"/>
-          <p:cNvCxnSpPr>
-            <a:stCxn id="668" idx="1"/>
-          </p:cNvCxnSpPr>
-          <p:nvPr/>
-        </p:nvCxnSpPr>
-        <p:spPr>
-          <a:xfrm>
-            <a:off x="2400303" y="1408525"/>
-            <a:ext cx="1076400" cy="496500"/>
-          </a:xfrm>
-          <a:prstGeom prst="bentConnector3">
-            <a:avLst>
-              <a:gd name="adj1" fmla="val 50000"/>
-            </a:avLst>
-          </a:prstGeom>
-          <a:noFill/>
-          <a:ln w="9525" cap="flat" cmpd="sng">
-            <a:solidFill>
-              <a:schemeClr val="lt1"/>
-            </a:solidFill>
-            <a:prstDash val="solid"/>
-            <a:round/>
-            <a:headEnd type="oval" w="med" len="med"/>
-            <a:tailEnd type="oval" w="med" len="med"/>
-          </a:ln>
-        </p:spPr>
-      </p:cxnSp>
-      <p:cxnSp>
-        <p:nvCxnSpPr>
-          <p:cNvPr id="676" name="Google Shape;676;p70"/>
-          <p:cNvCxnSpPr>
-            <a:stCxn id="664" idx="1"/>
-          </p:cNvCxnSpPr>
-          <p:nvPr/>
-        </p:nvCxnSpPr>
-        <p:spPr>
-          <a:xfrm rot="10800000" flipH="1">
-            <a:off x="2400303" y="2143020"/>
-            <a:ext cx="2040600" cy="315300"/>
-          </a:xfrm>
-          <a:prstGeom prst="bentConnector3">
-            <a:avLst>
-              <a:gd name="adj1" fmla="val 50000"/>
-            </a:avLst>
-          </a:prstGeom>
-          <a:noFill/>
-          <a:ln w="9525" cap="flat" cmpd="sng">
-            <a:solidFill>
-              <a:schemeClr val="lt1"/>
-            </a:solidFill>
-            <a:prstDash val="solid"/>
-            <a:round/>
-            <a:headEnd type="oval" w="med" len="med"/>
-            <a:tailEnd type="oval" w="med" len="med"/>
-          </a:ln>
-        </p:spPr>
-      </p:cxnSp>
-      <p:cxnSp>
-        <p:nvCxnSpPr>
-          <p:cNvPr id="677" name="Google Shape;677;p70"/>
-          <p:cNvCxnSpPr>
-            <a:stCxn id="665" idx="1"/>
-          </p:cNvCxnSpPr>
-          <p:nvPr/>
-        </p:nvCxnSpPr>
-        <p:spPr>
-          <a:xfrm rot="10800000" flipH="1">
-            <a:off x="2400303" y="3024295"/>
-            <a:ext cx="1874100" cy="482400"/>
-          </a:xfrm>
-          <a:prstGeom prst="bentConnector3">
-            <a:avLst>
-              <a:gd name="adj1" fmla="val 50000"/>
-            </a:avLst>
-          </a:prstGeom>
-          <a:noFill/>
-          <a:ln w="9525" cap="flat" cmpd="sng">
-            <a:solidFill>
-              <a:schemeClr val="lt1"/>
-            </a:solidFill>
-            <a:prstDash val="solid"/>
-            <a:round/>
-            <a:headEnd type="oval" w="med" len="med"/>
-            <a:tailEnd type="oval" w="med" len="med"/>
-          </a:ln>
-        </p:spPr>
-      </p:cxnSp>
-      <p:cxnSp>
-        <p:nvCxnSpPr>
-          <p:cNvPr id="678" name="Google Shape;678;p70"/>
-          <p:cNvCxnSpPr>
-            <a:stCxn id="666" idx="3"/>
-          </p:cNvCxnSpPr>
-          <p:nvPr/>
-        </p:nvCxnSpPr>
-        <p:spPr>
-          <a:xfrm flipH="1">
-            <a:off x="5298300" y="1408525"/>
-            <a:ext cx="1445400" cy="710700"/>
-          </a:xfrm>
-          <a:prstGeom prst="bentConnector3">
-            <a:avLst>
-              <a:gd name="adj1" fmla="val 76937"/>
-            </a:avLst>
-          </a:prstGeom>
-          <a:noFill/>
-          <a:ln w="9525" cap="flat" cmpd="sng">
-            <a:solidFill>
-              <a:schemeClr val="lt1"/>
-            </a:solidFill>
-            <a:prstDash val="solid"/>
-            <a:round/>
-            <a:headEnd type="oval" w="med" len="med"/>
-            <a:tailEnd type="oval" w="med" len="med"/>
-          </a:ln>
-        </p:spPr>
-      </p:cxnSp>
-      <p:cxnSp>
-        <p:nvCxnSpPr>
-          <p:cNvPr id="679" name="Google Shape;679;p70"/>
-          <p:cNvCxnSpPr>
-            <a:stCxn id="670" idx="3"/>
-          </p:cNvCxnSpPr>
-          <p:nvPr/>
-        </p:nvCxnSpPr>
-        <p:spPr>
-          <a:xfrm flipH="1">
-            <a:off x="5524500" y="2456916"/>
-            <a:ext cx="1219200" cy="293400"/>
-          </a:xfrm>
-          <a:prstGeom prst="bentConnector3">
-            <a:avLst>
-              <a:gd name="adj1" fmla="val 50000"/>
-            </a:avLst>
-          </a:prstGeom>
-          <a:noFill/>
-          <a:ln w="9525" cap="flat" cmpd="sng">
-            <a:solidFill>
-              <a:schemeClr val="lt1"/>
-            </a:solidFill>
-            <a:prstDash val="solid"/>
-            <a:round/>
-            <a:headEnd type="oval" w="med" len="med"/>
-            <a:tailEnd type="oval" w="med" len="med"/>
-          </a:ln>
-        </p:spPr>
-      </p:cxnSp>
-      <p:cxnSp>
-        <p:nvCxnSpPr>
-          <p:cNvPr id="680" name="Google Shape;680;p70"/>
-          <p:cNvCxnSpPr>
-            <a:stCxn id="672" idx="3"/>
-          </p:cNvCxnSpPr>
-          <p:nvPr/>
-        </p:nvCxnSpPr>
-        <p:spPr>
-          <a:xfrm rot="10800000">
-            <a:off x="5226900" y="3119398"/>
-            <a:ext cx="1516800" cy="387300"/>
-          </a:xfrm>
-          <a:prstGeom prst="bentConnector3">
-            <a:avLst>
-              <a:gd name="adj1" fmla="val 50000"/>
-            </a:avLst>
-          </a:prstGeom>
-          <a:noFill/>
-          <a:ln w="9525" cap="flat" cmpd="sng">
-            <a:solidFill>
-              <a:schemeClr val="lt1"/>
-            </a:solidFill>
-            <a:prstDash val="solid"/>
-            <a:round/>
-            <a:headEnd type="oval" w="med" len="med"/>
-            <a:tailEnd type="oval" w="med" len="med"/>
-          </a:ln>
-        </p:spPr>
-      </p:cxnSp>
-    </p:spTree>
-  </p:cSld>
-  <p:clrMapOvr>
-    <a:masterClrMapping/>
-  </p:clrMapOvr>
-  <p:timing>
-    <p:tnLst>
-      <p:par>
-        <p:cTn id="1" dur="indefinite" restart="never" nodeType="tmRoot"/>
-      </p:par>
-    </p:tnLst>
-  </p:timing>
-</p:sld>
-</file>
-
-<file path=ppt/slides/slide12.xml><?xml version="1.0" encoding="utf-8"?>
-<p:sld xmlns:a="http://schemas.openxmlformats.org/drawingml/2006/main" xmlns:r="http://schemas.openxmlformats.org/officeDocument/2006/relationships" xmlns:p="http://schemas.openxmlformats.org/presentationml/2006/main">
-  <p:cSld>
-    <p:spTree>
-      <p:nvGrpSpPr>
-        <p:cNvPr id="1" name="Shape 684"/>
-        <p:cNvGrpSpPr/>
-        <p:nvPr/>
-      </p:nvGrpSpPr>
-      <p:grpSpPr>
-        <a:xfrm>
-          <a:off x="0" y="0"/>
-          <a:ext cx="0" cy="0"/>
-          <a:chOff x="0" y="0"/>
-          <a:chExt cx="0" cy="0"/>
-        </a:xfrm>
-      </p:grpSpPr>
-      <p:pic>
-        <p:nvPicPr>
-          <p:cNvPr id="685" name="Google Shape;685;p71"/>
-          <p:cNvPicPr preferRelativeResize="0"/>
-          <p:nvPr/>
-        </p:nvPicPr>
-        <p:blipFill rotWithShape="1">
-          <a:blip r:embed="rId3">
-            <a:alphaModFix/>
-          </a:blip>
-          <a:srcRect t="61735" b="18684"/>
-          <a:stretch/>
-        </p:blipFill>
-        <p:spPr>
-          <a:xfrm>
-            <a:off x="720000" y="3515025"/>
-            <a:ext cx="7704000" cy="1005600"/>
-          </a:xfrm>
-          <a:prstGeom prst="rect">
-            <a:avLst/>
-          </a:prstGeom>
-          <a:noFill/>
-          <a:ln>
-            <a:noFill/>
-          </a:ln>
-        </p:spPr>
-      </p:pic>
-      <p:sp>
-        <p:nvSpPr>
           <p:cNvPr id="686" name="Google Shape;686;p71"/>
           <p:cNvSpPr txBox="1">
             <a:spLocks noGrp="1"/>
@@ -14870,7 +10906,7 @@
         <p:spPr>
           <a:xfrm>
             <a:off x="1770600" y="1219019"/>
-            <a:ext cx="5602800" cy="941100"/>
+            <a:ext cx="5728898" cy="941100"/>
           </a:xfrm>
           <a:prstGeom prst="rect">
             <a:avLst/>
@@ -14892,10 +10928,10 @@
               <a:buNone/>
             </a:pPr>
             <a:r>
-              <a:rPr lang="en"/>
-              <a:t>Let’s exercise</a:t>
+              <a:rPr lang="en" dirty="0" smtClean="0"/>
+              <a:t>Démonstration</a:t>
             </a:r>
-            <a:endParaRPr/>
+            <a:endParaRPr dirty="0"/>
           </a:p>
         </p:txBody>
       </p:sp>
@@ -14953,7 +10989,7 @@
         </p:nvSpPr>
         <p:spPr>
           <a:xfrm>
-            <a:off x="3253200" y="2393144"/>
+            <a:off x="3253200" y="2281050"/>
             <a:ext cx="2637600" cy="713400"/>
           </a:xfrm>
           <a:prstGeom prst="rect">
@@ -14966,20 +11002,37 @@
           </a:bodyPr>
           <a:lstStyle/>
           <a:p>
-            <a:pPr marL="0" lvl="0" indent="0" algn="ctr" rtl="0">
+            <a:pPr marL="285750" lvl="0" indent="-285750" algn="ctr" rtl="0">
               <a:spcBef>
                 <a:spcPts val="0"/>
               </a:spcBef>
               <a:spcAft>
                 <a:spcPts val="1600"/>
               </a:spcAft>
-              <a:buNone/>
+              <a:buFont typeface="Arial" panose="020B0604020202020204" pitchFamily="34" charset="0"/>
+              <a:buChar char="•"/>
             </a:pPr>
             <a:r>
-              <a:rPr lang="en"/>
-              <a:t>You can enter a subtitle here if you need it</a:t>
+              <a:rPr lang="fr-FR" dirty="0" smtClean="0"/>
+              <a:t>Front-end</a:t>
             </a:r>
-            <a:endParaRPr/>
+          </a:p>
+          <a:p>
+            <a:pPr marL="285750" lvl="0" indent="-285750" algn="ctr" rtl="0">
+              <a:spcBef>
+                <a:spcPts val="0"/>
+              </a:spcBef>
+              <a:spcAft>
+                <a:spcPts val="1600"/>
+              </a:spcAft>
+              <a:buFont typeface="Arial" panose="020B0604020202020204" pitchFamily="34" charset="0"/>
+              <a:buChar char="•"/>
+            </a:pPr>
+            <a:r>
+              <a:rPr lang="fr-FR" dirty="0" smtClean="0"/>
+              <a:t>Back-end</a:t>
+            </a:r>
+            <a:endParaRPr dirty="0"/>
           </a:p>
         </p:txBody>
       </p:sp>
@@ -15035,46 +11088,36 @@
           </a:ln>
         </p:spPr>
       </p:cxnSp>
-      <p:sp>
-        <p:nvSpPr>
-          <p:cNvPr id="691" name="Google Shape;691;p71"/>
-          <p:cNvSpPr/>
+      <p:pic>
+        <p:nvPicPr>
+          <p:cNvPr id="2" name="Image 1"/>
+          <p:cNvPicPr>
+            <a:picLocks noChangeAspect="1"/>
+          </p:cNvPicPr>
           <p:nvPr/>
-        </p:nvSpPr>
+        </p:nvPicPr>
+        <p:blipFill>
+          <a:blip r:embed="rId3">
+            <a:extLst>
+              <a:ext uri="{28A0092B-C50C-407E-A947-70E740481C1C}">
+                <a14:useLocalDpi xmlns:a14="http://schemas.microsoft.com/office/drawing/2010/main" val="0"/>
+              </a:ext>
+            </a:extLst>
+          </a:blip>
+          <a:stretch>
+            <a:fillRect/>
+          </a:stretch>
+        </p:blipFill>
         <p:spPr>
           <a:xfrm>
-            <a:off x="6790000" y="2637750"/>
-            <a:ext cx="1197000" cy="1197000"/>
+            <a:off x="2838321" y="2830028"/>
+            <a:ext cx="3593455" cy="1508162"/>
           </a:xfrm>
-          <a:prstGeom prst="ellipse">
+          <a:prstGeom prst="rect">
             <a:avLst/>
           </a:prstGeom>
-          <a:solidFill>
-            <a:schemeClr val="lt1"/>
-          </a:solidFill>
-          <a:ln>
-            <a:noFill/>
-          </a:ln>
         </p:spPr>
-        <p:txBody>
-          <a:bodyPr spcFirstLastPara="1" wrap="square" lIns="91425" tIns="91425" rIns="91425" bIns="91425" anchor="ctr" anchorCtr="0">
-            <a:noAutofit/>
-          </a:bodyPr>
-          <a:lstStyle/>
-          <a:p>
-            <a:pPr marL="0" lvl="0" indent="0" algn="l" rtl="0">
-              <a:spcBef>
-                <a:spcPts val="0"/>
-              </a:spcBef>
-              <a:spcAft>
-                <a:spcPts val="0"/>
-              </a:spcAft>
-              <a:buNone/>
-            </a:pPr>
-            <a:endParaRPr/>
-          </a:p>
-        </p:txBody>
-      </p:sp>
+      </p:pic>
     </p:spTree>
   </p:cSld>
   <p:clrMapOvr>
@@ -15090,7 +11133,7 @@
 </p:sld>
 </file>
 
-<file path=ppt/slides/slide13.xml><?xml version="1.0" encoding="utf-8"?>
+<file path=ppt/slides/slide11.xml><?xml version="1.0" encoding="utf-8"?>
 <p:sld xmlns:a="http://schemas.openxmlformats.org/drawingml/2006/main" xmlns:r="http://schemas.openxmlformats.org/officeDocument/2006/relationships" xmlns:p="http://schemas.openxmlformats.org/presentationml/2006/main">
   <p:cSld>
     <p:spTree>
@@ -15107,6 +11150,36 @@
           <a:chExt cx="0" cy="0"/>
         </a:xfrm>
       </p:grpSpPr>
+      <p:pic>
+        <p:nvPicPr>
+          <p:cNvPr id="19" name="Image 18"/>
+          <p:cNvPicPr>
+            <a:picLocks noChangeAspect="1"/>
+          </p:cNvPicPr>
+          <p:nvPr/>
+        </p:nvPicPr>
+        <p:blipFill>
+          <a:blip r:embed="rId3">
+            <a:extLst>
+              <a:ext uri="{28A0092B-C50C-407E-A947-70E740481C1C}">
+                <a14:useLocalDpi xmlns:a14="http://schemas.microsoft.com/office/drawing/2010/main" val="0"/>
+              </a:ext>
+            </a:extLst>
+          </a:blip>
+          <a:stretch>
+            <a:fillRect/>
+          </a:stretch>
+        </p:blipFill>
+        <p:spPr>
+          <a:xfrm>
+            <a:off x="4567568" y="92147"/>
+            <a:ext cx="4200747" cy="4200747"/>
+          </a:xfrm>
+          <a:prstGeom prst="rect">
+            <a:avLst/>
+          </a:prstGeom>
+        </p:spPr>
+      </p:pic>
       <p:sp>
         <p:nvSpPr>
           <p:cNvPr id="761" name="Google Shape;761;p77"/>
@@ -15189,14 +11262,14 @@
               <a:buNone/>
             </a:pPr>
             <a:r>
-              <a:rPr lang="en">
+              <a:rPr lang="en" dirty="0">
                 <a:solidFill>
                   <a:schemeClr val="dk2"/>
                 </a:solidFill>
               </a:rPr>
               <a:t>Do you have any questions?</a:t>
             </a:r>
-            <a:endParaRPr>
+            <a:endParaRPr dirty="0">
               <a:solidFill>
                 <a:schemeClr val="dk2"/>
               </a:solidFill>
@@ -15217,7 +11290,7 @@
               <a:buFont typeface="Arial"/>
               <a:buNone/>
             </a:pPr>
-            <a:endParaRPr>
+            <a:endParaRPr dirty="0">
               <a:solidFill>
                 <a:schemeClr val="dk2"/>
               </a:solidFill>
@@ -15231,204 +11304,21 @@
               <a:spcAft>
                 <a:spcPts val="0"/>
               </a:spcAft>
-              <a:buClr>
-                <a:schemeClr val="lt1"/>
-              </a:buClr>
-              <a:buSzPts val="1100"/>
-              <a:buFont typeface="Arial"/>
               <a:buNone/>
             </a:pPr>
             <a:r>
-              <a:rPr lang="en">
+              <a:rPr lang="en" dirty="0" smtClean="0">
                 <a:solidFill>
                   <a:schemeClr val="dk2"/>
                 </a:solidFill>
               </a:rPr>
-              <a:t>youremail@freepik.com </a:t>
+              <a:t>jami3a.com</a:t>
             </a:r>
-            <a:endParaRPr>
+            <a:endParaRPr dirty="0">
               <a:solidFill>
                 <a:schemeClr val="dk2"/>
               </a:solidFill>
             </a:endParaRPr>
-          </a:p>
-          <a:p>
-            <a:pPr marL="0" lvl="0" indent="0" algn="l" rtl="0">
-              <a:spcBef>
-                <a:spcPts val="0"/>
-              </a:spcBef>
-              <a:spcAft>
-                <a:spcPts val="0"/>
-              </a:spcAft>
-              <a:buClr>
-                <a:schemeClr val="lt1"/>
-              </a:buClr>
-              <a:buSzPts val="1100"/>
-              <a:buFont typeface="Arial"/>
-              <a:buNone/>
-            </a:pPr>
-            <a:r>
-              <a:rPr lang="en">
-                <a:solidFill>
-                  <a:schemeClr val="dk2"/>
-                </a:solidFill>
-              </a:rPr>
-              <a:t>+91  620 421 838 </a:t>
-            </a:r>
-            <a:endParaRPr>
-              <a:solidFill>
-                <a:schemeClr val="dk2"/>
-              </a:solidFill>
-            </a:endParaRPr>
-          </a:p>
-          <a:p>
-            <a:pPr marL="0" lvl="0" indent="0" algn="l" rtl="0">
-              <a:spcBef>
-                <a:spcPts val="0"/>
-              </a:spcBef>
-              <a:spcAft>
-                <a:spcPts val="0"/>
-              </a:spcAft>
-              <a:buNone/>
-            </a:pPr>
-            <a:r>
-              <a:rPr lang="en">
-                <a:solidFill>
-                  <a:schemeClr val="dk2"/>
-                </a:solidFill>
-              </a:rPr>
-              <a:t>yourcompany.com</a:t>
-            </a:r>
-            <a:endParaRPr>
-              <a:solidFill>
-                <a:schemeClr val="dk2"/>
-              </a:solidFill>
-            </a:endParaRPr>
-          </a:p>
-        </p:txBody>
-      </p:sp>
-      <p:sp>
-        <p:nvSpPr>
-          <p:cNvPr id="763" name="Google Shape;763;p77"/>
-          <p:cNvSpPr txBox="1"/>
-          <p:nvPr/>
-        </p:nvSpPr>
-        <p:spPr>
-          <a:xfrm>
-            <a:off x="720000" y="3966923"/>
-            <a:ext cx="3000000" cy="394200"/>
-          </a:xfrm>
-          <a:prstGeom prst="rect">
-            <a:avLst/>
-          </a:prstGeom>
-          <a:noFill/>
-          <a:ln>
-            <a:noFill/>
-          </a:ln>
-        </p:spPr>
-        <p:txBody>
-          <a:bodyPr spcFirstLastPara="1" wrap="square" lIns="91425" tIns="91425" rIns="91425" bIns="91425" anchor="t" anchorCtr="0">
-            <a:noAutofit/>
-          </a:bodyPr>
-          <a:lstStyle/>
-          <a:p>
-            <a:pPr marL="0" lvl="0" indent="0" algn="l" rtl="0">
-              <a:spcBef>
-                <a:spcPts val="300"/>
-              </a:spcBef>
-              <a:spcAft>
-                <a:spcPts val="0"/>
-              </a:spcAft>
-              <a:buNone/>
-            </a:pPr>
-            <a:r>
-              <a:rPr lang="en" sz="1000">
-                <a:solidFill>
-                  <a:schemeClr val="dk2"/>
-                </a:solidFill>
-                <a:latin typeface="Assistant"/>
-                <a:ea typeface="Assistant"/>
-                <a:cs typeface="Assistant"/>
-                <a:sym typeface="Assistant"/>
-              </a:rPr>
-              <a:t>Please keep this slide for attribution</a:t>
-            </a:r>
-            <a:endParaRPr sz="1000">
-              <a:solidFill>
-                <a:schemeClr val="dk2"/>
-              </a:solidFill>
-              <a:latin typeface="Assistant"/>
-              <a:ea typeface="Assistant"/>
-              <a:cs typeface="Assistant"/>
-              <a:sym typeface="Assistant"/>
-            </a:endParaRPr>
-          </a:p>
-        </p:txBody>
-      </p:sp>
-      <p:pic>
-        <p:nvPicPr>
-          <p:cNvPr id="764" name="Google Shape;764;p77"/>
-          <p:cNvPicPr preferRelativeResize="0"/>
-          <p:nvPr/>
-        </p:nvPicPr>
-        <p:blipFill rotWithShape="1">
-          <a:blip r:embed="rId3">
-            <a:alphaModFix/>
-          </a:blip>
-          <a:srcRect l="21549" r="29406"/>
-          <a:stretch/>
-        </p:blipFill>
-        <p:spPr>
-          <a:xfrm>
-            <a:off x="5567075" y="630000"/>
-            <a:ext cx="2856924" cy="3883500"/>
-          </a:xfrm>
-          <a:prstGeom prst="rect">
-            <a:avLst/>
-          </a:prstGeom>
-          <a:noFill/>
-          <a:ln>
-            <a:noFill/>
-          </a:ln>
-        </p:spPr>
-      </p:pic>
-      <p:sp>
-        <p:nvSpPr>
-          <p:cNvPr id="765" name="Google Shape;765;p77"/>
-          <p:cNvSpPr/>
-          <p:nvPr/>
-        </p:nvSpPr>
-        <p:spPr>
-          <a:xfrm>
-            <a:off x="4899100" y="1208775"/>
-            <a:ext cx="1197000" cy="1197000"/>
-          </a:xfrm>
-          <a:prstGeom prst="ellipse">
-            <a:avLst/>
-          </a:prstGeom>
-          <a:solidFill>
-            <a:schemeClr val="lt1"/>
-          </a:solidFill>
-          <a:ln>
-            <a:noFill/>
-          </a:ln>
-        </p:spPr>
-        <p:txBody>
-          <a:bodyPr spcFirstLastPara="1" wrap="square" lIns="91425" tIns="91425" rIns="91425" bIns="91425" anchor="ctr" anchorCtr="0">
-            <a:noAutofit/>
-          </a:bodyPr>
-          <a:lstStyle/>
-          <a:p>
-            <a:pPr marL="0" lvl="0" indent="0" algn="l" rtl="0">
-              <a:spcBef>
-                <a:spcPts val="0"/>
-              </a:spcBef>
-              <a:spcAft>
-                <a:spcPts val="0"/>
-              </a:spcAft>
-              <a:buNone/>
-            </a:pPr>
-            <a:endParaRPr/>
           </a:p>
         </p:txBody>
       </p:sp>
@@ -18664,7 +14554,7 @@
       </p:sp>
       <p:pic>
         <p:nvPicPr>
-          <p:cNvPr id="3" name="Image 2"/>
+          <p:cNvPr id="2" name="Image 1"/>
           <p:cNvPicPr>
             <a:picLocks noChangeAspect="1"/>
           </p:cNvPicPr>
@@ -18684,8 +14574,8 @@
         </p:blipFill>
         <p:spPr>
           <a:xfrm>
-            <a:off x="425302" y="1099989"/>
-            <a:ext cx="8537696" cy="3755546"/>
+            <a:off x="56708" y="953930"/>
+            <a:ext cx="9023498" cy="4136427"/>
           </a:xfrm>
           <a:prstGeom prst="rect">
             <a:avLst/>
@@ -18764,7 +14654,7 @@
       </p:sp>
       <p:pic>
         <p:nvPicPr>
-          <p:cNvPr id="2" name="Image 1"/>
+          <p:cNvPr id="4" name="Image 3"/>
           <p:cNvPicPr>
             <a:picLocks noChangeAspect="1"/>
           </p:cNvPicPr>
@@ -18784,8 +14674,8 @@
         </p:blipFill>
         <p:spPr>
           <a:xfrm>
-            <a:off x="425302" y="1077431"/>
-            <a:ext cx="8498958" cy="3860505"/>
+            <a:off x="120501" y="1041989"/>
+            <a:ext cx="8910084" cy="4053072"/>
           </a:xfrm>
           <a:prstGeom prst="rect">
             <a:avLst/>
